--- a/Presentación.pptx
+++ b/Presentación.pptx
@@ -5,10 +5,10 @@
     <p:sldMasterId id="2147483648" r:id="rId4"/>
   </p:sldMasterIdLst>
   <p:notesMasterIdLst>
-    <p:notesMasterId r:id="rId26"/>
+    <p:notesMasterId r:id="rId25"/>
   </p:notesMasterIdLst>
   <p:handoutMasterIdLst>
-    <p:handoutMasterId r:id="rId27"/>
+    <p:handoutMasterId r:id="rId26"/>
   </p:handoutMasterIdLst>
   <p:sldIdLst>
     <p:sldId id="289" r:id="rId5"/>
@@ -20,18 +20,17 @@
     <p:sldId id="296" r:id="rId11"/>
     <p:sldId id="316" r:id="rId12"/>
     <p:sldId id="306" r:id="rId13"/>
-    <p:sldId id="308" r:id="rId14"/>
-    <p:sldId id="312" r:id="rId15"/>
-    <p:sldId id="313" r:id="rId16"/>
-    <p:sldId id="314" r:id="rId17"/>
-    <p:sldId id="292" r:id="rId18"/>
-    <p:sldId id="298" r:id="rId19"/>
-    <p:sldId id="299" r:id="rId20"/>
-    <p:sldId id="300" r:id="rId21"/>
-    <p:sldId id="304" r:id="rId22"/>
-    <p:sldId id="293" r:id="rId23"/>
-    <p:sldId id="294" r:id="rId24"/>
-    <p:sldId id="317" r:id="rId25"/>
+    <p:sldId id="312" r:id="rId14"/>
+    <p:sldId id="313" r:id="rId15"/>
+    <p:sldId id="314" r:id="rId16"/>
+    <p:sldId id="292" r:id="rId17"/>
+    <p:sldId id="298" r:id="rId18"/>
+    <p:sldId id="299" r:id="rId19"/>
+    <p:sldId id="300" r:id="rId20"/>
+    <p:sldId id="304" r:id="rId21"/>
+    <p:sldId id="293" r:id="rId22"/>
+    <p:sldId id="294" r:id="rId23"/>
+    <p:sldId id="317" r:id="rId24"/>
   </p:sldIdLst>
   <p:sldSz cx="12192000" cy="6858000"/>
   <p:notesSz cx="6858000" cy="9144000"/>
@@ -1877,7 +1876,7 @@
   <dgm:whole/>
   <dgm:extLst>
     <a:ext uri="http://schemas.microsoft.com/office/drawing/2008/diagram">
-      <dsp:dataModelExt xmlns:dsp="http://schemas.microsoft.com/office/drawing/2008/diagram" relId="rId7" minVer="http://schemas.openxmlformats.org/drawingml/2006/diagram"/>
+      <dsp:dataModelExt xmlns:dsp="http://schemas.microsoft.com/office/drawing/2008/diagram" relId="rId8" minVer="http://schemas.openxmlformats.org/drawingml/2006/diagram"/>
     </a:ext>
   </dgm:extLst>
 </dgm:dataModel>
@@ -1886,8 +1885,8 @@
 <file path=ppt/diagrams/data2.xml><?xml version="1.0" encoding="utf-8"?>
 <dgm:dataModel xmlns:dgm="http://schemas.openxmlformats.org/drawingml/2006/diagram" xmlns:a="http://schemas.openxmlformats.org/drawingml/2006/main">
   <dgm:ptLst>
-    <dgm:pt modelId="{768378F5-B036-45EB-BAD5-504C7D42B574}" type="doc">
-      <dgm:prSet loTypeId="urn:microsoft.com/office/officeart/2005/8/layout/default" loCatId="list" qsTypeId="urn:microsoft.com/office/officeart/2005/8/quickstyle/simple1" qsCatId="simple" csTypeId="urn:microsoft.com/office/officeart/2005/8/colors/accent1_2" csCatId="accent1" phldr="1"/>
+    <dgm:pt modelId="{FD5AA174-C374-4662-8413-A1DC4C3467CF}" type="doc">
+      <dgm:prSet loTypeId="urn:microsoft.com/office/officeart/2005/8/layout/vList2" loCatId="list" qsTypeId="urn:microsoft.com/office/officeart/2005/8/quickstyle/simple1" qsCatId="simple" csTypeId="urn:microsoft.com/office/officeart/2005/8/colors/accent1_2" csCatId="accent1" phldr="1"/>
       <dgm:spPr/>
       <dgm:t>
         <a:bodyPr/>
@@ -1897,26 +1896,45 @@
         </a:p>
       </dgm:t>
     </dgm:pt>
-    <dgm:pt modelId="{7AEF320B-0390-4072-BB34-A7A37D9533B1}">
-      <dgm:prSet phldrT="[Texto]"/>
+    <dgm:pt modelId="{2AF910C4-0C51-47D2-A442-5449CB95BF1B}">
+      <dgm:prSet/>
       <dgm:spPr>
-        <a:solidFill>
-          <a:schemeClr val="accent4"/>
-        </a:solidFill>
+        <a:gradFill flip="none" rotWithShape="1">
+          <a:gsLst>
+            <a:gs pos="0">
+              <a:schemeClr val="accent2">
+                <a:lumMod val="67000"/>
+              </a:schemeClr>
+            </a:gs>
+            <a:gs pos="48000">
+              <a:schemeClr val="accent2">
+                <a:lumMod val="97000"/>
+                <a:lumOff val="3000"/>
+              </a:schemeClr>
+            </a:gs>
+            <a:gs pos="100000">
+              <a:schemeClr val="accent2">
+                <a:lumMod val="40000"/>
+                <a:lumOff val="60000"/>
+              </a:schemeClr>
+            </a:gs>
+          </a:gsLst>
+          <a:lin ang="2700000" scaled="1"/>
+          <a:tileRect/>
+        </a:gradFill>
       </dgm:spPr>
       <dgm:t>
-        <a:bodyPr anchor="ctr" anchorCtr="1"/>
+        <a:bodyPr/>
         <a:lstStyle/>
         <a:p>
-          <a:pPr algn="just"/>
           <a:r>
             <a:rPr lang="es-ES" dirty="0"/>
-            <a:t>El precio tiene correlaciones negativas y débiles con la latitud y longitud, lo que sugiere que la ubicación geográfica no tiene un gran impacto en los precios. </a:t>
+            <a:t>Airbnb ha transformado el mercado de alojamiento, pero también ha contribuido al aumento de precios de alquiler tradicional.</a:t>
           </a:r>
         </a:p>
       </dgm:t>
     </dgm:pt>
-    <dgm:pt modelId="{38C21533-FFD6-4B4F-9ACE-DB39CB330548}" type="parTrans" cxnId="{809222FE-DB11-429B-80A9-97139AAB517B}">
+    <dgm:pt modelId="{AC19EF17-E86B-4E64-8AFC-1C17E883F92C}" type="parTrans" cxnId="{2F2C0E07-52E3-475B-9F88-9CD3A057EB86}">
       <dgm:prSet/>
       <dgm:spPr/>
       <dgm:t>
@@ -1927,7 +1945,7 @@
         </a:p>
       </dgm:t>
     </dgm:pt>
-    <dgm:pt modelId="{1204BBFD-19D6-44EC-B698-DCC5ED844E71}" type="sibTrans" cxnId="{809222FE-DB11-429B-80A9-97139AAB517B}">
+    <dgm:pt modelId="{65BE347A-3185-4484-90D2-ED7FA0FA37C1}" type="sibTrans" cxnId="{2F2C0E07-52E3-475B-9F88-9CD3A057EB86}">
       <dgm:prSet/>
       <dgm:spPr/>
       <dgm:t>
@@ -1938,33 +1956,184 @@
         </a:p>
       </dgm:t>
     </dgm:pt>
-    <dgm:pt modelId="{7C9A5363-5A23-4F4B-986F-3E2B3E1EE714}" type="pres">
-      <dgm:prSet presAssocID="{768378F5-B036-45EB-BAD5-504C7D42B574}" presName="diagram" presStyleCnt="0">
+    <dgm:pt modelId="{6CCC6A1A-949E-4D13-8882-2B0FC0ED8C21}">
+      <dgm:prSet/>
+      <dgm:spPr>
+        <a:gradFill flip="none" rotWithShape="1">
+          <a:gsLst>
+            <a:gs pos="0">
+              <a:schemeClr val="accent2">
+                <a:lumMod val="67000"/>
+              </a:schemeClr>
+            </a:gs>
+            <a:gs pos="48000">
+              <a:schemeClr val="accent2">
+                <a:lumMod val="97000"/>
+                <a:lumOff val="3000"/>
+              </a:schemeClr>
+            </a:gs>
+            <a:gs pos="100000">
+              <a:schemeClr val="accent2">
+                <a:lumMod val="40000"/>
+                <a:lumOff val="60000"/>
+              </a:schemeClr>
+            </a:gs>
+          </a:gsLst>
+          <a:lin ang="2700000" scaled="1"/>
+          <a:tileRect/>
+        </a:gradFill>
+      </dgm:spPr>
+      <dgm:t>
+        <a:bodyPr/>
+        <a:lstStyle/>
+        <a:p>
+          <a:r>
+            <a:rPr lang="es-ES" dirty="0"/>
+            <a:t>Cada ciudad tiene dinámicas únicas: Barcelona lidera en precios altos, Madrid es más estable y Sevilla es extremadamente estacional.</a:t>
+          </a:r>
+        </a:p>
+      </dgm:t>
+    </dgm:pt>
+    <dgm:pt modelId="{E2AE9F3B-F583-4E4F-98C5-7FD729C73D9F}" type="parTrans" cxnId="{867DCE59-22C1-44F3-A767-413C512433A2}">
+      <dgm:prSet/>
+      <dgm:spPr/>
+      <dgm:t>
+        <a:bodyPr/>
+        <a:lstStyle/>
+        <a:p>
+          <a:endParaRPr lang="es-ES"/>
+        </a:p>
+      </dgm:t>
+    </dgm:pt>
+    <dgm:pt modelId="{20ACF7A8-19CF-4B37-B524-E2B7C56FCB28}" type="sibTrans" cxnId="{867DCE59-22C1-44F3-A767-413C512433A2}">
+      <dgm:prSet/>
+      <dgm:spPr/>
+      <dgm:t>
+        <a:bodyPr/>
+        <a:lstStyle/>
+        <a:p>
+          <a:endParaRPr lang="es-ES"/>
+        </a:p>
+      </dgm:t>
+    </dgm:pt>
+    <dgm:pt modelId="{DE1EE8BD-C695-4D5B-B2D1-CDE2E56AB4AA}">
+      <dgm:prSet/>
+      <dgm:spPr>
+        <a:gradFill flip="none" rotWithShape="1">
+          <a:gsLst>
+            <a:gs pos="0">
+              <a:schemeClr val="accent2">
+                <a:lumMod val="67000"/>
+              </a:schemeClr>
+            </a:gs>
+            <a:gs pos="48000">
+              <a:schemeClr val="accent2">
+                <a:lumMod val="97000"/>
+                <a:lumOff val="3000"/>
+              </a:schemeClr>
+            </a:gs>
+            <a:gs pos="100000">
+              <a:schemeClr val="accent2">
+                <a:lumMod val="40000"/>
+                <a:lumOff val="60000"/>
+              </a:schemeClr>
+            </a:gs>
+          </a:gsLst>
+          <a:lin ang="2700000" scaled="1"/>
+          <a:tileRect/>
+        </a:gradFill>
+      </dgm:spPr>
+      <dgm:t>
+        <a:bodyPr/>
+        <a:lstStyle/>
+        <a:p>
+          <a:r>
+            <a:rPr lang="es-ES" dirty="0"/>
+            <a:t>Los reguladores tienen la oportunidad de equilibrar los beneficios económicos de Airbnb con las necesidades de los residentes locales.</a:t>
+          </a:r>
+        </a:p>
+      </dgm:t>
+    </dgm:pt>
+    <dgm:pt modelId="{A11B82B6-3264-4918-AB32-27322A538300}" type="parTrans" cxnId="{884E56A0-06DC-4798-8868-46E8FAFC34F6}">
+      <dgm:prSet/>
+      <dgm:spPr/>
+      <dgm:t>
+        <a:bodyPr/>
+        <a:lstStyle/>
+        <a:p>
+          <a:endParaRPr lang="es-ES"/>
+        </a:p>
+      </dgm:t>
+    </dgm:pt>
+    <dgm:pt modelId="{962040AA-0B9C-489E-ABC8-E9B9AEA4BA36}" type="sibTrans" cxnId="{884E56A0-06DC-4798-8868-46E8FAFC34F6}">
+      <dgm:prSet/>
+      <dgm:spPr/>
+      <dgm:t>
+        <a:bodyPr/>
+        <a:lstStyle/>
+        <a:p>
+          <a:endParaRPr lang="es-ES"/>
+        </a:p>
+      </dgm:t>
+    </dgm:pt>
+    <dgm:pt modelId="{BA897258-371F-4638-8CBB-2E6B0ACEB3CA}" type="pres">
+      <dgm:prSet presAssocID="{FD5AA174-C374-4662-8413-A1DC4C3467CF}" presName="linear" presStyleCnt="0">
         <dgm:presLayoutVars>
-          <dgm:dir/>
+          <dgm:animLvl val="lvl"/>
           <dgm:resizeHandles val="exact"/>
         </dgm:presLayoutVars>
       </dgm:prSet>
       <dgm:spPr/>
     </dgm:pt>
-    <dgm:pt modelId="{5ADE6AF3-4E9E-4938-BC6E-DB4F6E31B2E8}" type="pres">
-      <dgm:prSet presAssocID="{7AEF320B-0390-4072-BB34-A7A37D9533B1}" presName="node" presStyleLbl="node1" presStyleIdx="0" presStyleCnt="1" custLinFactNeighborX="812" custLinFactNeighborY="38208">
+    <dgm:pt modelId="{A9CF3DBF-8362-40B6-977F-E17AD4BF5ADD}" type="pres">
+      <dgm:prSet presAssocID="{2AF910C4-0C51-47D2-A442-5449CB95BF1B}" presName="parentText" presStyleLbl="node1" presStyleIdx="0" presStyleCnt="3">
         <dgm:presLayoutVars>
+          <dgm:chMax val="0"/>
           <dgm:bulletEnabled val="1"/>
         </dgm:presLayoutVars>
       </dgm:prSet>
-      <dgm:spPr>
-        <a:prstGeom prst="flowChartAlternateProcess">
-          <a:avLst/>
-        </a:prstGeom>
-      </dgm:spPr>
+      <dgm:spPr/>
+    </dgm:pt>
+    <dgm:pt modelId="{49AA24AA-D17D-4111-A5B9-0ECD2D1D3085}" type="pres">
+      <dgm:prSet presAssocID="{65BE347A-3185-4484-90D2-ED7FA0FA37C1}" presName="spacer" presStyleCnt="0"/>
+      <dgm:spPr/>
+    </dgm:pt>
+    <dgm:pt modelId="{3B75B6D0-A5D5-40B7-AF1E-01D75D39EFF9}" type="pres">
+      <dgm:prSet presAssocID="{6CCC6A1A-949E-4D13-8882-2B0FC0ED8C21}" presName="parentText" presStyleLbl="node1" presStyleIdx="1" presStyleCnt="3">
+        <dgm:presLayoutVars>
+          <dgm:chMax val="0"/>
+          <dgm:bulletEnabled val="1"/>
+        </dgm:presLayoutVars>
+      </dgm:prSet>
+      <dgm:spPr/>
+    </dgm:pt>
+    <dgm:pt modelId="{A8F5290E-12E8-4026-AE3A-A05D79DABB94}" type="pres">
+      <dgm:prSet presAssocID="{20ACF7A8-19CF-4B37-B524-E2B7C56FCB28}" presName="spacer" presStyleCnt="0"/>
+      <dgm:spPr/>
+    </dgm:pt>
+    <dgm:pt modelId="{B58E9A2D-5C38-45AF-9E9D-DA921AE9E16B}" type="pres">
+      <dgm:prSet presAssocID="{DE1EE8BD-C695-4D5B-B2D1-CDE2E56AB4AA}" presName="parentText" presStyleLbl="node1" presStyleIdx="2" presStyleCnt="3">
+        <dgm:presLayoutVars>
+          <dgm:chMax val="0"/>
+          <dgm:bulletEnabled val="1"/>
+        </dgm:presLayoutVars>
+      </dgm:prSet>
+      <dgm:spPr/>
     </dgm:pt>
   </dgm:ptLst>
   <dgm:cxnLst>
-    <dgm:cxn modelId="{FE07CCDB-0B86-4522-8F29-30AAB985C017}" type="presOf" srcId="{7AEF320B-0390-4072-BB34-A7A37D9533B1}" destId="{5ADE6AF3-4E9E-4938-BC6E-DB4F6E31B2E8}" srcOrd="0" destOrd="0" presId="urn:microsoft.com/office/officeart/2005/8/layout/default"/>
-    <dgm:cxn modelId="{09C72DE2-3144-4992-A372-9C3F2248E68A}" type="presOf" srcId="{768378F5-B036-45EB-BAD5-504C7D42B574}" destId="{7C9A5363-5A23-4F4B-986F-3E2B3E1EE714}" srcOrd="0" destOrd="0" presId="urn:microsoft.com/office/officeart/2005/8/layout/default"/>
-    <dgm:cxn modelId="{809222FE-DB11-429B-80A9-97139AAB517B}" srcId="{768378F5-B036-45EB-BAD5-504C7D42B574}" destId="{7AEF320B-0390-4072-BB34-A7A37D9533B1}" srcOrd="0" destOrd="0" parTransId="{38C21533-FFD6-4B4F-9ACE-DB39CB330548}" sibTransId="{1204BBFD-19D6-44EC-B698-DCC5ED844E71}"/>
-    <dgm:cxn modelId="{36BE53F5-353E-46EA-BBAD-DC5C8C7E812A}" type="presParOf" srcId="{7C9A5363-5A23-4F4B-986F-3E2B3E1EE714}" destId="{5ADE6AF3-4E9E-4938-BC6E-DB4F6E31B2E8}" srcOrd="0" destOrd="0" presId="urn:microsoft.com/office/officeart/2005/8/layout/default"/>
+    <dgm:cxn modelId="{2F2C0E07-52E3-475B-9F88-9CD3A057EB86}" srcId="{FD5AA174-C374-4662-8413-A1DC4C3467CF}" destId="{2AF910C4-0C51-47D2-A442-5449CB95BF1B}" srcOrd="0" destOrd="0" parTransId="{AC19EF17-E86B-4E64-8AFC-1C17E883F92C}" sibTransId="{65BE347A-3185-4484-90D2-ED7FA0FA37C1}"/>
+    <dgm:cxn modelId="{15B6DC14-C1CB-4B47-B2D9-68F91D468387}" type="presOf" srcId="{2AF910C4-0C51-47D2-A442-5449CB95BF1B}" destId="{A9CF3DBF-8362-40B6-977F-E17AD4BF5ADD}" srcOrd="0" destOrd="0" presId="urn:microsoft.com/office/officeart/2005/8/layout/vList2"/>
+    <dgm:cxn modelId="{D3376F50-3211-41BC-BB01-434EA8F66D84}" type="presOf" srcId="{FD5AA174-C374-4662-8413-A1DC4C3467CF}" destId="{BA897258-371F-4638-8CBB-2E6B0ACEB3CA}" srcOrd="0" destOrd="0" presId="urn:microsoft.com/office/officeart/2005/8/layout/vList2"/>
+    <dgm:cxn modelId="{867DCE59-22C1-44F3-A767-413C512433A2}" srcId="{FD5AA174-C374-4662-8413-A1DC4C3467CF}" destId="{6CCC6A1A-949E-4D13-8882-2B0FC0ED8C21}" srcOrd="1" destOrd="0" parTransId="{E2AE9F3B-F583-4E4F-98C5-7FD729C73D9F}" sibTransId="{20ACF7A8-19CF-4B37-B524-E2B7C56FCB28}"/>
+    <dgm:cxn modelId="{D504235A-056D-4032-842E-06B9FF2B7906}" type="presOf" srcId="{DE1EE8BD-C695-4D5B-B2D1-CDE2E56AB4AA}" destId="{B58E9A2D-5C38-45AF-9E9D-DA921AE9E16B}" srcOrd="0" destOrd="0" presId="urn:microsoft.com/office/officeart/2005/8/layout/vList2"/>
+    <dgm:cxn modelId="{884E56A0-06DC-4798-8868-46E8FAFC34F6}" srcId="{FD5AA174-C374-4662-8413-A1DC4C3467CF}" destId="{DE1EE8BD-C695-4D5B-B2D1-CDE2E56AB4AA}" srcOrd="2" destOrd="0" parTransId="{A11B82B6-3264-4918-AB32-27322A538300}" sibTransId="{962040AA-0B9C-489E-ABC8-E9B9AEA4BA36}"/>
+    <dgm:cxn modelId="{105C50DE-7926-4DBC-B7DB-B60664CD2622}" type="presOf" srcId="{6CCC6A1A-949E-4D13-8882-2B0FC0ED8C21}" destId="{3B75B6D0-A5D5-40B7-AF1E-01D75D39EFF9}" srcOrd="0" destOrd="0" presId="urn:microsoft.com/office/officeart/2005/8/layout/vList2"/>
+    <dgm:cxn modelId="{06DBA3E9-2681-4868-862A-FA4840A98CF0}" type="presParOf" srcId="{BA897258-371F-4638-8CBB-2E6B0ACEB3CA}" destId="{A9CF3DBF-8362-40B6-977F-E17AD4BF5ADD}" srcOrd="0" destOrd="0" presId="urn:microsoft.com/office/officeart/2005/8/layout/vList2"/>
+    <dgm:cxn modelId="{7BCACE73-A663-4A9A-B94B-40542C128898}" type="presParOf" srcId="{BA897258-371F-4638-8CBB-2E6B0ACEB3CA}" destId="{49AA24AA-D17D-4111-A5B9-0ECD2D1D3085}" srcOrd="1" destOrd="0" presId="urn:microsoft.com/office/officeart/2005/8/layout/vList2"/>
+    <dgm:cxn modelId="{4CFC0DA9-001B-43DF-AE8D-2224B16358AB}" type="presParOf" srcId="{BA897258-371F-4638-8CBB-2E6B0ACEB3CA}" destId="{3B75B6D0-A5D5-40B7-AF1E-01D75D39EFF9}" srcOrd="2" destOrd="0" presId="urn:microsoft.com/office/officeart/2005/8/layout/vList2"/>
+    <dgm:cxn modelId="{BC26EB89-78BF-4246-9543-29B08937B9B1}" type="presParOf" srcId="{BA897258-371F-4638-8CBB-2E6B0ACEB3CA}" destId="{A8F5290E-12E8-4026-AE3A-A05D79DABB94}" srcOrd="3" destOrd="0" presId="urn:microsoft.com/office/officeart/2005/8/layout/vList2"/>
+    <dgm:cxn modelId="{C1542DFF-860E-43EC-B1B0-01267AFE6F1F}" type="presParOf" srcId="{BA897258-371F-4638-8CBB-2E6B0ACEB3CA}" destId="{B58E9A2D-5C38-45AF-9E9D-DA921AE9E16B}" srcOrd="4" destOrd="0" presId="urn:microsoft.com/office/officeart/2005/8/layout/vList2"/>
   </dgm:cxnLst>
   <dgm:bg/>
   <dgm:whole/>
@@ -2077,22 +2246,42 @@
       <dsp:cNvGrpSpPr/>
     </dsp:nvGrpSpPr>
     <dsp:grpSpPr/>
-    <dsp:sp modelId="{5ADE6AF3-4E9E-4938-BC6E-DB4F6E31B2E8}">
+    <dsp:sp modelId="{A9CF3DBF-8362-40B6-977F-E17AD4BF5ADD}">
       <dsp:nvSpPr>
         <dsp:cNvPr id="0" name=""/>
         <dsp:cNvSpPr/>
       </dsp:nvSpPr>
       <dsp:spPr>
         <a:xfrm>
-          <a:off x="0" y="922417"/>
-          <a:ext cx="3950117" cy="2370070"/>
+          <a:off x="0" y="594998"/>
+          <a:ext cx="10515600" cy="1003860"/>
         </a:xfrm>
-        <a:prstGeom prst="flowChartAlternateProcess">
+        <a:prstGeom prst="roundRect">
           <a:avLst/>
         </a:prstGeom>
-        <a:solidFill>
-          <a:schemeClr val="accent4"/>
-        </a:solidFill>
+        <a:gradFill flip="none" rotWithShape="1">
+          <a:gsLst>
+            <a:gs pos="0">
+              <a:schemeClr val="accent2">
+                <a:lumMod val="67000"/>
+              </a:schemeClr>
+            </a:gs>
+            <a:gs pos="48000">
+              <a:schemeClr val="accent2">
+                <a:lumMod val="97000"/>
+                <a:lumOff val="3000"/>
+              </a:schemeClr>
+            </a:gs>
+            <a:gs pos="100000">
+              <a:schemeClr val="accent2">
+                <a:lumMod val="40000"/>
+                <a:lumOff val="60000"/>
+              </a:schemeClr>
+            </a:gs>
+          </a:gsLst>
+          <a:lin ang="2700000" scaled="1"/>
+          <a:tileRect/>
+        </a:gradFill>
         <a:ln w="12700" cap="flat" cmpd="sng" algn="ctr">
           <a:solidFill>
             <a:schemeClr val="lt1">
@@ -2122,12 +2311,12 @@
         </a:fontRef>
       </dsp:style>
       <dsp:txBody>
-        <a:bodyPr spcFirstLastPara="0" vert="horz" wrap="square" lIns="83820" tIns="83820" rIns="83820" bIns="83820" numCol="1" spcCol="1270" anchor="ctr" anchorCtr="1">
+        <a:bodyPr spcFirstLastPara="0" vert="horz" wrap="square" lIns="99060" tIns="99060" rIns="99060" bIns="99060" numCol="1" spcCol="1270" anchor="ctr" anchorCtr="0">
           <a:noAutofit/>
         </a:bodyPr>
         <a:lstStyle/>
         <a:p>
-          <a:pPr marL="0" lvl="0" indent="0" algn="just" defTabSz="977900">
+          <a:pPr marL="0" lvl="0" indent="0" algn="l" defTabSz="1155700">
             <a:lnSpc>
               <a:spcPct val="90000"/>
             </a:lnSpc>
@@ -2140,14 +2329,200 @@
             <a:buNone/>
           </a:pPr>
           <a:r>
-            <a:rPr lang="es-ES" sz="2200" kern="1200" dirty="0"/>
-            <a:t>El precio tiene correlaciones negativas y débiles con la latitud y longitud, lo que sugiere que la ubicación geográfica no tiene un gran impacto en los precios. </a:t>
+            <a:rPr lang="es-ES" sz="2600" kern="1200" dirty="0"/>
+            <a:t>Airbnb ha transformado el mercado de alojamiento, pero también ha contribuido al aumento de precios de alquiler tradicional.</a:t>
           </a:r>
         </a:p>
       </dsp:txBody>
       <dsp:txXfrm>
-        <a:off x="115695" y="1038112"/>
-        <a:ext cx="3718727" cy="2138680"/>
+        <a:off x="49004" y="644002"/>
+        <a:ext cx="10417592" cy="905852"/>
+      </dsp:txXfrm>
+    </dsp:sp>
+    <dsp:sp modelId="{3B75B6D0-A5D5-40B7-AF1E-01D75D39EFF9}">
+      <dsp:nvSpPr>
+        <dsp:cNvPr id="0" name=""/>
+        <dsp:cNvSpPr/>
+      </dsp:nvSpPr>
+      <dsp:spPr>
+        <a:xfrm>
+          <a:off x="0" y="1673739"/>
+          <a:ext cx="10515600" cy="1003860"/>
+        </a:xfrm>
+        <a:prstGeom prst="roundRect">
+          <a:avLst/>
+        </a:prstGeom>
+        <a:gradFill flip="none" rotWithShape="1">
+          <a:gsLst>
+            <a:gs pos="0">
+              <a:schemeClr val="accent2">
+                <a:lumMod val="67000"/>
+              </a:schemeClr>
+            </a:gs>
+            <a:gs pos="48000">
+              <a:schemeClr val="accent2">
+                <a:lumMod val="97000"/>
+                <a:lumOff val="3000"/>
+              </a:schemeClr>
+            </a:gs>
+            <a:gs pos="100000">
+              <a:schemeClr val="accent2">
+                <a:lumMod val="40000"/>
+                <a:lumOff val="60000"/>
+              </a:schemeClr>
+            </a:gs>
+          </a:gsLst>
+          <a:lin ang="2700000" scaled="1"/>
+          <a:tileRect/>
+        </a:gradFill>
+        <a:ln w="12700" cap="flat" cmpd="sng" algn="ctr">
+          <a:solidFill>
+            <a:schemeClr val="lt1">
+              <a:hueOff val="0"/>
+              <a:satOff val="0"/>
+              <a:lumOff val="0"/>
+              <a:alphaOff val="0"/>
+            </a:schemeClr>
+          </a:solidFill>
+          <a:prstDash val="solid"/>
+          <a:miter lim="800000"/>
+        </a:ln>
+        <a:effectLst/>
+      </dsp:spPr>
+      <dsp:style>
+        <a:lnRef idx="2">
+          <a:scrgbClr r="0" g="0" b="0"/>
+        </a:lnRef>
+        <a:fillRef idx="1">
+          <a:scrgbClr r="0" g="0" b="0"/>
+        </a:fillRef>
+        <a:effectRef idx="0">
+          <a:scrgbClr r="0" g="0" b="0"/>
+        </a:effectRef>
+        <a:fontRef idx="minor">
+          <a:schemeClr val="lt1"/>
+        </a:fontRef>
+      </dsp:style>
+      <dsp:txBody>
+        <a:bodyPr spcFirstLastPara="0" vert="horz" wrap="square" lIns="99060" tIns="99060" rIns="99060" bIns="99060" numCol="1" spcCol="1270" anchor="ctr" anchorCtr="0">
+          <a:noAutofit/>
+        </a:bodyPr>
+        <a:lstStyle/>
+        <a:p>
+          <a:pPr marL="0" lvl="0" indent="0" algn="l" defTabSz="1155700">
+            <a:lnSpc>
+              <a:spcPct val="90000"/>
+            </a:lnSpc>
+            <a:spcBef>
+              <a:spcPct val="0"/>
+            </a:spcBef>
+            <a:spcAft>
+              <a:spcPct val="35000"/>
+            </a:spcAft>
+            <a:buNone/>
+          </a:pPr>
+          <a:r>
+            <a:rPr lang="es-ES" sz="2600" kern="1200" dirty="0"/>
+            <a:t>Cada ciudad tiene dinámicas únicas: Barcelona lidera en precios altos, Madrid es más estable y Sevilla es extremadamente estacional.</a:t>
+          </a:r>
+        </a:p>
+      </dsp:txBody>
+      <dsp:txXfrm>
+        <a:off x="49004" y="1722743"/>
+        <a:ext cx="10417592" cy="905852"/>
+      </dsp:txXfrm>
+    </dsp:sp>
+    <dsp:sp modelId="{B58E9A2D-5C38-45AF-9E9D-DA921AE9E16B}">
+      <dsp:nvSpPr>
+        <dsp:cNvPr id="0" name=""/>
+        <dsp:cNvSpPr/>
+      </dsp:nvSpPr>
+      <dsp:spPr>
+        <a:xfrm>
+          <a:off x="0" y="2752479"/>
+          <a:ext cx="10515600" cy="1003860"/>
+        </a:xfrm>
+        <a:prstGeom prst="roundRect">
+          <a:avLst/>
+        </a:prstGeom>
+        <a:gradFill flip="none" rotWithShape="1">
+          <a:gsLst>
+            <a:gs pos="0">
+              <a:schemeClr val="accent2">
+                <a:lumMod val="67000"/>
+              </a:schemeClr>
+            </a:gs>
+            <a:gs pos="48000">
+              <a:schemeClr val="accent2">
+                <a:lumMod val="97000"/>
+                <a:lumOff val="3000"/>
+              </a:schemeClr>
+            </a:gs>
+            <a:gs pos="100000">
+              <a:schemeClr val="accent2">
+                <a:lumMod val="40000"/>
+                <a:lumOff val="60000"/>
+              </a:schemeClr>
+            </a:gs>
+          </a:gsLst>
+          <a:lin ang="2700000" scaled="1"/>
+          <a:tileRect/>
+        </a:gradFill>
+        <a:ln w="12700" cap="flat" cmpd="sng" algn="ctr">
+          <a:solidFill>
+            <a:schemeClr val="lt1">
+              <a:hueOff val="0"/>
+              <a:satOff val="0"/>
+              <a:lumOff val="0"/>
+              <a:alphaOff val="0"/>
+            </a:schemeClr>
+          </a:solidFill>
+          <a:prstDash val="solid"/>
+          <a:miter lim="800000"/>
+        </a:ln>
+        <a:effectLst/>
+      </dsp:spPr>
+      <dsp:style>
+        <a:lnRef idx="2">
+          <a:scrgbClr r="0" g="0" b="0"/>
+        </a:lnRef>
+        <a:fillRef idx="1">
+          <a:scrgbClr r="0" g="0" b="0"/>
+        </a:fillRef>
+        <a:effectRef idx="0">
+          <a:scrgbClr r="0" g="0" b="0"/>
+        </a:effectRef>
+        <a:fontRef idx="minor">
+          <a:schemeClr val="lt1"/>
+        </a:fontRef>
+      </dsp:style>
+      <dsp:txBody>
+        <a:bodyPr spcFirstLastPara="0" vert="horz" wrap="square" lIns="99060" tIns="99060" rIns="99060" bIns="99060" numCol="1" spcCol="1270" anchor="ctr" anchorCtr="0">
+          <a:noAutofit/>
+        </a:bodyPr>
+        <a:lstStyle/>
+        <a:p>
+          <a:pPr marL="0" lvl="0" indent="0" algn="l" defTabSz="1155700">
+            <a:lnSpc>
+              <a:spcPct val="90000"/>
+            </a:lnSpc>
+            <a:spcBef>
+              <a:spcPct val="0"/>
+            </a:spcBef>
+            <a:spcAft>
+              <a:spcPct val="35000"/>
+            </a:spcAft>
+            <a:buNone/>
+          </a:pPr>
+          <a:r>
+            <a:rPr lang="es-ES" sz="2600" kern="1200" dirty="0"/>
+            <a:t>Los reguladores tienen la oportunidad de equilibrar los beneficios económicos de Airbnb con las necesidades de los residentes locales.</a:t>
+          </a:r>
+        </a:p>
+      </dsp:txBody>
+      <dsp:txXfrm>
+        <a:off x="49004" y="2801483"/>
+        <a:ext cx="10417592" cy="905852"/>
       </dsp:txXfrm>
     </dsp:sp>
   </dsp:spTree>
@@ -2677,11 +3052,12 @@
 </file>
 
 <file path=ppt/diagrams/layout2.xml><?xml version="1.0" encoding="utf-8"?>
-<dgm:layoutDef xmlns:dgm="http://schemas.openxmlformats.org/drawingml/2006/diagram" xmlns:a="http://schemas.openxmlformats.org/drawingml/2006/main" uniqueId="urn:microsoft.com/office/officeart/2005/8/layout/default">
+<dgm:layoutDef xmlns:dgm="http://schemas.openxmlformats.org/drawingml/2006/diagram" xmlns:a="http://schemas.openxmlformats.org/drawingml/2006/main" uniqueId="urn:microsoft.com/office/officeart/2005/8/layout/vList2">
   <dgm:title val=""/>
   <dgm:desc val=""/>
   <dgm:catLst>
-    <dgm:cat type="list" pri="400"/>
+    <dgm:cat type="list" pri="3000"/>
+    <dgm:cat type="convert" pri="1000"/>
   </dgm:catLst>
   <dgm:sampData>
     <dgm:dataModel>
@@ -2690,25 +3066,21 @@
         <dgm:pt modelId="1">
           <dgm:prSet phldr="1"/>
         </dgm:pt>
+        <dgm:pt modelId="11">
+          <dgm:prSet phldr="1"/>
+        </dgm:pt>
         <dgm:pt modelId="2">
           <dgm:prSet phldr="1"/>
         </dgm:pt>
-        <dgm:pt modelId="3">
-          <dgm:prSet phldr="1"/>
-        </dgm:pt>
-        <dgm:pt modelId="4">
-          <dgm:prSet phldr="1"/>
-        </dgm:pt>
-        <dgm:pt modelId="5">
+        <dgm:pt modelId="21">
           <dgm:prSet phldr="1"/>
         </dgm:pt>
       </dgm:ptLst>
       <dgm:cxnLst>
-        <dgm:cxn modelId="6" srcId="0" destId="1" srcOrd="0" destOrd="0"/>
-        <dgm:cxn modelId="7" srcId="0" destId="2" srcOrd="1" destOrd="0"/>
-        <dgm:cxn modelId="8" srcId="0" destId="3" srcOrd="2" destOrd="0"/>
-        <dgm:cxn modelId="9" srcId="0" destId="4" srcOrd="3" destOrd="0"/>
-        <dgm:cxn modelId="10" srcId="0" destId="5" srcOrd="4" destOrd="0"/>
+        <dgm:cxn modelId="4" srcId="0" destId="1" srcOrd="0" destOrd="0"/>
+        <dgm:cxn modelId="5" srcId="0" destId="2" srcOrd="1" destOrd="0"/>
+        <dgm:cxn modelId="12" srcId="1" destId="11" srcOrd="0" destOrd="0"/>
+        <dgm:cxn modelId="23" srcId="2" destId="21" srcOrd="0" destOrd="0"/>
       </dgm:cxnLst>
       <dgm:bg/>
       <dgm:whole/>
@@ -2737,87 +3109,110 @@
         <dgm:pt modelId="2"/>
         <dgm:pt modelId="3"/>
         <dgm:pt modelId="4"/>
-        <dgm:pt modelId="5"/>
-        <dgm:pt modelId="6"/>
       </dgm:ptLst>
       <dgm:cxnLst>
-        <dgm:cxn modelId="7" srcId="0" destId="1" srcOrd="0" destOrd="0"/>
-        <dgm:cxn modelId="8" srcId="0" destId="2" srcOrd="1" destOrd="0"/>
-        <dgm:cxn modelId="9" srcId="0" destId="3" srcOrd="2" destOrd="0"/>
-        <dgm:cxn modelId="10" srcId="0" destId="4" srcOrd="3" destOrd="0"/>
-        <dgm:cxn modelId="11" srcId="0" destId="5" srcOrd="4" destOrd="0"/>
-        <dgm:cxn modelId="12" srcId="0" destId="6" srcOrd="5" destOrd="0"/>
+        <dgm:cxn modelId="5" srcId="0" destId="1" srcOrd="0" destOrd="0"/>
+        <dgm:cxn modelId="6" srcId="0" destId="2" srcOrd="1" destOrd="0"/>
+        <dgm:cxn modelId="7" srcId="0" destId="3" srcOrd="2" destOrd="0"/>
+        <dgm:cxn modelId="8" srcId="0" destId="4" srcOrd="3" destOrd="0"/>
       </dgm:cxnLst>
       <dgm:bg/>
       <dgm:whole/>
     </dgm:dataModel>
   </dgm:clrData>
-  <dgm:layoutNode name="diagram">
+  <dgm:layoutNode name="linear">
     <dgm:varLst>
-      <dgm:dir/>
+      <dgm:animLvl val="lvl"/>
       <dgm:resizeHandles val="exact"/>
     </dgm:varLst>
-    <dgm:choose name="Name0">
-      <dgm:if name="Name1" func="var" arg="dir" op="equ" val="norm">
-        <dgm:alg type="snake">
-          <dgm:param type="grDir" val="tL"/>
-          <dgm:param type="flowDir" val="row"/>
-          <dgm:param type="contDir" val="sameDir"/>
-          <dgm:param type="off" val="ctr"/>
-        </dgm:alg>
-      </dgm:if>
-      <dgm:else name="Name2">
-        <dgm:alg type="snake">
-          <dgm:param type="grDir" val="tR"/>
-          <dgm:param type="flowDir" val="row"/>
-          <dgm:param type="contDir" val="sameDir"/>
-          <dgm:param type="off" val="ctr"/>
-        </dgm:alg>
-      </dgm:else>
-    </dgm:choose>
+    <dgm:alg type="lin">
+      <dgm:param type="linDir" val="fromT"/>
+      <dgm:param type="vertAlign" val="mid"/>
+    </dgm:alg>
     <dgm:shape xmlns:r="http://schemas.openxmlformats.org/officeDocument/2006/relationships" r:blip="">
       <dgm:adjLst/>
     </dgm:shape>
     <dgm:presOf/>
     <dgm:constrLst>
-      <dgm:constr type="w" for="ch" forName="node" refType="w"/>
-      <dgm:constr type="h" for="ch" forName="node" refType="w" refFor="ch" refForName="node" fact="0.6"/>
-      <dgm:constr type="w" for="ch" forName="sibTrans" refType="w" refFor="ch" refForName="node" fact="0.1"/>
-      <dgm:constr type="sp" refType="w" refFor="ch" refForName="sibTrans"/>
-      <dgm:constr type="primFontSz" for="ch" forName="node" op="equ" val="65"/>
+      <dgm:constr type="w" for="ch" forName="parentText" refType="w"/>
+      <dgm:constr type="h" for="ch" forName="parentText" refType="primFontSz" refFor="ch" refForName="parentText" fact="0.52"/>
+      <dgm:constr type="w" for="ch" forName="childText" refType="w"/>
+      <dgm:constr type="h" for="ch" forName="childText" refType="primFontSz" refFor="ch" refForName="parentText" fact="0.46"/>
+      <dgm:constr type="h" for="ch" forName="parentText" op="equ"/>
+      <dgm:constr type="primFontSz" for="ch" forName="parentText" op="equ" val="65"/>
+      <dgm:constr type="primFontSz" for="ch" forName="childText" refType="primFontSz" refFor="ch" refForName="parentText" op="equ"/>
+      <dgm:constr type="h" for="ch" forName="spacer" refType="primFontSz" refFor="ch" refForName="parentText" fact="0.08"/>
     </dgm:constrLst>
-    <dgm:ruleLst/>
-    <dgm:forEach name="Name3" axis="ch" ptType="node">
-      <dgm:layoutNode name="node">
+    <dgm:ruleLst>
+      <dgm:rule type="primFontSz" for="ch" forName="parentText" val="5" fact="NaN" max="NaN"/>
+    </dgm:ruleLst>
+    <dgm:forEach name="Name0" axis="ch" ptType="node">
+      <dgm:layoutNode name="parentText" styleLbl="node1">
         <dgm:varLst>
+          <dgm:chMax val="0"/>
           <dgm:bulletEnabled val="1"/>
         </dgm:varLst>
-        <dgm:alg type="tx"/>
-        <dgm:shape xmlns:r="http://schemas.openxmlformats.org/officeDocument/2006/relationships" type="rect" r:blip="">
+        <dgm:alg type="tx">
+          <dgm:param type="parTxLTRAlign" val="l"/>
+          <dgm:param type="parTxRTLAlign" val="r"/>
+        </dgm:alg>
+        <dgm:shape xmlns:r="http://schemas.openxmlformats.org/officeDocument/2006/relationships" type="roundRect" r:blip="">
           <dgm:adjLst/>
         </dgm:shape>
-        <dgm:presOf axis="desOrSelf" ptType="node"/>
+        <dgm:presOf axis="self"/>
         <dgm:constrLst>
+          <dgm:constr type="tMarg" refType="primFontSz" fact="0.3"/>
+          <dgm:constr type="bMarg" refType="primFontSz" fact="0.3"/>
           <dgm:constr type="lMarg" refType="primFontSz" fact="0.3"/>
           <dgm:constr type="rMarg" refType="primFontSz" fact="0.3"/>
-          <dgm:constr type="tMarg" refType="primFontSz" fact="0.3"/>
-          <dgm:constr type="bMarg" refType="primFontSz" fact="0.3"/>
         </dgm:constrLst>
         <dgm:ruleLst>
-          <dgm:rule type="primFontSz" val="5" fact="NaN" max="NaN"/>
+          <dgm:rule type="h" val="INF" fact="NaN" max="NaN"/>
         </dgm:ruleLst>
       </dgm:layoutNode>
-      <dgm:forEach name="Name4" axis="followSib" ptType="sibTrans" cnt="1">
-        <dgm:layoutNode name="sibTrans">
-          <dgm:alg type="sp"/>
-          <dgm:shape xmlns:r="http://schemas.openxmlformats.org/officeDocument/2006/relationships" r:blip="">
-            <dgm:adjLst/>
-          </dgm:shape>
-          <dgm:presOf/>
-          <dgm:constrLst/>
-          <dgm:ruleLst/>
-        </dgm:layoutNode>
-      </dgm:forEach>
+      <dgm:choose name="Name1">
+        <dgm:if name="Name2" axis="ch" ptType="node" func="cnt" op="gte" val="1">
+          <dgm:layoutNode name="childText" styleLbl="revTx">
+            <dgm:varLst>
+              <dgm:bulletEnabled val="1"/>
+            </dgm:varLst>
+            <dgm:alg type="tx">
+              <dgm:param type="stBulletLvl" val="1"/>
+              <dgm:param type="lnSpAfChP" val="20"/>
+            </dgm:alg>
+            <dgm:shape xmlns:r="http://schemas.openxmlformats.org/officeDocument/2006/relationships" type="rect" r:blip="">
+              <dgm:adjLst/>
+            </dgm:shape>
+            <dgm:presOf axis="des" ptType="node"/>
+            <dgm:constrLst>
+              <dgm:constr type="tMarg" refType="primFontSz" fact="0.1"/>
+              <dgm:constr type="bMarg" refType="primFontSz" fact="0.1"/>
+              <dgm:constr type="lMarg" refType="w" fact="0.09"/>
+            </dgm:constrLst>
+            <dgm:ruleLst>
+              <dgm:rule type="h" val="INF" fact="NaN" max="NaN"/>
+            </dgm:ruleLst>
+          </dgm:layoutNode>
+        </dgm:if>
+        <dgm:else name="Name3">
+          <dgm:choose name="Name4">
+            <dgm:if name="Name5" axis="par ch" ptType="doc node" func="cnt" op="gte" val="2">
+              <dgm:forEach name="Name6" axis="followSib" ptType="sibTrans" cnt="1">
+                <dgm:layoutNode name="spacer">
+                  <dgm:alg type="sp"/>
+                  <dgm:shape xmlns:r="http://schemas.openxmlformats.org/officeDocument/2006/relationships" r:blip="">
+                    <dgm:adjLst/>
+                  </dgm:shape>
+                  <dgm:presOf/>
+                  <dgm:constrLst/>
+                  <dgm:ruleLst/>
+                </dgm:layoutNode>
+              </dgm:forEach>
+            </dgm:if>
+            <dgm:else name="Name7"/>
+          </dgm:choose>
+        </dgm:else>
+      </dgm:choose>
     </dgm:forEach>
   </dgm:layoutNode>
 </dgm:layoutDef>
@@ -4987,7 +5382,7 @@
             <a:pPr rtl="0"/>
             <a:fld id="{18EB8BBB-53FA-476C-A309-D2686EA80C4C}" type="datetime1">
               <a:rPr lang="es-ES" smtClean="0"/>
-              <a:t>17/12/2024</a:t>
+              <a:t>18/12/2024</a:t>
             </a:fld>
             <a:endParaRPr lang="es-ES" dirty="0"/>
           </a:p>
@@ -5168,7 +5563,7 @@
             <a:fld id="{C38D056B-5EC6-42CD-AF94-4751959146DD}" type="datetime1">
               <a:rPr lang="es-ES" smtClean="0"/>
               <a:pPr/>
-              <a:t>17/12/2024</a:t>
+              <a:t>18/12/2024</a:t>
             </a:fld>
             <a:endParaRPr lang="es-ES" dirty="0"/>
           </a:p>
@@ -5483,6 +5878,192 @@
           <a:bodyPr rtlCol="0"/>
           <a:lstStyle/>
           <a:p>
+            <a:pPr algn="just">
+              <a:lnSpc>
+                <a:spcPct val="107000"/>
+              </a:lnSpc>
+              <a:spcAft>
+                <a:spcPts val="800"/>
+              </a:spcAft>
+            </a:pPr>
+            <a:r>
+              <a:rPr lang="es-ES" sz="1800" b="1" kern="100" dirty="0">
+                <a:effectLst/>
+                <a:latin typeface="Calibri" panose="020F0502020204030204" pitchFamily="34" charset="0"/>
+                <a:ea typeface="Aptos" panose="020B0004020202020204" pitchFamily="34" charset="0"/>
+                <a:cs typeface="Arial" panose="020B0604020202020204" pitchFamily="34" charset="0"/>
+              </a:rPr>
+              <a:t>Introducción (Diapositiva 1)</a:t>
+            </a:r>
+            <a:endParaRPr lang="es-ES" sz="1800" kern="100" dirty="0">
+              <a:effectLst/>
+              <a:latin typeface="Aptos" panose="020B0004020202020204" pitchFamily="34" charset="0"/>
+              <a:ea typeface="Aptos" panose="020B0004020202020204" pitchFamily="34" charset="0"/>
+              <a:cs typeface="Arial" panose="020B0604020202020204" pitchFamily="34" charset="0"/>
+            </a:endParaRPr>
+          </a:p>
+          <a:p>
+            <a:pPr algn="just">
+              <a:lnSpc>
+                <a:spcPct val="107000"/>
+              </a:lnSpc>
+              <a:spcAft>
+                <a:spcPts val="800"/>
+              </a:spcAft>
+            </a:pPr>
+            <a:r>
+              <a:rPr lang="es-ES" sz="1800" b="1" kern="100" dirty="0">
+                <a:effectLst/>
+                <a:latin typeface="Calibri" panose="020F0502020204030204" pitchFamily="34" charset="0"/>
+                <a:ea typeface="Aptos" panose="020B0004020202020204" pitchFamily="34" charset="0"/>
+                <a:cs typeface="Arial" panose="020B0604020202020204" pitchFamily="34" charset="0"/>
+              </a:rPr>
+              <a:t>Narrativa:</a:t>
+            </a:r>
+            <a:br>
+              <a:rPr lang="es-ES" sz="1800" kern="100" dirty="0">
+                <a:effectLst/>
+                <a:latin typeface="Calibri" panose="020F0502020204030204" pitchFamily="34" charset="0"/>
+                <a:ea typeface="Aptos" panose="020B0004020202020204" pitchFamily="34" charset="0"/>
+                <a:cs typeface="Arial" panose="020B0604020202020204" pitchFamily="34" charset="0"/>
+              </a:rPr>
+            </a:br>
+            <a:r>
+              <a:rPr lang="es-ES" sz="1800" kern="100" dirty="0">
+                <a:effectLst/>
+                <a:latin typeface="Calibri" panose="020F0502020204030204" pitchFamily="34" charset="0"/>
+                <a:ea typeface="Aptos" panose="020B0004020202020204" pitchFamily="34" charset="0"/>
+                <a:cs typeface="Arial" panose="020B0604020202020204" pitchFamily="34" charset="0"/>
+              </a:rPr>
+              <a:t>Buenas tardes. Hoy les voy a presentar un análisis del impacto de Airbnb en tres ciudades clave de España: Barcelona, Madrid y Sevilla. Este proyecto tiene dos enfoques principales:</a:t>
+            </a:r>
+            <a:endParaRPr lang="es-ES" sz="1800" kern="100" dirty="0">
+              <a:effectLst/>
+              <a:latin typeface="Aptos" panose="020B0004020202020204" pitchFamily="34" charset="0"/>
+              <a:ea typeface="Aptos" panose="020B0004020202020204" pitchFamily="34" charset="0"/>
+              <a:cs typeface="Arial" panose="020B0604020202020204" pitchFamily="34" charset="0"/>
+            </a:endParaRPr>
+          </a:p>
+          <a:p>
+            <a:pPr marL="342900" lvl="0" indent="-342900" algn="just">
+              <a:lnSpc>
+                <a:spcPct val="107000"/>
+              </a:lnSpc>
+              <a:spcAft>
+                <a:spcPts val="800"/>
+              </a:spcAft>
+              <a:buFont typeface="+mj-lt"/>
+              <a:buAutoNum type="arabicPeriod"/>
+              <a:tabLst>
+                <a:tab pos="457200" algn="l"/>
+              </a:tabLst>
+            </a:pPr>
+            <a:r>
+              <a:rPr lang="es-ES" sz="1800" kern="100" dirty="0">
+                <a:effectLst/>
+                <a:latin typeface="Calibri" panose="020F0502020204030204" pitchFamily="34" charset="0"/>
+                <a:ea typeface="Aptos" panose="020B0004020202020204" pitchFamily="34" charset="0"/>
+                <a:cs typeface="Arial" panose="020B0604020202020204" pitchFamily="34" charset="0"/>
+              </a:rPr>
+              <a:t>Analizar los patrones de precios y la demanda en estas ciudades, diferenciando por temporadas y tipos de alojamiento.</a:t>
+            </a:r>
+            <a:endParaRPr lang="es-ES" sz="1800" kern="100" dirty="0">
+              <a:effectLst/>
+              <a:latin typeface="Aptos" panose="020B0004020202020204" pitchFamily="34" charset="0"/>
+              <a:ea typeface="Aptos" panose="020B0004020202020204" pitchFamily="34" charset="0"/>
+              <a:cs typeface="Arial" panose="020B0604020202020204" pitchFamily="34" charset="0"/>
+            </a:endParaRPr>
+          </a:p>
+          <a:p>
+            <a:pPr marL="342900" lvl="0" indent="-342900" algn="just">
+              <a:lnSpc>
+                <a:spcPct val="107000"/>
+              </a:lnSpc>
+              <a:spcAft>
+                <a:spcPts val="800"/>
+              </a:spcAft>
+              <a:buFont typeface="+mj-lt"/>
+              <a:buAutoNum type="arabicPeriod"/>
+              <a:tabLst>
+                <a:tab pos="457200" algn="l"/>
+              </a:tabLst>
+            </a:pPr>
+            <a:r>
+              <a:rPr lang="es-ES" sz="1800" kern="100" dirty="0">
+                <a:effectLst/>
+                <a:latin typeface="Calibri" panose="020F0502020204030204" pitchFamily="34" charset="0"/>
+                <a:ea typeface="Aptos" panose="020B0004020202020204" pitchFamily="34" charset="0"/>
+                <a:cs typeface="Arial" panose="020B0604020202020204" pitchFamily="34" charset="0"/>
+              </a:rPr>
+              <a:t>Entender cómo Airbnb afecta el mercado de alquileres tradicionales y el acceso a la vivienda.</a:t>
+            </a:r>
+            <a:endParaRPr lang="es-ES" sz="1800" kern="100" dirty="0">
+              <a:effectLst/>
+              <a:latin typeface="Aptos" panose="020B0004020202020204" pitchFamily="34" charset="0"/>
+              <a:ea typeface="Aptos" panose="020B0004020202020204" pitchFamily="34" charset="0"/>
+              <a:cs typeface="Arial" panose="020B0604020202020204" pitchFamily="34" charset="0"/>
+            </a:endParaRPr>
+          </a:p>
+          <a:p>
+            <a:pPr algn="just">
+              <a:lnSpc>
+                <a:spcPct val="107000"/>
+              </a:lnSpc>
+              <a:spcAft>
+                <a:spcPts val="800"/>
+              </a:spcAft>
+            </a:pPr>
+            <a:r>
+              <a:rPr lang="es-ES" sz="1800" kern="100" dirty="0">
+                <a:effectLst/>
+                <a:latin typeface="Calibri" panose="020F0502020204030204" pitchFamily="34" charset="0"/>
+                <a:ea typeface="Aptos" panose="020B0004020202020204" pitchFamily="34" charset="0"/>
+                <a:cs typeface="Arial" panose="020B0604020202020204" pitchFamily="34" charset="0"/>
+              </a:rPr>
+              <a:t>Este análisis no solo busca comprender cómo opera Airbnb, sino también ofrecer soluciones prácticas para anfitriones, turistas y reguladores locales. Además, buscamos ofrecer recomendaciones prácticas para equilibrar el turismo con la sostenibilidad urbana.</a:t>
+            </a:r>
+            <a:endParaRPr lang="es-ES" sz="1800" kern="100" dirty="0">
+              <a:effectLst/>
+              <a:latin typeface="Aptos" panose="020B0004020202020204" pitchFamily="34" charset="0"/>
+              <a:ea typeface="Aptos" panose="020B0004020202020204" pitchFamily="34" charset="0"/>
+              <a:cs typeface="Arial" panose="020B0604020202020204" pitchFamily="34" charset="0"/>
+            </a:endParaRPr>
+          </a:p>
+          <a:p>
+            <a:pPr algn="just">
+              <a:lnSpc>
+                <a:spcPct val="107000"/>
+              </a:lnSpc>
+              <a:spcAft>
+                <a:spcPts val="800"/>
+              </a:spcAft>
+            </a:pPr>
+            <a:r>
+              <a:rPr lang="es-ES" sz="1800" b="1" kern="100" dirty="0">
+                <a:effectLst/>
+                <a:latin typeface="Calibri" panose="020F0502020204030204" pitchFamily="34" charset="0"/>
+                <a:ea typeface="Aptos" panose="020B0004020202020204" pitchFamily="34" charset="0"/>
+                <a:cs typeface="Arial" panose="020B0604020202020204" pitchFamily="34" charset="0"/>
+              </a:rPr>
+              <a:t>Transición:</a:t>
+            </a:r>
+            <a:r>
+              <a:rPr lang="es-ES" sz="1800" kern="100" dirty="0">
+                <a:effectLst/>
+                <a:latin typeface="Calibri" panose="020F0502020204030204" pitchFamily="34" charset="0"/>
+                <a:ea typeface="Aptos" panose="020B0004020202020204" pitchFamily="34" charset="0"/>
+                <a:cs typeface="Arial" panose="020B0604020202020204" pitchFamily="34" charset="0"/>
+              </a:rPr>
+              <a:t> Empezaremos observando cómo se distribuyen los precios según el tipo de alojamiento.</a:t>
+            </a:r>
+            <a:endParaRPr lang="es-ES" sz="1800" kern="100" dirty="0">
+              <a:effectLst/>
+              <a:latin typeface="Aptos" panose="020B0004020202020204" pitchFamily="34" charset="0"/>
+              <a:ea typeface="Aptos" panose="020B0004020202020204" pitchFamily="34" charset="0"/>
+              <a:cs typeface="Arial" panose="020B0604020202020204" pitchFamily="34" charset="0"/>
+            </a:endParaRPr>
+          </a:p>
+          <a:p>
             <a:pPr rtl="0"/>
             <a:endParaRPr lang="es-ES" dirty="0"/>
           </a:p>
@@ -5516,6 +6097,1670 @@
     <p:extLst>
       <p:ext uri="{BB962C8B-B14F-4D97-AF65-F5344CB8AC3E}">
         <p14:creationId xmlns:p14="http://schemas.microsoft.com/office/powerpoint/2010/main" val="3140170444"/>
+      </p:ext>
+    </p:extLst>
+  </p:cSld>
+  <p:clrMapOvr>
+    <a:masterClrMapping/>
+  </p:clrMapOvr>
+</p:notes>
+</file>
+
+<file path=ppt/notesSlides/notesSlide10.xml><?xml version="1.0" encoding="utf-8"?>
+<p:notes xmlns:a="http://schemas.openxmlformats.org/drawingml/2006/main" xmlns:r="http://schemas.openxmlformats.org/officeDocument/2006/relationships" xmlns:p="http://schemas.openxmlformats.org/presentationml/2006/main">
+  <p:cSld>
+    <p:spTree>
+      <p:nvGrpSpPr>
+        <p:cNvPr id="1" name=""/>
+        <p:cNvGrpSpPr/>
+        <p:nvPr/>
+      </p:nvGrpSpPr>
+      <p:grpSpPr>
+        <a:xfrm>
+          <a:off x="0" y="0"/>
+          <a:ext cx="0" cy="0"/>
+          <a:chOff x="0" y="0"/>
+          <a:chExt cx="0" cy="0"/>
+        </a:xfrm>
+      </p:grpSpPr>
+      <p:sp>
+        <p:nvSpPr>
+          <p:cNvPr id="2" name="Marcador de imagen de diapositiva 1"/>
+          <p:cNvSpPr>
+            <a:spLocks noGrp="1" noRot="1" noChangeAspect="1"/>
+          </p:cNvSpPr>
+          <p:nvPr>
+            <p:ph type="sldImg"/>
+          </p:nvPr>
+        </p:nvSpPr>
+        <p:spPr/>
+      </p:sp>
+      <p:sp>
+        <p:nvSpPr>
+          <p:cNvPr id="3" name="Marcador de notas 2"/>
+          <p:cNvSpPr>
+            <a:spLocks noGrp="1"/>
+          </p:cNvSpPr>
+          <p:nvPr>
+            <p:ph type="body" idx="1"/>
+          </p:nvPr>
+        </p:nvSpPr>
+        <p:spPr/>
+        <p:txBody>
+          <a:bodyPr/>
+          <a:lstStyle/>
+          <a:p>
+            <a:pPr marL="0" marR="0" lvl="0" indent="0" algn="l" defTabSz="914400" rtl="0" eaLnBrk="1" fontAlgn="auto" latinLnBrk="0" hangingPunct="1">
+              <a:lnSpc>
+                <a:spcPct val="100000"/>
+              </a:lnSpc>
+              <a:spcBef>
+                <a:spcPts val="0"/>
+              </a:spcBef>
+              <a:spcAft>
+                <a:spcPts val="0"/>
+              </a:spcAft>
+              <a:buClrTx/>
+              <a:buSzTx/>
+              <a:buFontTx/>
+              <a:buNone/>
+              <a:tabLst/>
+              <a:defRPr/>
+            </a:pPr>
+            <a:r>
+              <a:rPr lang="es-ES" sz="1800" kern="100" dirty="0">
+                <a:effectLst/>
+                <a:latin typeface="Calibri" panose="020F0502020204030204" pitchFamily="34" charset="0"/>
+                <a:ea typeface="Aptos" panose="020B0004020202020204" pitchFamily="34" charset="0"/>
+                <a:cs typeface="Arial" panose="020B0604020202020204" pitchFamily="34" charset="0"/>
+              </a:rPr>
+              <a:t>En Barcelona, los precios más altos están en zonas céntricas como Eixample y Gràcia. Madrid refleja un patrón similar en Salamanca y Chamartín. Sevilla nos muestra una distribución más homogénea, pero el Casco Antiguo lidera en precios altos debido a su atractivo turístico.</a:t>
+            </a:r>
+            <a:endParaRPr lang="es-ES" sz="1800" kern="100" dirty="0">
+              <a:effectLst/>
+              <a:latin typeface="Aptos" panose="020B0004020202020204" pitchFamily="34" charset="0"/>
+              <a:ea typeface="Aptos" panose="020B0004020202020204" pitchFamily="34" charset="0"/>
+              <a:cs typeface="Arial" panose="020B0604020202020204" pitchFamily="34" charset="0"/>
+            </a:endParaRPr>
+          </a:p>
+          <a:p>
+            <a:endParaRPr lang="es-ES" dirty="0"/>
+          </a:p>
+        </p:txBody>
+      </p:sp>
+      <p:sp>
+        <p:nvSpPr>
+          <p:cNvPr id="4" name="Marcador de número de diapositiva 3"/>
+          <p:cNvSpPr>
+            <a:spLocks noGrp="1"/>
+          </p:cNvSpPr>
+          <p:nvPr>
+            <p:ph type="sldNum" sz="quarter" idx="5"/>
+          </p:nvPr>
+        </p:nvSpPr>
+        <p:spPr/>
+        <p:txBody>
+          <a:bodyPr/>
+          <a:lstStyle/>
+          <a:p>
+            <a:pPr rtl="0"/>
+            <a:fld id="{9CA004F4-F240-48F9-8AE1-486585C7F00D}" type="slidenum">
+              <a:rPr lang="es-ES" smtClean="0"/>
+              <a:t>10</a:t>
+            </a:fld>
+            <a:endParaRPr lang="es-ES" dirty="0"/>
+          </a:p>
+        </p:txBody>
+      </p:sp>
+    </p:spTree>
+    <p:extLst>
+      <p:ext uri="{BB962C8B-B14F-4D97-AF65-F5344CB8AC3E}">
+        <p14:creationId xmlns:p14="http://schemas.microsoft.com/office/powerpoint/2010/main" val="1945191073"/>
+      </p:ext>
+    </p:extLst>
+  </p:cSld>
+  <p:clrMapOvr>
+    <a:masterClrMapping/>
+  </p:clrMapOvr>
+</p:notes>
+</file>
+
+<file path=ppt/notesSlides/notesSlide11.xml><?xml version="1.0" encoding="utf-8"?>
+<p:notes xmlns:a="http://schemas.openxmlformats.org/drawingml/2006/main" xmlns:r="http://schemas.openxmlformats.org/officeDocument/2006/relationships" xmlns:p="http://schemas.openxmlformats.org/presentationml/2006/main">
+  <p:cSld>
+    <p:spTree>
+      <p:nvGrpSpPr>
+        <p:cNvPr id="1" name=""/>
+        <p:cNvGrpSpPr/>
+        <p:nvPr/>
+      </p:nvGrpSpPr>
+      <p:grpSpPr>
+        <a:xfrm>
+          <a:off x="0" y="0"/>
+          <a:ext cx="0" cy="0"/>
+          <a:chOff x="0" y="0"/>
+          <a:chExt cx="0" cy="0"/>
+        </a:xfrm>
+      </p:grpSpPr>
+      <p:sp>
+        <p:nvSpPr>
+          <p:cNvPr id="2" name="Marcador de imagen de diapositiva 1"/>
+          <p:cNvSpPr>
+            <a:spLocks noGrp="1" noRot="1" noChangeAspect="1"/>
+          </p:cNvSpPr>
+          <p:nvPr>
+            <p:ph type="sldImg"/>
+          </p:nvPr>
+        </p:nvSpPr>
+        <p:spPr/>
+      </p:sp>
+      <p:sp>
+        <p:nvSpPr>
+          <p:cNvPr id="3" name="Marcador de notas 2"/>
+          <p:cNvSpPr>
+            <a:spLocks noGrp="1"/>
+          </p:cNvSpPr>
+          <p:nvPr>
+            <p:ph type="body" idx="1"/>
+          </p:nvPr>
+        </p:nvSpPr>
+        <p:spPr/>
+        <p:txBody>
+          <a:bodyPr/>
+          <a:lstStyle/>
+          <a:p>
+            <a:pPr marL="0" marR="0" lvl="0" indent="0" algn="l" defTabSz="914400" rtl="0" eaLnBrk="1" fontAlgn="auto" latinLnBrk="0" hangingPunct="1">
+              <a:lnSpc>
+                <a:spcPct val="100000"/>
+              </a:lnSpc>
+              <a:spcBef>
+                <a:spcPts val="0"/>
+              </a:spcBef>
+              <a:spcAft>
+                <a:spcPts val="0"/>
+              </a:spcAft>
+              <a:buClrTx/>
+              <a:buSzTx/>
+              <a:buFontTx/>
+              <a:buNone/>
+              <a:tabLst/>
+              <a:defRPr/>
+            </a:pPr>
+            <a:r>
+              <a:rPr lang="es-ES" sz="1800" b="1" kern="100" dirty="0">
+                <a:effectLst/>
+                <a:latin typeface="Calibri" panose="020F0502020204030204" pitchFamily="34" charset="0"/>
+                <a:ea typeface="Aptos" panose="020B0004020202020204" pitchFamily="34" charset="0"/>
+                <a:cs typeface="Arial" panose="020B0604020202020204" pitchFamily="34" charset="0"/>
+              </a:rPr>
+              <a:t>Transición:</a:t>
+            </a:r>
+            <a:r>
+              <a:rPr lang="es-ES" sz="1800" kern="100" dirty="0">
+                <a:effectLst/>
+                <a:latin typeface="Calibri" panose="020F0502020204030204" pitchFamily="34" charset="0"/>
+                <a:ea typeface="Aptos" panose="020B0004020202020204" pitchFamily="34" charset="0"/>
+                <a:cs typeface="Arial" panose="020B0604020202020204" pitchFamily="34" charset="0"/>
+              </a:rPr>
+              <a:t> El tipo de alojamiento también juega un papel importante en los precios.</a:t>
+            </a:r>
+            <a:endParaRPr lang="es-ES" sz="1800" kern="100" dirty="0">
+              <a:effectLst/>
+              <a:latin typeface="Aptos" panose="020B0004020202020204" pitchFamily="34" charset="0"/>
+              <a:ea typeface="Aptos" panose="020B0004020202020204" pitchFamily="34" charset="0"/>
+              <a:cs typeface="Arial" panose="020B0604020202020204" pitchFamily="34" charset="0"/>
+            </a:endParaRPr>
+          </a:p>
+          <a:p>
+            <a:endParaRPr lang="es-ES" dirty="0"/>
+          </a:p>
+        </p:txBody>
+      </p:sp>
+      <p:sp>
+        <p:nvSpPr>
+          <p:cNvPr id="4" name="Marcador de número de diapositiva 3"/>
+          <p:cNvSpPr>
+            <a:spLocks noGrp="1"/>
+          </p:cNvSpPr>
+          <p:nvPr>
+            <p:ph type="sldNum" sz="quarter" idx="5"/>
+          </p:nvPr>
+        </p:nvSpPr>
+        <p:spPr/>
+        <p:txBody>
+          <a:bodyPr/>
+          <a:lstStyle/>
+          <a:p>
+            <a:pPr rtl="0"/>
+            <a:fld id="{9CA004F4-F240-48F9-8AE1-486585C7F00D}" type="slidenum">
+              <a:rPr lang="es-ES" smtClean="0"/>
+              <a:t>12</a:t>
+            </a:fld>
+            <a:endParaRPr lang="es-ES" dirty="0"/>
+          </a:p>
+        </p:txBody>
+      </p:sp>
+    </p:spTree>
+    <p:extLst>
+      <p:ext uri="{BB962C8B-B14F-4D97-AF65-F5344CB8AC3E}">
+        <p14:creationId xmlns:p14="http://schemas.microsoft.com/office/powerpoint/2010/main" val="2872129326"/>
+      </p:ext>
+    </p:extLst>
+  </p:cSld>
+  <p:clrMapOvr>
+    <a:masterClrMapping/>
+  </p:clrMapOvr>
+</p:notes>
+</file>
+
+<file path=ppt/notesSlides/notesSlide12.xml><?xml version="1.0" encoding="utf-8"?>
+<p:notes xmlns:a="http://schemas.openxmlformats.org/drawingml/2006/main" xmlns:r="http://schemas.openxmlformats.org/officeDocument/2006/relationships" xmlns:p="http://schemas.openxmlformats.org/presentationml/2006/main">
+  <p:cSld>
+    <p:spTree>
+      <p:nvGrpSpPr>
+        <p:cNvPr id="1" name=""/>
+        <p:cNvGrpSpPr/>
+        <p:nvPr/>
+      </p:nvGrpSpPr>
+      <p:grpSpPr>
+        <a:xfrm>
+          <a:off x="0" y="0"/>
+          <a:ext cx="0" cy="0"/>
+          <a:chOff x="0" y="0"/>
+          <a:chExt cx="0" cy="0"/>
+        </a:xfrm>
+      </p:grpSpPr>
+      <p:sp>
+        <p:nvSpPr>
+          <p:cNvPr id="2" name="Marcador de imagen de diapositiva 1"/>
+          <p:cNvSpPr>
+            <a:spLocks noGrp="1" noRot="1" noChangeAspect="1"/>
+          </p:cNvSpPr>
+          <p:nvPr>
+            <p:ph type="sldImg"/>
+          </p:nvPr>
+        </p:nvSpPr>
+        <p:spPr/>
+      </p:sp>
+      <p:sp>
+        <p:nvSpPr>
+          <p:cNvPr id="3" name="Marcador de notas 2"/>
+          <p:cNvSpPr>
+            <a:spLocks noGrp="1"/>
+          </p:cNvSpPr>
+          <p:nvPr>
+            <p:ph type="body" idx="1"/>
+          </p:nvPr>
+        </p:nvSpPr>
+        <p:spPr/>
+        <p:txBody>
+          <a:bodyPr/>
+          <a:lstStyle/>
+          <a:p>
+            <a:pPr marL="0" marR="0" lvl="0" indent="0" algn="l" defTabSz="914400" rtl="0" eaLnBrk="1" fontAlgn="auto" latinLnBrk="0" hangingPunct="1">
+              <a:lnSpc>
+                <a:spcPct val="100000"/>
+              </a:lnSpc>
+              <a:spcBef>
+                <a:spcPts val="0"/>
+              </a:spcBef>
+              <a:spcAft>
+                <a:spcPts val="0"/>
+              </a:spcAft>
+              <a:buClrTx/>
+              <a:buSzTx/>
+              <a:buFontTx/>
+              <a:buNone/>
+              <a:tabLst/>
+              <a:defRPr/>
+            </a:pPr>
+            <a:r>
+              <a:rPr lang="es-ES" sz="1800" kern="100" dirty="0">
+                <a:effectLst/>
+                <a:latin typeface="Calibri" panose="020F0502020204030204" pitchFamily="34" charset="0"/>
+                <a:ea typeface="Aptos" panose="020B0004020202020204" pitchFamily="34" charset="0"/>
+                <a:cs typeface="Arial" panose="020B0604020202020204" pitchFamily="34" charset="0"/>
+              </a:rPr>
+              <a:t>Los alojamientos completos tienen precios altos, especialmente en temporadas intermedias y verano. Las habitaciones privadas y compartidas mantienen precios estables y bajos. Las habitaciones de hotel presentan picos en diciembre, reflejando su demanda en épocas festivas. A continuación, tenemos los gráficos de precio promedio por tipo de alojamiento en cada ciudad que nos viene diciendo un poco lo mismo, pero están desglosados por temporadas.</a:t>
+            </a:r>
+            <a:endParaRPr lang="es-ES" sz="1800" kern="100" dirty="0">
+              <a:effectLst/>
+              <a:latin typeface="Aptos" panose="020B0004020202020204" pitchFamily="34" charset="0"/>
+              <a:ea typeface="Aptos" panose="020B0004020202020204" pitchFamily="34" charset="0"/>
+              <a:cs typeface="Arial" panose="020B0604020202020204" pitchFamily="34" charset="0"/>
+            </a:endParaRPr>
+          </a:p>
+          <a:p>
+            <a:endParaRPr lang="es-ES" dirty="0"/>
+          </a:p>
+        </p:txBody>
+      </p:sp>
+      <p:sp>
+        <p:nvSpPr>
+          <p:cNvPr id="4" name="Marcador de número de diapositiva 3"/>
+          <p:cNvSpPr>
+            <a:spLocks noGrp="1"/>
+          </p:cNvSpPr>
+          <p:nvPr>
+            <p:ph type="sldNum" sz="quarter" idx="5"/>
+          </p:nvPr>
+        </p:nvSpPr>
+        <p:spPr/>
+        <p:txBody>
+          <a:bodyPr/>
+          <a:lstStyle/>
+          <a:p>
+            <a:pPr rtl="0"/>
+            <a:fld id="{9CA004F4-F240-48F9-8AE1-486585C7F00D}" type="slidenum">
+              <a:rPr lang="es-ES" smtClean="0"/>
+              <a:t>13</a:t>
+            </a:fld>
+            <a:endParaRPr lang="es-ES" dirty="0"/>
+          </a:p>
+        </p:txBody>
+      </p:sp>
+    </p:spTree>
+    <p:extLst>
+      <p:ext uri="{BB962C8B-B14F-4D97-AF65-F5344CB8AC3E}">
+        <p14:creationId xmlns:p14="http://schemas.microsoft.com/office/powerpoint/2010/main" val="1113006452"/>
+      </p:ext>
+    </p:extLst>
+  </p:cSld>
+  <p:clrMapOvr>
+    <a:masterClrMapping/>
+  </p:clrMapOvr>
+</p:notes>
+</file>
+
+<file path=ppt/notesSlides/notesSlide13.xml><?xml version="1.0" encoding="utf-8"?>
+<p:notes xmlns:a="http://schemas.openxmlformats.org/drawingml/2006/main" xmlns:r="http://schemas.openxmlformats.org/officeDocument/2006/relationships" xmlns:p="http://schemas.openxmlformats.org/presentationml/2006/main">
+  <p:cSld>
+    <p:spTree>
+      <p:nvGrpSpPr>
+        <p:cNvPr id="1" name=""/>
+        <p:cNvGrpSpPr/>
+        <p:nvPr/>
+      </p:nvGrpSpPr>
+      <p:grpSpPr>
+        <a:xfrm>
+          <a:off x="0" y="0"/>
+          <a:ext cx="0" cy="0"/>
+          <a:chOff x="0" y="0"/>
+          <a:chExt cx="0" cy="0"/>
+        </a:xfrm>
+      </p:grpSpPr>
+      <p:sp>
+        <p:nvSpPr>
+          <p:cNvPr id="2" name="Marcador de imagen de diapositiva 1"/>
+          <p:cNvSpPr>
+            <a:spLocks noGrp="1" noRot="1" noChangeAspect="1"/>
+          </p:cNvSpPr>
+          <p:nvPr>
+            <p:ph type="sldImg"/>
+          </p:nvPr>
+        </p:nvSpPr>
+        <p:spPr/>
+      </p:sp>
+      <p:sp>
+        <p:nvSpPr>
+          <p:cNvPr id="3" name="Marcador de notas 2"/>
+          <p:cNvSpPr>
+            <a:spLocks noGrp="1"/>
+          </p:cNvSpPr>
+          <p:nvPr>
+            <p:ph type="body" idx="1"/>
+          </p:nvPr>
+        </p:nvSpPr>
+        <p:spPr/>
+        <p:txBody>
+          <a:bodyPr/>
+          <a:lstStyle/>
+          <a:p>
+            <a:r>
+              <a:rPr lang="es-ES" dirty="0"/>
+              <a:t>En Barcelona, los alojamientos completos tienden a experimentar mayores oscilaciones estacionales, mientras que las habitaciones privadas y compartidas muestran una menor variabilidad.</a:t>
+            </a:r>
+          </a:p>
+        </p:txBody>
+      </p:sp>
+      <p:sp>
+        <p:nvSpPr>
+          <p:cNvPr id="4" name="Marcador de número de diapositiva 3"/>
+          <p:cNvSpPr>
+            <a:spLocks noGrp="1"/>
+          </p:cNvSpPr>
+          <p:nvPr>
+            <p:ph type="sldNum" sz="quarter" idx="5"/>
+          </p:nvPr>
+        </p:nvSpPr>
+        <p:spPr/>
+        <p:txBody>
+          <a:bodyPr/>
+          <a:lstStyle/>
+          <a:p>
+            <a:pPr rtl="0"/>
+            <a:fld id="{9CA004F4-F240-48F9-8AE1-486585C7F00D}" type="slidenum">
+              <a:rPr lang="es-ES" smtClean="0"/>
+              <a:t>14</a:t>
+            </a:fld>
+            <a:endParaRPr lang="es-ES" dirty="0"/>
+          </a:p>
+        </p:txBody>
+      </p:sp>
+    </p:spTree>
+    <p:extLst>
+      <p:ext uri="{BB962C8B-B14F-4D97-AF65-F5344CB8AC3E}">
+        <p14:creationId xmlns:p14="http://schemas.microsoft.com/office/powerpoint/2010/main" val="188862746"/>
+      </p:ext>
+    </p:extLst>
+  </p:cSld>
+  <p:clrMapOvr>
+    <a:masterClrMapping/>
+  </p:clrMapOvr>
+</p:notes>
+</file>
+
+<file path=ppt/notesSlides/notesSlide14.xml><?xml version="1.0" encoding="utf-8"?>
+<p:notes xmlns:a="http://schemas.openxmlformats.org/drawingml/2006/main" xmlns:r="http://schemas.openxmlformats.org/officeDocument/2006/relationships" xmlns:p="http://schemas.openxmlformats.org/presentationml/2006/main">
+  <p:cSld>
+    <p:spTree>
+      <p:nvGrpSpPr>
+        <p:cNvPr id="1" name=""/>
+        <p:cNvGrpSpPr/>
+        <p:nvPr/>
+      </p:nvGrpSpPr>
+      <p:grpSpPr>
+        <a:xfrm>
+          <a:off x="0" y="0"/>
+          <a:ext cx="0" cy="0"/>
+          <a:chOff x="0" y="0"/>
+          <a:chExt cx="0" cy="0"/>
+        </a:xfrm>
+      </p:grpSpPr>
+      <p:sp>
+        <p:nvSpPr>
+          <p:cNvPr id="2" name="Marcador de imagen de diapositiva 1"/>
+          <p:cNvSpPr>
+            <a:spLocks noGrp="1" noRot="1" noChangeAspect="1"/>
+          </p:cNvSpPr>
+          <p:nvPr>
+            <p:ph type="sldImg"/>
+          </p:nvPr>
+        </p:nvSpPr>
+        <p:spPr/>
+      </p:sp>
+      <p:sp>
+        <p:nvSpPr>
+          <p:cNvPr id="3" name="Marcador de notas 2"/>
+          <p:cNvSpPr>
+            <a:spLocks noGrp="1"/>
+          </p:cNvSpPr>
+          <p:nvPr>
+            <p:ph type="body" idx="1"/>
+          </p:nvPr>
+        </p:nvSpPr>
+        <p:spPr/>
+        <p:txBody>
+          <a:bodyPr/>
+          <a:lstStyle/>
+          <a:p>
+            <a:pPr marL="0" marR="0" lvl="0" indent="0" algn="l" defTabSz="914400" rtl="0" eaLnBrk="1" fontAlgn="auto" latinLnBrk="0" hangingPunct="1">
+              <a:lnSpc>
+                <a:spcPct val="100000"/>
+              </a:lnSpc>
+              <a:spcBef>
+                <a:spcPts val="0"/>
+              </a:spcBef>
+              <a:spcAft>
+                <a:spcPts val="0"/>
+              </a:spcAft>
+              <a:buClrTx/>
+              <a:buSzTx/>
+              <a:buFontTx/>
+              <a:buNone/>
+              <a:tabLst/>
+              <a:defRPr/>
+            </a:pPr>
+            <a:r>
+              <a:rPr lang="es-ES" sz="1800" b="1" kern="100" dirty="0">
+                <a:effectLst/>
+                <a:latin typeface="Calibri" panose="020F0502020204030204" pitchFamily="34" charset="0"/>
+                <a:ea typeface="Aptos" panose="020B0004020202020204" pitchFamily="34" charset="0"/>
+                <a:cs typeface="Arial" panose="020B0604020202020204" pitchFamily="34" charset="0"/>
+              </a:rPr>
+              <a:t>Transición:</a:t>
+            </a:r>
+            <a:r>
+              <a:rPr lang="es-ES" sz="1800" kern="100" dirty="0">
+                <a:effectLst/>
+                <a:latin typeface="Calibri" panose="020F0502020204030204" pitchFamily="34" charset="0"/>
+                <a:ea typeface="Aptos" panose="020B0004020202020204" pitchFamily="34" charset="0"/>
+                <a:cs typeface="Arial" panose="020B0604020202020204" pitchFamily="34" charset="0"/>
+              </a:rPr>
+              <a:t> Ahora veremos cómo interactúan precio, reseñas y disponibilidad.</a:t>
+            </a:r>
+            <a:endParaRPr lang="es-ES" sz="1800" kern="100" dirty="0">
+              <a:effectLst/>
+              <a:latin typeface="Aptos" panose="020B0004020202020204" pitchFamily="34" charset="0"/>
+              <a:ea typeface="Aptos" panose="020B0004020202020204" pitchFamily="34" charset="0"/>
+              <a:cs typeface="Arial" panose="020B0604020202020204" pitchFamily="34" charset="0"/>
+            </a:endParaRPr>
+          </a:p>
+          <a:p>
+            <a:endParaRPr lang="es-ES" dirty="0"/>
+          </a:p>
+        </p:txBody>
+      </p:sp>
+      <p:sp>
+        <p:nvSpPr>
+          <p:cNvPr id="4" name="Marcador de número de diapositiva 3"/>
+          <p:cNvSpPr>
+            <a:spLocks noGrp="1"/>
+          </p:cNvSpPr>
+          <p:nvPr>
+            <p:ph type="sldNum" sz="quarter" idx="5"/>
+          </p:nvPr>
+        </p:nvSpPr>
+        <p:spPr/>
+        <p:txBody>
+          <a:bodyPr/>
+          <a:lstStyle/>
+          <a:p>
+            <a:pPr rtl="0"/>
+            <a:fld id="{9CA004F4-F240-48F9-8AE1-486585C7F00D}" type="slidenum">
+              <a:rPr lang="es-ES" smtClean="0"/>
+              <a:t>16</a:t>
+            </a:fld>
+            <a:endParaRPr lang="es-ES" dirty="0"/>
+          </a:p>
+        </p:txBody>
+      </p:sp>
+    </p:spTree>
+    <p:extLst>
+      <p:ext uri="{BB962C8B-B14F-4D97-AF65-F5344CB8AC3E}">
+        <p14:creationId xmlns:p14="http://schemas.microsoft.com/office/powerpoint/2010/main" val="3514216560"/>
+      </p:ext>
+    </p:extLst>
+  </p:cSld>
+  <p:clrMapOvr>
+    <a:masterClrMapping/>
+  </p:clrMapOvr>
+</p:notes>
+</file>
+
+<file path=ppt/notesSlides/notesSlide15.xml><?xml version="1.0" encoding="utf-8"?>
+<p:notes xmlns:a="http://schemas.openxmlformats.org/drawingml/2006/main" xmlns:r="http://schemas.openxmlformats.org/officeDocument/2006/relationships" xmlns:p="http://schemas.openxmlformats.org/presentationml/2006/main">
+  <p:cSld>
+    <p:spTree>
+      <p:nvGrpSpPr>
+        <p:cNvPr id="1" name=""/>
+        <p:cNvGrpSpPr/>
+        <p:nvPr/>
+      </p:nvGrpSpPr>
+      <p:grpSpPr>
+        <a:xfrm>
+          <a:off x="0" y="0"/>
+          <a:ext cx="0" cy="0"/>
+          <a:chOff x="0" y="0"/>
+          <a:chExt cx="0" cy="0"/>
+        </a:xfrm>
+      </p:grpSpPr>
+      <p:sp>
+        <p:nvSpPr>
+          <p:cNvPr id="2" name="Marcador de imagen de diapositiva 1"/>
+          <p:cNvSpPr>
+            <a:spLocks noGrp="1" noRot="1" noChangeAspect="1"/>
+          </p:cNvSpPr>
+          <p:nvPr>
+            <p:ph type="sldImg"/>
+          </p:nvPr>
+        </p:nvSpPr>
+        <p:spPr/>
+      </p:sp>
+      <p:sp>
+        <p:nvSpPr>
+          <p:cNvPr id="3" name="Marcador de notas 2"/>
+          <p:cNvSpPr>
+            <a:spLocks noGrp="1"/>
+          </p:cNvSpPr>
+          <p:nvPr>
+            <p:ph type="body" idx="1"/>
+          </p:nvPr>
+        </p:nvSpPr>
+        <p:spPr/>
+        <p:txBody>
+          <a:bodyPr/>
+          <a:lstStyle/>
+          <a:p>
+            <a:pPr algn="just">
+              <a:lnSpc>
+                <a:spcPct val="107000"/>
+              </a:lnSpc>
+              <a:spcAft>
+                <a:spcPts val="800"/>
+              </a:spcAft>
+            </a:pPr>
+            <a:r>
+              <a:rPr lang="es-ES" sz="1800" b="1" kern="100" dirty="0">
+                <a:effectLst/>
+                <a:latin typeface="Calibri" panose="020F0502020204030204" pitchFamily="34" charset="0"/>
+                <a:ea typeface="Aptos" panose="020B0004020202020204" pitchFamily="34" charset="0"/>
+                <a:cs typeface="Arial" panose="020B0604020202020204" pitchFamily="34" charset="0"/>
+              </a:rPr>
+              <a:t>Relación entre precio, reseñas y disponibilidad (Diapositivas 17)</a:t>
+            </a:r>
+            <a:endParaRPr lang="es-ES" sz="1800" kern="100" dirty="0">
+              <a:effectLst/>
+              <a:latin typeface="Aptos" panose="020B0004020202020204" pitchFamily="34" charset="0"/>
+              <a:ea typeface="Aptos" panose="020B0004020202020204" pitchFamily="34" charset="0"/>
+              <a:cs typeface="Arial" panose="020B0604020202020204" pitchFamily="34" charset="0"/>
+            </a:endParaRPr>
+          </a:p>
+          <a:p>
+            <a:pPr algn="just">
+              <a:lnSpc>
+                <a:spcPct val="107000"/>
+              </a:lnSpc>
+              <a:spcAft>
+                <a:spcPts val="800"/>
+              </a:spcAft>
+            </a:pPr>
+            <a:r>
+              <a:rPr lang="es-ES" sz="1800" kern="100" dirty="0">
+                <a:effectLst/>
+                <a:latin typeface="Calibri" panose="020F0502020204030204" pitchFamily="34" charset="0"/>
+                <a:ea typeface="Aptos" panose="020B0004020202020204" pitchFamily="34" charset="0"/>
+                <a:cs typeface="Arial" panose="020B0604020202020204" pitchFamily="34" charset="0"/>
+              </a:rPr>
+              <a:t>Aquí analizamos cómo interactúan estas tres variables clave.</a:t>
+            </a:r>
+            <a:br>
+              <a:rPr lang="es-ES" sz="1800" kern="100" dirty="0">
+                <a:effectLst/>
+                <a:latin typeface="Calibri" panose="020F0502020204030204" pitchFamily="34" charset="0"/>
+                <a:ea typeface="Aptos" panose="020B0004020202020204" pitchFamily="34" charset="0"/>
+                <a:cs typeface="Arial" panose="020B0604020202020204" pitchFamily="34" charset="0"/>
+              </a:rPr>
+            </a:br>
+            <a:r>
+              <a:rPr lang="es-ES" sz="1800" kern="100" dirty="0">
+                <a:effectLst/>
+                <a:latin typeface="Calibri" panose="020F0502020204030204" pitchFamily="34" charset="0"/>
+                <a:ea typeface="Aptos" panose="020B0004020202020204" pitchFamily="34" charset="0"/>
+                <a:cs typeface="Arial" panose="020B0604020202020204" pitchFamily="34" charset="0"/>
+              </a:rPr>
+              <a:t>Los alojamientos más accesibles suelen acumular más reseñas debido a su alta ocupación. Por otro lado, las propiedades exclusivas, con precios elevados, tienden a tener menor disponibilidad y menos reseñas, pero estas suelen ser altamente positivas.</a:t>
+            </a:r>
+            <a:endParaRPr lang="es-ES" sz="1800" kern="100" dirty="0">
+              <a:effectLst/>
+              <a:latin typeface="Aptos" panose="020B0004020202020204" pitchFamily="34" charset="0"/>
+              <a:ea typeface="Aptos" panose="020B0004020202020204" pitchFamily="34" charset="0"/>
+              <a:cs typeface="Arial" panose="020B0604020202020204" pitchFamily="34" charset="0"/>
+            </a:endParaRPr>
+          </a:p>
+          <a:p>
+            <a:pPr algn="just">
+              <a:lnSpc>
+                <a:spcPct val="107000"/>
+              </a:lnSpc>
+              <a:spcAft>
+                <a:spcPts val="800"/>
+              </a:spcAft>
+            </a:pPr>
+            <a:r>
+              <a:rPr lang="es-ES" sz="1800" kern="100" dirty="0">
+                <a:effectLst/>
+                <a:latin typeface="Calibri" panose="020F0502020204030204" pitchFamily="34" charset="0"/>
+                <a:ea typeface="Aptos" panose="020B0004020202020204" pitchFamily="34" charset="0"/>
+                <a:cs typeface="Arial" panose="020B0604020202020204" pitchFamily="34" charset="0"/>
+              </a:rPr>
+              <a:t>Esto refuerza la idea de que los alojamientos premium compiten más por calidad que por cantidad. Este segmento debe centrarse en ofrecer experiencias excepcionales para atraer a un público selecto.</a:t>
+            </a:r>
+            <a:endParaRPr lang="es-ES" sz="1800" kern="100" dirty="0">
+              <a:effectLst/>
+              <a:latin typeface="Aptos" panose="020B0004020202020204" pitchFamily="34" charset="0"/>
+              <a:ea typeface="Aptos" panose="020B0004020202020204" pitchFamily="34" charset="0"/>
+              <a:cs typeface="Arial" panose="020B0604020202020204" pitchFamily="34" charset="0"/>
+            </a:endParaRPr>
+          </a:p>
+          <a:p>
+            <a:r>
+              <a:rPr lang="es-ES" sz="1800" b="1" dirty="0">
+                <a:effectLst/>
+                <a:latin typeface="Calibri" panose="020F0502020204030204" pitchFamily="34" charset="0"/>
+                <a:ea typeface="Aptos" panose="020B0004020202020204" pitchFamily="34" charset="0"/>
+              </a:rPr>
+              <a:t>Transición:</a:t>
+            </a:r>
+            <a:r>
+              <a:rPr lang="es-ES" sz="1800" dirty="0">
+                <a:effectLst/>
+                <a:latin typeface="Calibri" panose="020F0502020204030204" pitchFamily="34" charset="0"/>
+                <a:ea typeface="Aptos" panose="020B0004020202020204" pitchFamily="34" charset="0"/>
+              </a:rPr>
+              <a:t> Para continuar, analizaremos cómo se agrupan los barrios según la estacionalidad.</a:t>
+            </a:r>
+            <a:endParaRPr lang="es-ES" dirty="0"/>
+          </a:p>
+        </p:txBody>
+      </p:sp>
+      <p:sp>
+        <p:nvSpPr>
+          <p:cNvPr id="4" name="Marcador de número de diapositiva 3"/>
+          <p:cNvSpPr>
+            <a:spLocks noGrp="1"/>
+          </p:cNvSpPr>
+          <p:nvPr>
+            <p:ph type="sldNum" sz="quarter" idx="5"/>
+          </p:nvPr>
+        </p:nvSpPr>
+        <p:spPr/>
+        <p:txBody>
+          <a:bodyPr/>
+          <a:lstStyle/>
+          <a:p>
+            <a:pPr rtl="0"/>
+            <a:fld id="{9CA004F4-F240-48F9-8AE1-486585C7F00D}" type="slidenum">
+              <a:rPr lang="es-ES" smtClean="0"/>
+              <a:t>17</a:t>
+            </a:fld>
+            <a:endParaRPr lang="es-ES" dirty="0"/>
+          </a:p>
+        </p:txBody>
+      </p:sp>
+    </p:spTree>
+    <p:extLst>
+      <p:ext uri="{BB962C8B-B14F-4D97-AF65-F5344CB8AC3E}">
+        <p14:creationId xmlns:p14="http://schemas.microsoft.com/office/powerpoint/2010/main" val="422644501"/>
+      </p:ext>
+    </p:extLst>
+  </p:cSld>
+  <p:clrMapOvr>
+    <a:masterClrMapping/>
+  </p:clrMapOvr>
+</p:notes>
+</file>
+
+<file path=ppt/notesSlides/notesSlide16.xml><?xml version="1.0" encoding="utf-8"?>
+<p:notes xmlns:a="http://schemas.openxmlformats.org/drawingml/2006/main" xmlns:r="http://schemas.openxmlformats.org/officeDocument/2006/relationships" xmlns:p="http://schemas.openxmlformats.org/presentationml/2006/main">
+  <p:cSld>
+    <p:spTree>
+      <p:nvGrpSpPr>
+        <p:cNvPr id="1" name=""/>
+        <p:cNvGrpSpPr/>
+        <p:nvPr/>
+      </p:nvGrpSpPr>
+      <p:grpSpPr>
+        <a:xfrm>
+          <a:off x="0" y="0"/>
+          <a:ext cx="0" cy="0"/>
+          <a:chOff x="0" y="0"/>
+          <a:chExt cx="0" cy="0"/>
+        </a:xfrm>
+      </p:grpSpPr>
+      <p:sp>
+        <p:nvSpPr>
+          <p:cNvPr id="2" name="Marcador de imagen de diapositiva 1"/>
+          <p:cNvSpPr>
+            <a:spLocks noGrp="1" noRot="1" noChangeAspect="1"/>
+          </p:cNvSpPr>
+          <p:nvPr>
+            <p:ph type="sldImg"/>
+          </p:nvPr>
+        </p:nvSpPr>
+        <p:spPr/>
+      </p:sp>
+      <p:sp>
+        <p:nvSpPr>
+          <p:cNvPr id="3" name="Marcador de notas 2"/>
+          <p:cNvSpPr>
+            <a:spLocks noGrp="1"/>
+          </p:cNvSpPr>
+          <p:nvPr>
+            <p:ph type="body" idx="1"/>
+          </p:nvPr>
+        </p:nvSpPr>
+        <p:spPr/>
+        <p:txBody>
+          <a:bodyPr/>
+          <a:lstStyle/>
+          <a:p>
+            <a:pPr algn="just">
+              <a:lnSpc>
+                <a:spcPct val="107000"/>
+              </a:lnSpc>
+              <a:spcAft>
+                <a:spcPts val="800"/>
+              </a:spcAft>
+            </a:pPr>
+            <a:r>
+              <a:rPr lang="es-ES" sz="1800" b="1" kern="100" dirty="0">
+                <a:effectLst/>
+                <a:latin typeface="Calibri" panose="020F0502020204030204" pitchFamily="34" charset="0"/>
+                <a:ea typeface="Aptos" panose="020B0004020202020204" pitchFamily="34" charset="0"/>
+                <a:cs typeface="Arial" panose="020B0604020202020204" pitchFamily="34" charset="0"/>
+              </a:rPr>
+              <a:t>Barrios más populares (Diapositiva 18)</a:t>
+            </a:r>
+            <a:endParaRPr lang="es-ES" sz="1800" kern="100" dirty="0">
+              <a:effectLst/>
+              <a:latin typeface="Aptos" panose="020B0004020202020204" pitchFamily="34" charset="0"/>
+              <a:ea typeface="Aptos" panose="020B0004020202020204" pitchFamily="34" charset="0"/>
+              <a:cs typeface="Arial" panose="020B0604020202020204" pitchFamily="34" charset="0"/>
+            </a:endParaRPr>
+          </a:p>
+          <a:p>
+            <a:pPr algn="just">
+              <a:lnSpc>
+                <a:spcPct val="107000"/>
+              </a:lnSpc>
+              <a:spcAft>
+                <a:spcPts val="800"/>
+              </a:spcAft>
+            </a:pPr>
+            <a:r>
+              <a:rPr lang="es-ES" sz="1800" kern="100" dirty="0">
+                <a:effectLst/>
+                <a:latin typeface="Calibri" panose="020F0502020204030204" pitchFamily="34" charset="0"/>
+                <a:ea typeface="Aptos" panose="020B0004020202020204" pitchFamily="34" charset="0"/>
+                <a:cs typeface="Arial" panose="020B0604020202020204" pitchFamily="34" charset="0"/>
+              </a:rPr>
+              <a:t>En Madrid, Embajadores y Universidad concentran el mayor número de reseñas. En Barcelona, destacan </a:t>
+            </a:r>
+            <a:r>
+              <a:rPr lang="es-ES" sz="1800" kern="100" dirty="0" err="1">
+                <a:effectLst/>
+                <a:latin typeface="Calibri" panose="020F0502020204030204" pitchFamily="34" charset="0"/>
+                <a:ea typeface="Aptos" panose="020B0004020202020204" pitchFamily="34" charset="0"/>
+                <a:cs typeface="Arial" panose="020B0604020202020204" pitchFamily="34" charset="0"/>
+              </a:rPr>
+              <a:t>Dreta</a:t>
+            </a:r>
+            <a:r>
+              <a:rPr lang="es-ES" sz="1800" kern="100" dirty="0">
+                <a:effectLst/>
+                <a:latin typeface="Calibri" panose="020F0502020204030204" pitchFamily="34" charset="0"/>
+                <a:ea typeface="Aptos" panose="020B0004020202020204" pitchFamily="34" charset="0"/>
+                <a:cs typeface="Arial" panose="020B0604020202020204" pitchFamily="34" charset="0"/>
+              </a:rPr>
+              <a:t> de l’Eixample y Barrio Gótico. Mientras que Sevilla muestra menos volumen general, reflejando su menor densidad de usuarios en Airbnb.</a:t>
+            </a:r>
+            <a:endParaRPr lang="es-ES" sz="1800" kern="100" dirty="0">
+              <a:effectLst/>
+              <a:latin typeface="Aptos" panose="020B0004020202020204" pitchFamily="34" charset="0"/>
+              <a:ea typeface="Aptos" panose="020B0004020202020204" pitchFamily="34" charset="0"/>
+              <a:cs typeface="Arial" panose="020B0604020202020204" pitchFamily="34" charset="0"/>
+            </a:endParaRPr>
+          </a:p>
+          <a:p>
+            <a:pPr algn="just">
+              <a:lnSpc>
+                <a:spcPct val="107000"/>
+              </a:lnSpc>
+              <a:spcAft>
+                <a:spcPts val="800"/>
+              </a:spcAft>
+            </a:pPr>
+            <a:r>
+              <a:rPr lang="es-ES" sz="1800" b="1" kern="100" dirty="0">
+                <a:effectLst/>
+                <a:latin typeface="Calibri" panose="020F0502020204030204" pitchFamily="34" charset="0"/>
+                <a:ea typeface="Aptos" panose="020B0004020202020204" pitchFamily="34" charset="0"/>
+                <a:cs typeface="Arial" panose="020B0604020202020204" pitchFamily="34" charset="0"/>
+              </a:rPr>
+              <a:t>Transición:</a:t>
+            </a:r>
+            <a:r>
+              <a:rPr lang="es-ES" sz="1800" kern="100" dirty="0">
+                <a:effectLst/>
+                <a:latin typeface="Calibri" panose="020F0502020204030204" pitchFamily="34" charset="0"/>
+                <a:ea typeface="Aptos" panose="020B0004020202020204" pitchFamily="34" charset="0"/>
+                <a:cs typeface="Arial" panose="020B0604020202020204" pitchFamily="34" charset="0"/>
+              </a:rPr>
+              <a:t> En cuanto al análisis de </a:t>
+            </a:r>
+            <a:r>
+              <a:rPr lang="es-ES" sz="1800" kern="100" dirty="0" err="1">
+                <a:effectLst/>
+                <a:latin typeface="Calibri" panose="020F0502020204030204" pitchFamily="34" charset="0"/>
+                <a:ea typeface="Aptos" panose="020B0004020202020204" pitchFamily="34" charset="0"/>
+                <a:cs typeface="Arial" panose="020B0604020202020204" pitchFamily="34" charset="0"/>
+              </a:rPr>
+              <a:t>clusters</a:t>
+            </a:r>
+            <a:r>
+              <a:rPr lang="es-ES" sz="1800" kern="100" dirty="0">
+                <a:effectLst/>
+                <a:latin typeface="Calibri" panose="020F0502020204030204" pitchFamily="34" charset="0"/>
+                <a:ea typeface="Aptos" panose="020B0004020202020204" pitchFamily="34" charset="0"/>
+                <a:cs typeface="Arial" panose="020B0604020202020204" pitchFamily="34" charset="0"/>
+              </a:rPr>
+              <a:t> nos ayuda a visualizar mejor estas dinámicas.</a:t>
+            </a:r>
+            <a:endParaRPr lang="es-ES" sz="1800" kern="100" dirty="0">
+              <a:effectLst/>
+              <a:latin typeface="Aptos" panose="020B0004020202020204" pitchFamily="34" charset="0"/>
+              <a:ea typeface="Aptos" panose="020B0004020202020204" pitchFamily="34" charset="0"/>
+              <a:cs typeface="Arial" panose="020B0604020202020204" pitchFamily="34" charset="0"/>
+            </a:endParaRPr>
+          </a:p>
+          <a:p>
+            <a:endParaRPr lang="es-ES" dirty="0"/>
+          </a:p>
+        </p:txBody>
+      </p:sp>
+      <p:sp>
+        <p:nvSpPr>
+          <p:cNvPr id="4" name="Marcador de número de diapositiva 3"/>
+          <p:cNvSpPr>
+            <a:spLocks noGrp="1"/>
+          </p:cNvSpPr>
+          <p:nvPr>
+            <p:ph type="sldNum" sz="quarter" idx="5"/>
+          </p:nvPr>
+        </p:nvSpPr>
+        <p:spPr/>
+        <p:txBody>
+          <a:bodyPr/>
+          <a:lstStyle/>
+          <a:p>
+            <a:pPr rtl="0"/>
+            <a:fld id="{9CA004F4-F240-48F9-8AE1-486585C7F00D}" type="slidenum">
+              <a:rPr lang="es-ES" smtClean="0"/>
+              <a:t>18</a:t>
+            </a:fld>
+            <a:endParaRPr lang="es-ES" dirty="0"/>
+          </a:p>
+        </p:txBody>
+      </p:sp>
+    </p:spTree>
+    <p:extLst>
+      <p:ext uri="{BB962C8B-B14F-4D97-AF65-F5344CB8AC3E}">
+        <p14:creationId xmlns:p14="http://schemas.microsoft.com/office/powerpoint/2010/main" val="1216233546"/>
+      </p:ext>
+    </p:extLst>
+  </p:cSld>
+  <p:clrMapOvr>
+    <a:masterClrMapping/>
+  </p:clrMapOvr>
+</p:notes>
+</file>
+
+<file path=ppt/notesSlides/notesSlide17.xml><?xml version="1.0" encoding="utf-8"?>
+<p:notes xmlns:a="http://schemas.openxmlformats.org/drawingml/2006/main" xmlns:r="http://schemas.openxmlformats.org/officeDocument/2006/relationships" xmlns:p="http://schemas.openxmlformats.org/presentationml/2006/main">
+  <p:cSld>
+    <p:spTree>
+      <p:nvGrpSpPr>
+        <p:cNvPr id="1" name=""/>
+        <p:cNvGrpSpPr/>
+        <p:nvPr/>
+      </p:nvGrpSpPr>
+      <p:grpSpPr>
+        <a:xfrm>
+          <a:off x="0" y="0"/>
+          <a:ext cx="0" cy="0"/>
+          <a:chOff x="0" y="0"/>
+          <a:chExt cx="0" cy="0"/>
+        </a:xfrm>
+      </p:grpSpPr>
+      <p:sp>
+        <p:nvSpPr>
+          <p:cNvPr id="2" name="Marcador de imagen de diapositiva 1"/>
+          <p:cNvSpPr>
+            <a:spLocks noGrp="1" noRot="1" noChangeAspect="1"/>
+          </p:cNvSpPr>
+          <p:nvPr>
+            <p:ph type="sldImg"/>
+          </p:nvPr>
+        </p:nvSpPr>
+        <p:spPr/>
+      </p:sp>
+      <p:sp>
+        <p:nvSpPr>
+          <p:cNvPr id="3" name="Marcador de notas 2"/>
+          <p:cNvSpPr>
+            <a:spLocks noGrp="1"/>
+          </p:cNvSpPr>
+          <p:nvPr>
+            <p:ph type="body" idx="1"/>
+          </p:nvPr>
+        </p:nvSpPr>
+        <p:spPr/>
+        <p:txBody>
+          <a:bodyPr/>
+          <a:lstStyle/>
+          <a:p>
+            <a:pPr algn="just">
+              <a:lnSpc>
+                <a:spcPct val="107000"/>
+              </a:lnSpc>
+              <a:spcAft>
+                <a:spcPts val="800"/>
+              </a:spcAft>
+            </a:pPr>
+            <a:r>
+              <a:rPr lang="es-ES" sz="1800" b="1" kern="100" dirty="0" err="1">
+                <a:effectLst/>
+                <a:latin typeface="Calibri" panose="020F0502020204030204" pitchFamily="34" charset="0"/>
+                <a:ea typeface="Aptos" panose="020B0004020202020204" pitchFamily="34" charset="0"/>
+                <a:cs typeface="Arial" panose="020B0604020202020204" pitchFamily="34" charset="0"/>
+              </a:rPr>
+              <a:t>Cluster</a:t>
+            </a:r>
+            <a:r>
+              <a:rPr lang="es-ES" sz="1800" b="1" kern="100" dirty="0">
+                <a:effectLst/>
+                <a:latin typeface="Calibri" panose="020F0502020204030204" pitchFamily="34" charset="0"/>
+                <a:ea typeface="Aptos" panose="020B0004020202020204" pitchFamily="34" charset="0"/>
+                <a:cs typeface="Arial" panose="020B0604020202020204" pitchFamily="34" charset="0"/>
+              </a:rPr>
+              <a:t> de barrios según estacionalidad (Diapositiva 19)</a:t>
+            </a:r>
+            <a:endParaRPr lang="es-ES" sz="1800" kern="100" dirty="0">
+              <a:effectLst/>
+              <a:latin typeface="Aptos" panose="020B0004020202020204" pitchFamily="34" charset="0"/>
+              <a:ea typeface="Aptos" panose="020B0004020202020204" pitchFamily="34" charset="0"/>
+              <a:cs typeface="Arial" panose="020B0604020202020204" pitchFamily="34" charset="0"/>
+            </a:endParaRPr>
+          </a:p>
+          <a:p>
+            <a:pPr algn="just">
+              <a:lnSpc>
+                <a:spcPct val="107000"/>
+              </a:lnSpc>
+              <a:spcAft>
+                <a:spcPts val="800"/>
+              </a:spcAft>
+            </a:pPr>
+            <a:r>
+              <a:rPr lang="es-ES" sz="1800" kern="100" dirty="0">
+                <a:effectLst/>
+                <a:latin typeface="Calibri" panose="020F0502020204030204" pitchFamily="34" charset="0"/>
+                <a:ea typeface="Aptos" panose="020B0004020202020204" pitchFamily="34" charset="0"/>
+                <a:cs typeface="Arial" panose="020B0604020202020204" pitchFamily="34" charset="0"/>
+              </a:rPr>
+              <a:t>"Finalmente, analicemos cómo se distribuyen los precios y la demanda según los barrios.</a:t>
+            </a:r>
+            <a:endParaRPr lang="es-ES" sz="1800" kern="100" dirty="0">
+              <a:effectLst/>
+              <a:latin typeface="Aptos" panose="020B0004020202020204" pitchFamily="34" charset="0"/>
+              <a:ea typeface="Aptos" panose="020B0004020202020204" pitchFamily="34" charset="0"/>
+              <a:cs typeface="Arial" panose="020B0604020202020204" pitchFamily="34" charset="0"/>
+            </a:endParaRPr>
+          </a:p>
+          <a:p>
+            <a:pPr marL="342900" lvl="0" indent="-342900" algn="just">
+              <a:lnSpc>
+                <a:spcPct val="107000"/>
+              </a:lnSpc>
+              <a:spcAft>
+                <a:spcPts val="800"/>
+              </a:spcAft>
+              <a:buSzPts val="1000"/>
+              <a:buFont typeface="Symbol" panose="05050102010706020507" pitchFamily="18" charset="2"/>
+              <a:buChar char=""/>
+              <a:tabLst>
+                <a:tab pos="457200" algn="l"/>
+              </a:tabLst>
+            </a:pPr>
+            <a:r>
+              <a:rPr lang="es-ES" sz="1800" kern="100" dirty="0">
+                <a:effectLst/>
+                <a:latin typeface="Calibri" panose="020F0502020204030204" pitchFamily="34" charset="0"/>
+                <a:ea typeface="Aptos" panose="020B0004020202020204" pitchFamily="34" charset="0"/>
+                <a:cs typeface="Arial" panose="020B0604020202020204" pitchFamily="34" charset="0"/>
+              </a:rPr>
+              <a:t>En Barcelona, los barrios céntricos como </a:t>
+            </a:r>
+            <a:r>
+              <a:rPr lang="es-ES" sz="1800" kern="100" dirty="0" err="1">
+                <a:effectLst/>
+                <a:latin typeface="Calibri" panose="020F0502020204030204" pitchFamily="34" charset="0"/>
+                <a:ea typeface="Aptos" panose="020B0004020202020204" pitchFamily="34" charset="0"/>
+                <a:cs typeface="Arial" panose="020B0604020202020204" pitchFamily="34" charset="0"/>
+              </a:rPr>
+              <a:t>Ciutat</a:t>
+            </a:r>
+            <a:r>
+              <a:rPr lang="es-ES" sz="1800" kern="100" dirty="0">
+                <a:effectLst/>
+                <a:latin typeface="Calibri" panose="020F0502020204030204" pitchFamily="34" charset="0"/>
+                <a:ea typeface="Aptos" panose="020B0004020202020204" pitchFamily="34" charset="0"/>
+                <a:cs typeface="Arial" panose="020B0604020202020204" pitchFamily="34" charset="0"/>
+              </a:rPr>
+              <a:t> Vella concentran los precios más altos.</a:t>
+            </a:r>
+            <a:endParaRPr lang="es-ES" sz="1800" kern="100" dirty="0">
+              <a:effectLst/>
+              <a:latin typeface="Aptos" panose="020B0004020202020204" pitchFamily="34" charset="0"/>
+              <a:ea typeface="Aptos" panose="020B0004020202020204" pitchFamily="34" charset="0"/>
+              <a:cs typeface="Arial" panose="020B0604020202020204" pitchFamily="34" charset="0"/>
+            </a:endParaRPr>
+          </a:p>
+          <a:p>
+            <a:pPr marL="342900" lvl="0" indent="-342900" algn="just">
+              <a:lnSpc>
+                <a:spcPct val="107000"/>
+              </a:lnSpc>
+              <a:spcAft>
+                <a:spcPts val="800"/>
+              </a:spcAft>
+              <a:buSzPts val="1000"/>
+              <a:buFont typeface="Symbol" panose="05050102010706020507" pitchFamily="18" charset="2"/>
+              <a:buChar char=""/>
+              <a:tabLst>
+                <a:tab pos="457200" algn="l"/>
+              </a:tabLst>
+            </a:pPr>
+            <a:r>
+              <a:rPr lang="es-ES" sz="1800" kern="100" dirty="0">
+                <a:effectLst/>
+                <a:latin typeface="Calibri" panose="020F0502020204030204" pitchFamily="34" charset="0"/>
+                <a:ea typeface="Aptos" panose="020B0004020202020204" pitchFamily="34" charset="0"/>
+                <a:cs typeface="Arial" panose="020B0604020202020204" pitchFamily="34" charset="0"/>
+              </a:rPr>
+              <a:t>En Madrid, Salamanca y Centro dominan el segmento premium.</a:t>
+            </a:r>
+            <a:endParaRPr lang="es-ES" sz="1800" kern="100" dirty="0">
+              <a:effectLst/>
+              <a:latin typeface="Aptos" panose="020B0004020202020204" pitchFamily="34" charset="0"/>
+              <a:ea typeface="Aptos" panose="020B0004020202020204" pitchFamily="34" charset="0"/>
+              <a:cs typeface="Arial" panose="020B0604020202020204" pitchFamily="34" charset="0"/>
+            </a:endParaRPr>
+          </a:p>
+          <a:p>
+            <a:pPr marL="342900" lvl="0" indent="-342900" algn="just">
+              <a:lnSpc>
+                <a:spcPct val="107000"/>
+              </a:lnSpc>
+              <a:spcAft>
+                <a:spcPts val="800"/>
+              </a:spcAft>
+              <a:buSzPts val="1000"/>
+              <a:buFont typeface="Symbol" panose="05050102010706020507" pitchFamily="18" charset="2"/>
+              <a:buChar char=""/>
+              <a:tabLst>
+                <a:tab pos="457200" algn="l"/>
+              </a:tabLst>
+            </a:pPr>
+            <a:r>
+              <a:rPr lang="es-ES" sz="1800" kern="100" dirty="0">
+                <a:effectLst/>
+                <a:latin typeface="Calibri" panose="020F0502020204030204" pitchFamily="34" charset="0"/>
+                <a:ea typeface="Aptos" panose="020B0004020202020204" pitchFamily="34" charset="0"/>
+                <a:cs typeface="Arial" panose="020B0604020202020204" pitchFamily="34" charset="0"/>
+              </a:rPr>
+              <a:t>En Sevilla, Casco Antiguo lidera, pero también se observa un creciente interés por barrios periféricos.</a:t>
+            </a:r>
+            <a:endParaRPr lang="es-ES" sz="1800" kern="100" dirty="0">
+              <a:effectLst/>
+              <a:latin typeface="Aptos" panose="020B0004020202020204" pitchFamily="34" charset="0"/>
+              <a:ea typeface="Aptos" panose="020B0004020202020204" pitchFamily="34" charset="0"/>
+              <a:cs typeface="Arial" panose="020B0604020202020204" pitchFamily="34" charset="0"/>
+            </a:endParaRPr>
+          </a:p>
+          <a:p>
+            <a:pPr algn="just">
+              <a:lnSpc>
+                <a:spcPct val="107000"/>
+              </a:lnSpc>
+              <a:spcAft>
+                <a:spcPts val="800"/>
+              </a:spcAft>
+            </a:pPr>
+            <a:r>
+              <a:rPr lang="es-ES" sz="1800" kern="100" dirty="0">
+                <a:effectLst/>
+                <a:latin typeface="Calibri" panose="020F0502020204030204" pitchFamily="34" charset="0"/>
+                <a:ea typeface="Aptos" panose="020B0004020202020204" pitchFamily="34" charset="0"/>
+                <a:cs typeface="Arial" panose="020B0604020202020204" pitchFamily="34" charset="0"/>
+              </a:rPr>
+              <a:t>Usando </a:t>
+            </a:r>
+            <a:r>
+              <a:rPr lang="es-ES" sz="1800" kern="100" dirty="0" err="1">
+                <a:effectLst/>
+                <a:latin typeface="Calibri" panose="020F0502020204030204" pitchFamily="34" charset="0"/>
+                <a:ea typeface="Aptos" panose="020B0004020202020204" pitchFamily="34" charset="0"/>
+                <a:cs typeface="Arial" panose="020B0604020202020204" pitchFamily="34" charset="0"/>
+              </a:rPr>
+              <a:t>clusters</a:t>
+            </a:r>
+            <a:r>
+              <a:rPr lang="es-ES" sz="1800" kern="100" dirty="0">
+                <a:effectLst/>
+                <a:latin typeface="Calibri" panose="020F0502020204030204" pitchFamily="34" charset="0"/>
+                <a:ea typeface="Aptos" panose="020B0004020202020204" pitchFamily="34" charset="0"/>
+                <a:cs typeface="Arial" panose="020B0604020202020204" pitchFamily="34" charset="0"/>
+              </a:rPr>
+              <a:t>, identificamos patrones claros: los alojamientos premium están ubicados en zonas céntricas, mientras que las opciones más económicas se encuentran en la periferia, pero con una creciente popularidad."</a:t>
+            </a:r>
+            <a:endParaRPr lang="es-ES" sz="1800" kern="100" dirty="0">
+              <a:effectLst/>
+              <a:latin typeface="Aptos" panose="020B0004020202020204" pitchFamily="34" charset="0"/>
+              <a:ea typeface="Aptos" panose="020B0004020202020204" pitchFamily="34" charset="0"/>
+              <a:cs typeface="Arial" panose="020B0604020202020204" pitchFamily="34" charset="0"/>
+            </a:endParaRPr>
+          </a:p>
+          <a:p>
+            <a:pPr algn="just">
+              <a:lnSpc>
+                <a:spcPct val="107000"/>
+              </a:lnSpc>
+              <a:spcAft>
+                <a:spcPts val="800"/>
+              </a:spcAft>
+            </a:pPr>
+            <a:r>
+              <a:rPr lang="es-ES" sz="1800" b="1" kern="100" dirty="0">
+                <a:effectLst/>
+                <a:latin typeface="Calibri" panose="020F0502020204030204" pitchFamily="34" charset="0"/>
+                <a:ea typeface="Aptos" panose="020B0004020202020204" pitchFamily="34" charset="0"/>
+                <a:cs typeface="Arial" panose="020B0604020202020204" pitchFamily="34" charset="0"/>
+              </a:rPr>
+              <a:t>Transición:</a:t>
+            </a:r>
+            <a:r>
+              <a:rPr lang="es-ES" sz="1800" kern="100" dirty="0">
+                <a:effectLst/>
+                <a:latin typeface="Calibri" panose="020F0502020204030204" pitchFamily="34" charset="0"/>
+                <a:ea typeface="Aptos" panose="020B0004020202020204" pitchFamily="34" charset="0"/>
+                <a:cs typeface="Arial" panose="020B0604020202020204" pitchFamily="34" charset="0"/>
+              </a:rPr>
+              <a:t> Para terminar, veamos las conclusiones clave y recomendaciones del análisis."</a:t>
+            </a:r>
+            <a:endParaRPr lang="es-ES" sz="1800" kern="100" dirty="0">
+              <a:effectLst/>
+              <a:latin typeface="Aptos" panose="020B0004020202020204" pitchFamily="34" charset="0"/>
+              <a:ea typeface="Aptos" panose="020B0004020202020204" pitchFamily="34" charset="0"/>
+              <a:cs typeface="Arial" panose="020B0604020202020204" pitchFamily="34" charset="0"/>
+            </a:endParaRPr>
+          </a:p>
+          <a:p>
+            <a:endParaRPr lang="es-ES" dirty="0"/>
+          </a:p>
+        </p:txBody>
+      </p:sp>
+      <p:sp>
+        <p:nvSpPr>
+          <p:cNvPr id="4" name="Marcador de número de diapositiva 3"/>
+          <p:cNvSpPr>
+            <a:spLocks noGrp="1"/>
+          </p:cNvSpPr>
+          <p:nvPr>
+            <p:ph type="sldNum" sz="quarter" idx="5"/>
+          </p:nvPr>
+        </p:nvSpPr>
+        <p:spPr/>
+        <p:txBody>
+          <a:bodyPr/>
+          <a:lstStyle/>
+          <a:p>
+            <a:pPr rtl="0"/>
+            <a:fld id="{9CA004F4-F240-48F9-8AE1-486585C7F00D}" type="slidenum">
+              <a:rPr lang="es-ES" smtClean="0"/>
+              <a:t>19</a:t>
+            </a:fld>
+            <a:endParaRPr lang="es-ES" dirty="0"/>
+          </a:p>
+        </p:txBody>
+      </p:sp>
+    </p:spTree>
+    <p:extLst>
+      <p:ext uri="{BB962C8B-B14F-4D97-AF65-F5344CB8AC3E}">
+        <p14:creationId xmlns:p14="http://schemas.microsoft.com/office/powerpoint/2010/main" val="203243515"/>
+      </p:ext>
+    </p:extLst>
+  </p:cSld>
+  <p:clrMapOvr>
+    <a:masterClrMapping/>
+  </p:clrMapOvr>
+</p:notes>
+</file>
+
+<file path=ppt/notesSlides/notesSlide18.xml><?xml version="1.0" encoding="utf-8"?>
+<p:notes xmlns:a="http://schemas.openxmlformats.org/drawingml/2006/main" xmlns:r="http://schemas.openxmlformats.org/officeDocument/2006/relationships" xmlns:p="http://schemas.openxmlformats.org/presentationml/2006/main">
+  <p:cSld>
+    <p:spTree>
+      <p:nvGrpSpPr>
+        <p:cNvPr id="1" name=""/>
+        <p:cNvGrpSpPr/>
+        <p:nvPr/>
+      </p:nvGrpSpPr>
+      <p:grpSpPr>
+        <a:xfrm>
+          <a:off x="0" y="0"/>
+          <a:ext cx="0" cy="0"/>
+          <a:chOff x="0" y="0"/>
+          <a:chExt cx="0" cy="0"/>
+        </a:xfrm>
+      </p:grpSpPr>
+      <p:sp>
+        <p:nvSpPr>
+          <p:cNvPr id="2" name="Marcador de imagen de diapositiva 1"/>
+          <p:cNvSpPr>
+            <a:spLocks noGrp="1" noRot="1" noChangeAspect="1"/>
+          </p:cNvSpPr>
+          <p:nvPr>
+            <p:ph type="sldImg"/>
+          </p:nvPr>
+        </p:nvSpPr>
+        <p:spPr/>
+      </p:sp>
+      <p:sp>
+        <p:nvSpPr>
+          <p:cNvPr id="3" name="Marcador de notas 2"/>
+          <p:cNvSpPr>
+            <a:spLocks noGrp="1"/>
+          </p:cNvSpPr>
+          <p:nvPr>
+            <p:ph type="body" idx="1"/>
+          </p:nvPr>
+        </p:nvSpPr>
+        <p:spPr/>
+        <p:txBody>
+          <a:bodyPr/>
+          <a:lstStyle/>
+          <a:p>
+            <a:pPr algn="just">
+              <a:lnSpc>
+                <a:spcPct val="107000"/>
+              </a:lnSpc>
+              <a:spcAft>
+                <a:spcPts val="800"/>
+              </a:spcAft>
+            </a:pPr>
+            <a:r>
+              <a:rPr lang="es-ES" sz="1800" b="1" kern="100" dirty="0">
+                <a:effectLst/>
+                <a:latin typeface="Calibri" panose="020F0502020204030204" pitchFamily="34" charset="0"/>
+                <a:ea typeface="Aptos" panose="020B0004020202020204" pitchFamily="34" charset="0"/>
+                <a:cs typeface="Arial" panose="020B0604020202020204" pitchFamily="34" charset="0"/>
+              </a:rPr>
+              <a:t>Recomendaciones:</a:t>
+            </a:r>
+            <a:endParaRPr lang="es-ES" sz="1800" kern="100" dirty="0">
+              <a:effectLst/>
+              <a:latin typeface="Aptos" panose="020B0004020202020204" pitchFamily="34" charset="0"/>
+              <a:ea typeface="Aptos" panose="020B0004020202020204" pitchFamily="34" charset="0"/>
+              <a:cs typeface="Arial" panose="020B0604020202020204" pitchFamily="34" charset="0"/>
+            </a:endParaRPr>
+          </a:p>
+          <a:p>
+            <a:pPr marL="342900" lvl="0" indent="-342900" algn="just">
+              <a:lnSpc>
+                <a:spcPct val="107000"/>
+              </a:lnSpc>
+              <a:spcAft>
+                <a:spcPts val="800"/>
+              </a:spcAft>
+              <a:buSzPts val="1000"/>
+              <a:buFont typeface="Symbol" panose="05050102010706020507" pitchFamily="18" charset="2"/>
+              <a:buChar char=""/>
+              <a:tabLst>
+                <a:tab pos="457200" algn="l"/>
+              </a:tabLst>
+            </a:pPr>
+            <a:r>
+              <a:rPr lang="es-ES" sz="1800" kern="100" dirty="0">
+                <a:effectLst/>
+                <a:latin typeface="Calibri" panose="020F0502020204030204" pitchFamily="34" charset="0"/>
+                <a:ea typeface="Aptos" panose="020B0004020202020204" pitchFamily="34" charset="0"/>
+                <a:cs typeface="Arial" panose="020B0604020202020204" pitchFamily="34" charset="0"/>
+              </a:rPr>
+              <a:t>Implementar precios dinámicos según temporada y eventos locales para maximizar ingresos.</a:t>
+            </a:r>
+            <a:endParaRPr lang="es-ES" sz="1800" kern="100" dirty="0">
+              <a:effectLst/>
+              <a:latin typeface="Aptos" panose="020B0004020202020204" pitchFamily="34" charset="0"/>
+              <a:ea typeface="Aptos" panose="020B0004020202020204" pitchFamily="34" charset="0"/>
+              <a:cs typeface="Arial" panose="020B0604020202020204" pitchFamily="34" charset="0"/>
+            </a:endParaRPr>
+          </a:p>
+          <a:p>
+            <a:pPr marL="342900" lvl="0" indent="-342900" algn="just">
+              <a:lnSpc>
+                <a:spcPct val="107000"/>
+              </a:lnSpc>
+              <a:spcAft>
+                <a:spcPts val="800"/>
+              </a:spcAft>
+              <a:buSzPts val="1000"/>
+              <a:buFont typeface="Symbol" panose="05050102010706020507" pitchFamily="18" charset="2"/>
+              <a:buChar char=""/>
+              <a:tabLst>
+                <a:tab pos="457200" algn="l"/>
+              </a:tabLst>
+            </a:pPr>
+            <a:r>
+              <a:rPr lang="es-ES" sz="1800" kern="100" dirty="0">
+                <a:effectLst/>
+                <a:latin typeface="Calibri" panose="020F0502020204030204" pitchFamily="34" charset="0"/>
+                <a:ea typeface="Aptos" panose="020B0004020202020204" pitchFamily="34" charset="0"/>
+                <a:cs typeface="Arial" panose="020B0604020202020204" pitchFamily="34" charset="0"/>
+              </a:rPr>
+              <a:t>Fidelizar huéspedes recurrentes con descuentos por estadías prolongadas o promociones en temporadas bajas.</a:t>
+            </a:r>
+            <a:endParaRPr lang="es-ES" sz="1800" kern="100" dirty="0">
+              <a:effectLst/>
+              <a:latin typeface="Aptos" panose="020B0004020202020204" pitchFamily="34" charset="0"/>
+              <a:ea typeface="Aptos" panose="020B0004020202020204" pitchFamily="34" charset="0"/>
+              <a:cs typeface="Arial" panose="020B0604020202020204" pitchFamily="34" charset="0"/>
+            </a:endParaRPr>
+          </a:p>
+          <a:p>
+            <a:pPr marL="342900" lvl="0" indent="-342900" algn="just">
+              <a:lnSpc>
+                <a:spcPct val="107000"/>
+              </a:lnSpc>
+              <a:spcAft>
+                <a:spcPts val="800"/>
+              </a:spcAft>
+              <a:buSzPts val="1000"/>
+              <a:buFont typeface="Symbol" panose="05050102010706020507" pitchFamily="18" charset="2"/>
+              <a:buChar char=""/>
+              <a:tabLst>
+                <a:tab pos="457200" algn="l"/>
+              </a:tabLst>
+            </a:pPr>
+            <a:r>
+              <a:rPr lang="es-ES" sz="1800" kern="100" dirty="0">
+                <a:effectLst/>
+                <a:latin typeface="Calibri" panose="020F0502020204030204" pitchFamily="34" charset="0"/>
+                <a:ea typeface="Aptos" panose="020B0004020202020204" pitchFamily="34" charset="0"/>
+                <a:cs typeface="Arial" panose="020B0604020202020204" pitchFamily="34" charset="0"/>
+              </a:rPr>
+              <a:t>Los turistas deben reservar con antelación para evitar picos.</a:t>
+            </a:r>
+            <a:endParaRPr lang="es-ES" sz="1800" kern="100" dirty="0">
+              <a:effectLst/>
+              <a:latin typeface="Aptos" panose="020B0004020202020204" pitchFamily="34" charset="0"/>
+              <a:ea typeface="Aptos" panose="020B0004020202020204" pitchFamily="34" charset="0"/>
+              <a:cs typeface="Arial" panose="020B0604020202020204" pitchFamily="34" charset="0"/>
+            </a:endParaRPr>
+          </a:p>
+          <a:p>
+            <a:pPr marL="342900" lvl="0" indent="-342900" algn="just">
+              <a:lnSpc>
+                <a:spcPct val="107000"/>
+              </a:lnSpc>
+              <a:spcAft>
+                <a:spcPts val="800"/>
+              </a:spcAft>
+              <a:buSzPts val="1000"/>
+              <a:buFont typeface="Symbol" panose="05050102010706020507" pitchFamily="18" charset="2"/>
+              <a:buChar char=""/>
+              <a:tabLst>
+                <a:tab pos="457200" algn="l"/>
+              </a:tabLst>
+            </a:pPr>
+            <a:r>
+              <a:rPr lang="es-ES" sz="1800" kern="100" dirty="0">
+                <a:effectLst/>
+                <a:latin typeface="Calibri" panose="020F0502020204030204" pitchFamily="34" charset="0"/>
+                <a:ea typeface="Aptos" panose="020B0004020202020204" pitchFamily="34" charset="0"/>
+                <a:cs typeface="Arial" panose="020B0604020202020204" pitchFamily="34" charset="0"/>
+              </a:rPr>
+              <a:t>Explorar barrios periféricos o menos populares para opciones más económicas sin sacrificar comodidad.</a:t>
+            </a:r>
+            <a:endParaRPr lang="es-ES" sz="1800" kern="100" dirty="0">
+              <a:effectLst/>
+              <a:latin typeface="Aptos" panose="020B0004020202020204" pitchFamily="34" charset="0"/>
+              <a:ea typeface="Aptos" panose="020B0004020202020204" pitchFamily="34" charset="0"/>
+              <a:cs typeface="Arial" panose="020B0604020202020204" pitchFamily="34" charset="0"/>
+            </a:endParaRPr>
+          </a:p>
+          <a:p>
+            <a:pPr marL="342900" lvl="0" indent="-342900" algn="just">
+              <a:lnSpc>
+                <a:spcPct val="107000"/>
+              </a:lnSpc>
+              <a:spcAft>
+                <a:spcPts val="800"/>
+              </a:spcAft>
+              <a:buSzPts val="1000"/>
+              <a:buFont typeface="Symbol" panose="05050102010706020507" pitchFamily="18" charset="2"/>
+              <a:buChar char=""/>
+              <a:tabLst>
+                <a:tab pos="457200" algn="l"/>
+              </a:tabLst>
+            </a:pPr>
+            <a:r>
+              <a:rPr lang="es-ES" sz="1800" kern="100" dirty="0">
+                <a:effectLst/>
+                <a:latin typeface="Calibri" panose="020F0502020204030204" pitchFamily="34" charset="0"/>
+                <a:ea typeface="Aptos" panose="020B0004020202020204" pitchFamily="34" charset="0"/>
+                <a:cs typeface="Arial" panose="020B0604020202020204" pitchFamily="34" charset="0"/>
+              </a:rPr>
+              <a:t>Los reguladores locales deben equilibrar la oferta turística con la sostenibilidad, estableciendo límites claros y fomentando programas de vivienda asequible.</a:t>
+            </a:r>
+            <a:endParaRPr lang="es-ES" sz="1800" kern="100" dirty="0">
+              <a:effectLst/>
+              <a:latin typeface="Aptos" panose="020B0004020202020204" pitchFamily="34" charset="0"/>
+              <a:ea typeface="Aptos" panose="020B0004020202020204" pitchFamily="34" charset="0"/>
+              <a:cs typeface="Arial" panose="020B0604020202020204" pitchFamily="34" charset="0"/>
+            </a:endParaRPr>
+          </a:p>
+          <a:p>
+            <a:pPr marL="342900" lvl="0" indent="-342900" algn="just">
+              <a:lnSpc>
+                <a:spcPct val="107000"/>
+              </a:lnSpc>
+              <a:spcAft>
+                <a:spcPts val="800"/>
+              </a:spcAft>
+              <a:buSzPts val="1000"/>
+              <a:buFont typeface="Symbol" panose="05050102010706020507" pitchFamily="18" charset="2"/>
+              <a:buChar char=""/>
+              <a:tabLst>
+                <a:tab pos="457200" algn="l"/>
+              </a:tabLst>
+            </a:pPr>
+            <a:r>
+              <a:rPr lang="es-ES" sz="1800" kern="100" dirty="0">
+                <a:effectLst/>
+                <a:latin typeface="Calibri" panose="020F0502020204030204" pitchFamily="34" charset="0"/>
+                <a:ea typeface="Aptos" panose="020B0004020202020204" pitchFamily="34" charset="0"/>
+                <a:cs typeface="Arial" panose="020B0604020202020204" pitchFamily="34" charset="0"/>
+              </a:rPr>
+              <a:t>Establecer límites en la cantidad de propiedades listadas en Airbnb por anfitrión, especialmente en zonas con alta densidad de turismo.</a:t>
+            </a:r>
+            <a:endParaRPr lang="es-ES" sz="1800" kern="100" dirty="0">
+              <a:effectLst/>
+              <a:latin typeface="Aptos" panose="020B0004020202020204" pitchFamily="34" charset="0"/>
+              <a:ea typeface="Aptos" panose="020B0004020202020204" pitchFamily="34" charset="0"/>
+              <a:cs typeface="Arial" panose="020B0604020202020204" pitchFamily="34" charset="0"/>
+            </a:endParaRPr>
+          </a:p>
+          <a:p>
+            <a:pPr marL="342900" lvl="0" indent="-342900" algn="just">
+              <a:lnSpc>
+                <a:spcPct val="107000"/>
+              </a:lnSpc>
+              <a:spcAft>
+                <a:spcPts val="800"/>
+              </a:spcAft>
+              <a:buSzPts val="1000"/>
+              <a:buFont typeface="Symbol" panose="05050102010706020507" pitchFamily="18" charset="2"/>
+              <a:buChar char=""/>
+              <a:tabLst>
+                <a:tab pos="457200" algn="l"/>
+              </a:tabLst>
+            </a:pPr>
+            <a:r>
+              <a:rPr lang="es-ES" sz="1800" kern="100" dirty="0">
+                <a:effectLst/>
+                <a:latin typeface="Calibri" panose="020F0502020204030204" pitchFamily="34" charset="0"/>
+                <a:ea typeface="Aptos" panose="020B0004020202020204" pitchFamily="34" charset="0"/>
+                <a:cs typeface="Arial" panose="020B0604020202020204" pitchFamily="34" charset="0"/>
+              </a:rPr>
+              <a:t>Implementar impuestos adicionales para propiedades usadas exclusivamente como alquiler turístico.</a:t>
+            </a:r>
+            <a:endParaRPr lang="es-ES" sz="1800" kern="100" dirty="0">
+              <a:effectLst/>
+              <a:latin typeface="Aptos" panose="020B0004020202020204" pitchFamily="34" charset="0"/>
+              <a:ea typeface="Aptos" panose="020B0004020202020204" pitchFamily="34" charset="0"/>
+              <a:cs typeface="Arial" panose="020B0604020202020204" pitchFamily="34" charset="0"/>
+            </a:endParaRPr>
+          </a:p>
+          <a:p>
+            <a:pPr algn="just">
+              <a:lnSpc>
+                <a:spcPct val="107000"/>
+              </a:lnSpc>
+              <a:spcAft>
+                <a:spcPts val="800"/>
+              </a:spcAft>
+            </a:pPr>
+            <a:r>
+              <a:rPr lang="es-ES" sz="1800" kern="100" dirty="0">
+                <a:effectLst/>
+                <a:latin typeface="Calibri" panose="020F0502020204030204" pitchFamily="34" charset="0"/>
+                <a:ea typeface="Aptos" panose="020B0004020202020204" pitchFamily="34" charset="0"/>
+                <a:cs typeface="Arial" panose="020B0604020202020204" pitchFamily="34" charset="0"/>
+              </a:rPr>
+              <a:t>Con esto, cerramos nuestro análisis. Muchas gracias por su atención."</a:t>
+            </a:r>
+            <a:endParaRPr lang="es-ES" sz="1800" kern="100" dirty="0">
+              <a:effectLst/>
+              <a:latin typeface="Aptos" panose="020B0004020202020204" pitchFamily="34" charset="0"/>
+              <a:ea typeface="Aptos" panose="020B0004020202020204" pitchFamily="34" charset="0"/>
+              <a:cs typeface="Arial" panose="020B0604020202020204" pitchFamily="34" charset="0"/>
+            </a:endParaRPr>
+          </a:p>
+          <a:p>
+            <a:endParaRPr lang="es-ES" dirty="0"/>
+          </a:p>
+        </p:txBody>
+      </p:sp>
+      <p:sp>
+        <p:nvSpPr>
+          <p:cNvPr id="4" name="Marcador de número de diapositiva 3"/>
+          <p:cNvSpPr>
+            <a:spLocks noGrp="1"/>
+          </p:cNvSpPr>
+          <p:nvPr>
+            <p:ph type="sldNum" sz="quarter" idx="5"/>
+          </p:nvPr>
+        </p:nvSpPr>
+        <p:spPr/>
+        <p:txBody>
+          <a:bodyPr/>
+          <a:lstStyle/>
+          <a:p>
+            <a:pPr rtl="0"/>
+            <a:fld id="{9CA004F4-F240-48F9-8AE1-486585C7F00D}" type="slidenum">
+              <a:rPr lang="es-ES" smtClean="0"/>
+              <a:t>20</a:t>
+            </a:fld>
+            <a:endParaRPr lang="es-ES" dirty="0"/>
+          </a:p>
+        </p:txBody>
+      </p:sp>
+    </p:spTree>
+    <p:extLst>
+      <p:ext uri="{BB962C8B-B14F-4D97-AF65-F5344CB8AC3E}">
+        <p14:creationId xmlns:p14="http://schemas.microsoft.com/office/powerpoint/2010/main" val="2662016400"/>
       </p:ext>
     </p:extLst>
   </p:cSld>
@@ -5569,98 +7814,113 @@
           <a:bodyPr/>
           <a:lstStyle/>
           <a:p>
-            <a:r>
-              <a:rPr lang="es-ES" b="1" dirty="0"/>
-              <a:t>Conclusiones</a:t>
-            </a:r>
-          </a:p>
-          <a:p>
-            <a:pPr>
-              <a:buFont typeface="+mj-lt"/>
-              <a:buAutoNum type="arabicPeriod"/>
+            <a:pPr algn="just">
+              <a:lnSpc>
+                <a:spcPct val="107000"/>
+              </a:lnSpc>
+              <a:spcAft>
+                <a:spcPts val="800"/>
+              </a:spcAft>
             </a:pPr>
             <a:r>
-              <a:rPr lang="es-ES" b="1" dirty="0"/>
-              <a:t>Barcelona</a:t>
-            </a:r>
-            <a:r>
-              <a:rPr lang="es-ES" dirty="0"/>
-              <a:t> es la ciudad con los precios promedio </a:t>
-            </a:r>
-            <a:r>
-              <a:rPr lang="es-ES" b="1" dirty="0"/>
-              <a:t>más altos</a:t>
-            </a:r>
-            <a:r>
-              <a:rPr lang="es-ES" dirty="0"/>
-              <a:t> y presenta </a:t>
-            </a:r>
-            <a:r>
-              <a:rPr lang="es-ES" b="1" dirty="0"/>
-              <a:t>menor variabilidad</a:t>
-            </a:r>
-            <a:r>
-              <a:rPr lang="es-ES" dirty="0"/>
-              <a:t> entre temporadas, lo que podría deberse a una demanda turística más constante a lo largo del año.</a:t>
-            </a:r>
-          </a:p>
-          <a:p>
-            <a:pPr>
-              <a:buFont typeface="+mj-lt"/>
-              <a:buAutoNum type="arabicPeriod"/>
+              <a:rPr lang="es-ES" sz="1800" b="1" kern="100" dirty="0">
+                <a:effectLst/>
+                <a:latin typeface="Calibri" panose="020F0502020204030204" pitchFamily="34" charset="0"/>
+                <a:ea typeface="Aptos" panose="020B0004020202020204" pitchFamily="34" charset="0"/>
+                <a:cs typeface="Arial" panose="020B0604020202020204" pitchFamily="34" charset="0"/>
+              </a:rPr>
+              <a:t>Distribución por tipo de alojamiento (Diapositiva 2)</a:t>
+            </a:r>
+            <a:endParaRPr lang="es-ES" sz="1800" kern="100" dirty="0">
+              <a:effectLst/>
+              <a:latin typeface="Aptos" panose="020B0004020202020204" pitchFamily="34" charset="0"/>
+              <a:ea typeface="Aptos" panose="020B0004020202020204" pitchFamily="34" charset="0"/>
+              <a:cs typeface="Arial" panose="020B0604020202020204" pitchFamily="34" charset="0"/>
+            </a:endParaRPr>
+          </a:p>
+          <a:p>
+            <a:pPr algn="just">
+              <a:lnSpc>
+                <a:spcPct val="107000"/>
+              </a:lnSpc>
+              <a:spcAft>
+                <a:spcPts val="800"/>
+              </a:spcAft>
             </a:pPr>
             <a:r>
-              <a:rPr lang="es-ES" b="1" dirty="0"/>
-              <a:t>Madrid</a:t>
-            </a:r>
-            <a:r>
-              <a:rPr lang="es-ES" dirty="0"/>
-              <a:t> muestra una mayor diferencia estacional, lo que indica que los precios suben notablemente en temporada alta.</a:t>
-            </a:r>
-          </a:p>
-          <a:p>
-            <a:pPr>
-              <a:buFont typeface="+mj-lt"/>
-              <a:buAutoNum type="arabicPeriod"/>
+              <a:rPr lang="es-ES" sz="1800" kern="100" dirty="0">
+                <a:effectLst/>
+                <a:latin typeface="Calibri" panose="020F0502020204030204" pitchFamily="34" charset="0"/>
+                <a:ea typeface="Aptos" panose="020B0004020202020204" pitchFamily="34" charset="0"/>
+                <a:cs typeface="Arial" panose="020B0604020202020204" pitchFamily="34" charset="0"/>
+              </a:rPr>
+              <a:t>En primer lugar, analicemos cómo se distribuyen los precios según el tipo de alojamiento. Los apartamentos completos son los más caros y populares, representando un segmento premium en el mercado. Por otro lado, las habitaciones privadas y compartidas son opciones más económicas, ideales para viajeros con presupuestos ajustados.</a:t>
+            </a:r>
+            <a:endParaRPr lang="es-ES" sz="1800" kern="100" dirty="0">
+              <a:effectLst/>
+              <a:latin typeface="Aptos" panose="020B0004020202020204" pitchFamily="34" charset="0"/>
+              <a:ea typeface="Aptos" panose="020B0004020202020204" pitchFamily="34" charset="0"/>
+              <a:cs typeface="Arial" panose="020B0604020202020204" pitchFamily="34" charset="0"/>
+            </a:endParaRPr>
+          </a:p>
+          <a:p>
+            <a:pPr algn="just">
+              <a:lnSpc>
+                <a:spcPct val="107000"/>
+              </a:lnSpc>
+              <a:spcAft>
+                <a:spcPts val="800"/>
+              </a:spcAft>
             </a:pPr>
             <a:r>
-              <a:rPr lang="es-ES" b="1" dirty="0"/>
-              <a:t>Sevilla</a:t>
-            </a:r>
-            <a:r>
-              <a:rPr lang="es-ES" dirty="0"/>
-              <a:t> presenta los precios más bajos y estables entre temporadas, lo que sugiere una menor presión de demanda en temporada alta en comparación con las otras ciudades.</a:t>
-            </a:r>
-          </a:p>
-          <a:p>
-            <a:r>
-              <a:rPr lang="es-ES" dirty="0"/>
-              <a:t>En resumen, </a:t>
-            </a:r>
-            <a:r>
-              <a:rPr lang="es-ES" b="1" dirty="0"/>
-              <a:t>Barcelona</a:t>
-            </a:r>
-            <a:r>
-              <a:rPr lang="es-ES" dirty="0"/>
-              <a:t> mantiene precios altos y estables, mientras que </a:t>
-            </a:r>
-            <a:r>
-              <a:rPr lang="es-ES" b="1" dirty="0"/>
-              <a:t>Madrid</a:t>
-            </a:r>
-            <a:r>
-              <a:rPr lang="es-ES" dirty="0"/>
-              <a:t> es más sensible a la estacionalidad, y </a:t>
-            </a:r>
-            <a:r>
-              <a:rPr lang="es-ES" b="1" dirty="0"/>
-              <a:t>Sevilla</a:t>
-            </a:r>
-            <a:r>
-              <a:rPr lang="es-ES" dirty="0"/>
-              <a:t> tiene precios más bajos con variaciones mínimas.</a:t>
-            </a:r>
+              <a:rPr lang="es-ES" sz="1800" kern="100" dirty="0">
+                <a:effectLst/>
+                <a:latin typeface="Calibri" panose="020F0502020204030204" pitchFamily="34" charset="0"/>
+                <a:ea typeface="Aptos" panose="020B0004020202020204" pitchFamily="34" charset="0"/>
+                <a:cs typeface="Arial" panose="020B0604020202020204" pitchFamily="34" charset="0"/>
+              </a:rPr>
+              <a:t>Esto refleja que la elección del tipo de alojamiento no solo depende del presupuesto, sino también de la experiencia que buscan los turistas. Un dato interesante es que los apartamentos completos tienen una mayor ocupación en temporada alta, lo que resalta su papel en el mercado.</a:t>
+            </a:r>
+            <a:endParaRPr lang="es-ES" sz="1800" kern="100" dirty="0">
+              <a:effectLst/>
+              <a:latin typeface="Aptos" panose="020B0004020202020204" pitchFamily="34" charset="0"/>
+              <a:ea typeface="Aptos" panose="020B0004020202020204" pitchFamily="34" charset="0"/>
+              <a:cs typeface="Arial" panose="020B0604020202020204" pitchFamily="34" charset="0"/>
+            </a:endParaRPr>
+          </a:p>
+          <a:p>
+            <a:pPr algn="just">
+              <a:lnSpc>
+                <a:spcPct val="107000"/>
+              </a:lnSpc>
+              <a:spcAft>
+                <a:spcPts val="800"/>
+              </a:spcAft>
+            </a:pPr>
+            <a:r>
+              <a:rPr lang="es-ES" sz="1800" b="1" kern="100" dirty="0">
+                <a:effectLst/>
+                <a:latin typeface="Calibri" panose="020F0502020204030204" pitchFamily="34" charset="0"/>
+                <a:ea typeface="Aptos" panose="020B0004020202020204" pitchFamily="34" charset="0"/>
+                <a:cs typeface="Arial" panose="020B0604020202020204" pitchFamily="34" charset="0"/>
+              </a:rPr>
+              <a:t>Transición:</a:t>
+            </a:r>
+            <a:r>
+              <a:rPr lang="es-ES" sz="1800" kern="100" dirty="0">
+                <a:effectLst/>
+                <a:latin typeface="Calibri" panose="020F0502020204030204" pitchFamily="34" charset="0"/>
+                <a:ea typeface="Aptos" panose="020B0004020202020204" pitchFamily="34" charset="0"/>
+                <a:cs typeface="Arial" panose="020B0604020202020204" pitchFamily="34" charset="0"/>
+              </a:rPr>
+              <a:t> Ahora, veamos cómo estos precios evolucionan a lo largo del año en las tres ciudades."</a:t>
+            </a:r>
+            <a:endParaRPr lang="es-ES" sz="1800" kern="100" dirty="0">
+              <a:effectLst/>
+              <a:latin typeface="Aptos" panose="020B0004020202020204" pitchFamily="34" charset="0"/>
+              <a:ea typeface="Aptos" panose="020B0004020202020204" pitchFamily="34" charset="0"/>
+              <a:cs typeface="Arial" panose="020B0604020202020204" pitchFamily="34" charset="0"/>
+            </a:endParaRPr>
           </a:p>
           <a:p>
             <a:endParaRPr lang="es-ES" dirty="0"/>
@@ -5685,7 +7945,7 @@
             <a:pPr rtl="0"/>
             <a:fld id="{9CA004F4-F240-48F9-8AE1-486585C7F00D}" type="slidenum">
               <a:rPr lang="es-ES" smtClean="0"/>
-              <a:t>4</a:t>
+              <a:t>2</a:t>
             </a:fld>
             <a:endParaRPr lang="es-ES" dirty="0"/>
           </a:p>
@@ -5694,7 +7954,7 @@
     </p:spTree>
     <p:extLst>
       <p:ext uri="{BB962C8B-B14F-4D97-AF65-F5344CB8AC3E}">
-        <p14:creationId xmlns:p14="http://schemas.microsoft.com/office/powerpoint/2010/main" val="3959790534"/>
+        <p14:creationId xmlns:p14="http://schemas.microsoft.com/office/powerpoint/2010/main" val="1752948433"/>
       </p:ext>
     </p:extLst>
   </p:cSld>
@@ -5748,28 +8008,243 @@
           <a:bodyPr/>
           <a:lstStyle/>
           <a:p>
-            <a:r>
-              <a:rPr lang="es-ES" dirty="0" err="1"/>
-              <a:t>Outlier</a:t>
-            </a:r>
-            <a:r>
-              <a:rPr lang="es-ES" dirty="0"/>
-              <a:t> = valor atípico que se aleja de la mayoría.</a:t>
-            </a:r>
-          </a:p>
-          <a:p>
-            <a:r>
-              <a:rPr lang="es-ES" dirty="0"/>
-              <a:t>La mayor parte de las propiedades tienen precios relativamente bajos, y los </a:t>
-            </a:r>
-            <a:r>
-              <a:rPr lang="es-ES" dirty="0" err="1"/>
-              <a:t>outliers</a:t>
-            </a:r>
-            <a:r>
-              <a:rPr lang="es-ES" dirty="0"/>
-              <a:t> reflejan nichos específicos (posiblemente propiedades de lujo)</a:t>
-            </a:r>
+            <a:pPr algn="just">
+              <a:lnSpc>
+                <a:spcPct val="107000"/>
+              </a:lnSpc>
+              <a:spcAft>
+                <a:spcPts val="800"/>
+              </a:spcAft>
+            </a:pPr>
+            <a:r>
+              <a:rPr lang="es-ES" sz="1800" b="1" kern="100" dirty="0">
+                <a:effectLst/>
+                <a:latin typeface="Calibri" panose="020F0502020204030204" pitchFamily="34" charset="0"/>
+                <a:ea typeface="Aptos" panose="020B0004020202020204" pitchFamily="34" charset="0"/>
+                <a:cs typeface="Arial" panose="020B0604020202020204" pitchFamily="34" charset="0"/>
+              </a:rPr>
+              <a:t>Precio promedio por mes y ciudad (Diapositiva 3)</a:t>
+            </a:r>
+            <a:endParaRPr lang="es-ES" sz="1800" kern="100" dirty="0">
+              <a:effectLst/>
+              <a:latin typeface="Aptos" panose="020B0004020202020204" pitchFamily="34" charset="0"/>
+              <a:ea typeface="Aptos" panose="020B0004020202020204" pitchFamily="34" charset="0"/>
+              <a:cs typeface="Arial" panose="020B0604020202020204" pitchFamily="34" charset="0"/>
+            </a:endParaRPr>
+          </a:p>
+          <a:p>
+            <a:pPr algn="just">
+              <a:lnSpc>
+                <a:spcPct val="107000"/>
+              </a:lnSpc>
+              <a:spcAft>
+                <a:spcPts val="800"/>
+              </a:spcAft>
+            </a:pPr>
+            <a:r>
+              <a:rPr lang="es-ES" sz="1800" kern="100" dirty="0">
+                <a:effectLst/>
+                <a:latin typeface="Calibri" panose="020F0502020204030204" pitchFamily="34" charset="0"/>
+                <a:ea typeface="Aptos" panose="020B0004020202020204" pitchFamily="34" charset="0"/>
+                <a:cs typeface="Arial" panose="020B0604020202020204" pitchFamily="34" charset="0"/>
+              </a:rPr>
+              <a:t>"Al comparar los precios promedio por mes y ciudad, vemos patrones muy claros.</a:t>
+            </a:r>
+            <a:endParaRPr lang="es-ES" sz="1800" kern="100" dirty="0">
+              <a:effectLst/>
+              <a:latin typeface="Aptos" panose="020B0004020202020204" pitchFamily="34" charset="0"/>
+              <a:ea typeface="Aptos" panose="020B0004020202020204" pitchFamily="34" charset="0"/>
+              <a:cs typeface="Arial" panose="020B0604020202020204" pitchFamily="34" charset="0"/>
+            </a:endParaRPr>
+          </a:p>
+          <a:p>
+            <a:pPr marL="342900" lvl="0" indent="-342900" algn="just">
+              <a:lnSpc>
+                <a:spcPct val="107000"/>
+              </a:lnSpc>
+              <a:spcAft>
+                <a:spcPts val="800"/>
+              </a:spcAft>
+              <a:buSzPts val="1000"/>
+              <a:buFont typeface="Symbol" panose="05050102010706020507" pitchFamily="18" charset="2"/>
+              <a:buChar char=""/>
+              <a:tabLst>
+                <a:tab pos="457200" algn="l"/>
+              </a:tabLst>
+            </a:pPr>
+            <a:r>
+              <a:rPr lang="es-ES" sz="1800" b="1" kern="100" dirty="0">
+                <a:effectLst/>
+                <a:latin typeface="Calibri" panose="020F0502020204030204" pitchFamily="34" charset="0"/>
+                <a:ea typeface="Aptos" panose="020B0004020202020204" pitchFamily="34" charset="0"/>
+                <a:cs typeface="Arial" panose="020B0604020202020204" pitchFamily="34" charset="0"/>
+              </a:rPr>
+              <a:t>Barcelona</a:t>
+            </a:r>
+            <a:r>
+              <a:rPr lang="es-ES" sz="1800" kern="100" dirty="0">
+                <a:effectLst/>
+                <a:latin typeface="Calibri" panose="020F0502020204030204" pitchFamily="34" charset="0"/>
+                <a:ea typeface="Aptos" panose="020B0004020202020204" pitchFamily="34" charset="0"/>
+                <a:cs typeface="Arial" panose="020B0604020202020204" pitchFamily="34" charset="0"/>
+              </a:rPr>
+              <a:t> muestra picos evidentes en los meses de verano debido a su alta demanda turística.</a:t>
+            </a:r>
+            <a:endParaRPr lang="es-ES" sz="1800" kern="100" dirty="0">
+              <a:effectLst/>
+              <a:latin typeface="Aptos" panose="020B0004020202020204" pitchFamily="34" charset="0"/>
+              <a:ea typeface="Aptos" panose="020B0004020202020204" pitchFamily="34" charset="0"/>
+              <a:cs typeface="Arial" panose="020B0604020202020204" pitchFamily="34" charset="0"/>
+            </a:endParaRPr>
+          </a:p>
+          <a:p>
+            <a:pPr marL="342900" lvl="0" indent="-342900" algn="just">
+              <a:lnSpc>
+                <a:spcPct val="107000"/>
+              </a:lnSpc>
+              <a:spcAft>
+                <a:spcPts val="800"/>
+              </a:spcAft>
+              <a:buSzPts val="1000"/>
+              <a:buFont typeface="Symbol" panose="05050102010706020507" pitchFamily="18" charset="2"/>
+              <a:buChar char=""/>
+              <a:tabLst>
+                <a:tab pos="457200" algn="l"/>
+              </a:tabLst>
+            </a:pPr>
+            <a:r>
+              <a:rPr lang="es-ES" sz="1800" b="1" kern="100" dirty="0">
+                <a:effectLst/>
+                <a:latin typeface="Calibri" panose="020F0502020204030204" pitchFamily="34" charset="0"/>
+                <a:ea typeface="Aptos" panose="020B0004020202020204" pitchFamily="34" charset="0"/>
+                <a:cs typeface="Arial" panose="020B0604020202020204" pitchFamily="34" charset="0"/>
+              </a:rPr>
+              <a:t>Madrid</a:t>
+            </a:r>
+            <a:r>
+              <a:rPr lang="es-ES" sz="1800" kern="100" dirty="0">
+                <a:effectLst/>
+                <a:latin typeface="Calibri" panose="020F0502020204030204" pitchFamily="34" charset="0"/>
+                <a:ea typeface="Aptos" panose="020B0004020202020204" pitchFamily="34" charset="0"/>
+                <a:cs typeface="Arial" panose="020B0604020202020204" pitchFamily="34" charset="0"/>
+              </a:rPr>
+              <a:t> es más estable durante el año, reflejando su combinación de turismo cultural y corporativo.</a:t>
+            </a:r>
+            <a:endParaRPr lang="es-ES" sz="1800" kern="100" dirty="0">
+              <a:effectLst/>
+              <a:latin typeface="Aptos" panose="020B0004020202020204" pitchFamily="34" charset="0"/>
+              <a:ea typeface="Aptos" panose="020B0004020202020204" pitchFamily="34" charset="0"/>
+              <a:cs typeface="Arial" panose="020B0604020202020204" pitchFamily="34" charset="0"/>
+            </a:endParaRPr>
+          </a:p>
+          <a:p>
+            <a:pPr marL="342900" lvl="0" indent="-342900" algn="just">
+              <a:lnSpc>
+                <a:spcPct val="107000"/>
+              </a:lnSpc>
+              <a:spcAft>
+                <a:spcPts val="800"/>
+              </a:spcAft>
+              <a:buSzPts val="1000"/>
+              <a:buFont typeface="Symbol" panose="05050102010706020507" pitchFamily="18" charset="2"/>
+              <a:buChar char=""/>
+              <a:tabLst>
+                <a:tab pos="457200" algn="l"/>
+              </a:tabLst>
+            </a:pPr>
+            <a:r>
+              <a:rPr lang="es-ES" sz="1800" b="1" kern="100" dirty="0">
+                <a:effectLst/>
+                <a:latin typeface="Calibri" panose="020F0502020204030204" pitchFamily="34" charset="0"/>
+                <a:ea typeface="Aptos" panose="020B0004020202020204" pitchFamily="34" charset="0"/>
+                <a:cs typeface="Arial" panose="020B0604020202020204" pitchFamily="34" charset="0"/>
+              </a:rPr>
+              <a:t>Sevilla</a:t>
+            </a:r>
+            <a:r>
+              <a:rPr lang="es-ES" sz="1800" kern="100" dirty="0">
+                <a:effectLst/>
+                <a:latin typeface="Calibri" panose="020F0502020204030204" pitchFamily="34" charset="0"/>
+                <a:ea typeface="Aptos" panose="020B0004020202020204" pitchFamily="34" charset="0"/>
+                <a:cs typeface="Arial" panose="020B0604020202020204" pitchFamily="34" charset="0"/>
+              </a:rPr>
+              <a:t> destaca por su estacionalidad, con un aumento significativo de precios en abril.</a:t>
+            </a:r>
+            <a:endParaRPr lang="es-ES" sz="1800" kern="100" dirty="0">
+              <a:effectLst/>
+              <a:latin typeface="Aptos" panose="020B0004020202020204" pitchFamily="34" charset="0"/>
+              <a:ea typeface="Aptos" panose="020B0004020202020204" pitchFamily="34" charset="0"/>
+              <a:cs typeface="Arial" panose="020B0604020202020204" pitchFamily="34" charset="0"/>
+            </a:endParaRPr>
+          </a:p>
+          <a:p>
+            <a:pPr algn="just">
+              <a:lnSpc>
+                <a:spcPct val="107000"/>
+              </a:lnSpc>
+              <a:spcAft>
+                <a:spcPts val="800"/>
+              </a:spcAft>
+            </a:pPr>
+            <a:r>
+              <a:rPr lang="es-ES" sz="1800" kern="100" dirty="0">
+                <a:effectLst/>
+                <a:latin typeface="Calibri" panose="020F0502020204030204" pitchFamily="34" charset="0"/>
+                <a:ea typeface="Aptos" panose="020B0004020202020204" pitchFamily="34" charset="0"/>
+                <a:cs typeface="Arial" panose="020B0604020202020204" pitchFamily="34" charset="0"/>
+              </a:rPr>
+              <a:t>Este gráfico subraya cómo la estacionalidad afecta a las decisiones tanto de los anfitriones como de los turistas, incentivando a reservar con antelación en temporadas altas."</a:t>
+            </a:r>
+            <a:endParaRPr lang="es-ES" sz="1800" kern="100" dirty="0">
+              <a:effectLst/>
+              <a:latin typeface="Aptos" panose="020B0004020202020204" pitchFamily="34" charset="0"/>
+              <a:ea typeface="Aptos" panose="020B0004020202020204" pitchFamily="34" charset="0"/>
+              <a:cs typeface="Arial" panose="020B0604020202020204" pitchFamily="34" charset="0"/>
+            </a:endParaRPr>
+          </a:p>
+          <a:p>
+            <a:pPr algn="just">
+              <a:lnSpc>
+                <a:spcPct val="107000"/>
+              </a:lnSpc>
+              <a:spcAft>
+                <a:spcPts val="800"/>
+              </a:spcAft>
+            </a:pPr>
+            <a:r>
+              <a:rPr lang="es-ES" sz="1800" kern="100" dirty="0">
+                <a:effectLst/>
+                <a:latin typeface="Calibri" panose="020F0502020204030204" pitchFamily="34" charset="0"/>
+                <a:ea typeface="Aptos" panose="020B0004020202020204" pitchFamily="34" charset="0"/>
+                <a:cs typeface="Arial" panose="020B0604020202020204" pitchFamily="34" charset="0"/>
+              </a:rPr>
+              <a:t> </a:t>
+            </a:r>
+            <a:endParaRPr lang="es-ES" sz="1800" kern="100" dirty="0">
+              <a:effectLst/>
+              <a:latin typeface="Aptos" panose="020B0004020202020204" pitchFamily="34" charset="0"/>
+              <a:ea typeface="Aptos" panose="020B0004020202020204" pitchFamily="34" charset="0"/>
+              <a:cs typeface="Arial" panose="020B0604020202020204" pitchFamily="34" charset="0"/>
+            </a:endParaRPr>
+          </a:p>
+          <a:p>
+            <a:r>
+              <a:rPr lang="es-ES" sz="1800" b="1" dirty="0">
+                <a:effectLst/>
+                <a:latin typeface="Calibri" panose="020F0502020204030204" pitchFamily="34" charset="0"/>
+                <a:ea typeface="Aptos" panose="020B0004020202020204" pitchFamily="34" charset="0"/>
+              </a:rPr>
+              <a:t>Transición:</a:t>
+            </a:r>
+            <a:r>
+              <a:rPr lang="es-ES" sz="1800" dirty="0">
+                <a:effectLst/>
+                <a:latin typeface="Calibri" panose="020F0502020204030204" pitchFamily="34" charset="0"/>
+                <a:ea typeface="Aptos" panose="020B0004020202020204" pitchFamily="34" charset="0"/>
+              </a:rPr>
+              <a:t> Estos patrones también se refleja al comparar las temporadas de alta y baja demanda.</a:t>
+            </a:r>
+            <a:endParaRPr lang="es-ES" dirty="0"/>
           </a:p>
         </p:txBody>
       </p:sp>
@@ -5791,7 +8266,7 @@
             <a:pPr rtl="0"/>
             <a:fld id="{9CA004F4-F240-48F9-8AE1-486585C7F00D}" type="slidenum">
               <a:rPr lang="es-ES" smtClean="0"/>
-              <a:t>5</a:t>
+              <a:t>3</a:t>
             </a:fld>
             <a:endParaRPr lang="es-ES" dirty="0"/>
           </a:p>
@@ -5800,7 +8275,7 @@
     </p:spTree>
     <p:extLst>
       <p:ext uri="{BB962C8B-B14F-4D97-AF65-F5344CB8AC3E}">
-        <p14:creationId xmlns:p14="http://schemas.microsoft.com/office/powerpoint/2010/main" val="241650930"/>
+        <p14:creationId xmlns:p14="http://schemas.microsoft.com/office/powerpoint/2010/main" val="2099649523"/>
       </p:ext>
     </p:extLst>
   </p:cSld>
@@ -5854,70 +8329,133 @@
           <a:bodyPr/>
           <a:lstStyle/>
           <a:p>
-            <a:r>
-              <a:rPr lang="es-ES" b="1" dirty="0"/>
-              <a:t>Barcelona y Madrid</a:t>
-            </a:r>
-            <a:r>
-              <a:rPr lang="es-ES" dirty="0"/>
-              <a:t> muestran una mayor dispersión de precios, con barrios específicos como </a:t>
-            </a:r>
-            <a:r>
-              <a:rPr lang="es-ES" b="1" dirty="0"/>
-              <a:t>Salamanca</a:t>
-            </a:r>
-            <a:r>
-              <a:rPr lang="es-ES" dirty="0"/>
-              <a:t> (Madrid) y </a:t>
-            </a:r>
-            <a:r>
-              <a:rPr lang="es-ES" b="1" dirty="0"/>
-              <a:t>Sarrià-Sant Gervasi</a:t>
-            </a:r>
-            <a:r>
-              <a:rPr lang="es-ES" dirty="0"/>
-              <a:t> (Barcelona) mostrando precios más </a:t>
-            </a:r>
-            <a:r>
-              <a:rPr lang="es-ES" dirty="0" err="1"/>
-              <a:t>altos.Los</a:t>
-            </a:r>
-            <a:r>
-              <a:rPr lang="es-ES" dirty="0"/>
-              <a:t> </a:t>
-            </a:r>
-            <a:r>
-              <a:rPr lang="es-ES" b="1" dirty="0" err="1"/>
-              <a:t>outliers</a:t>
-            </a:r>
-            <a:r>
-              <a:rPr lang="es-ES" dirty="0"/>
-              <a:t> en ambas ciudades indican propiedades de lujo que inflan el rango superior de </a:t>
-            </a:r>
-            <a:r>
-              <a:rPr lang="es-ES" dirty="0" err="1"/>
-              <a:t>precios.En</a:t>
-            </a:r>
-            <a:r>
-              <a:rPr lang="es-ES" dirty="0"/>
-              <a:t> </a:t>
-            </a:r>
-            <a:r>
-              <a:rPr lang="es-ES" b="1" dirty="0"/>
-              <a:t>Sevilla</a:t>
-            </a:r>
-            <a:r>
-              <a:rPr lang="es-ES" dirty="0"/>
-              <a:t>, el mercado inmobiliario es menos disperso y más homogéneo, con menos propiedades extremadamente </a:t>
-            </a:r>
-            <a:r>
-              <a:rPr lang="es-ES" dirty="0" err="1"/>
-              <a:t>caras.Las</a:t>
-            </a:r>
-            <a:r>
-              <a:rPr lang="es-ES" dirty="0"/>
-              <a:t> zonas céntricas concentran los precios más altos en las tres ciudades, lo que refleja la demanda por ubicación privilegiada.</a:t>
-            </a:r>
+            <a:pPr algn="just">
+              <a:lnSpc>
+                <a:spcPct val="107000"/>
+              </a:lnSpc>
+              <a:spcAft>
+                <a:spcPts val="800"/>
+              </a:spcAft>
+            </a:pPr>
+            <a:r>
+              <a:rPr lang="es-ES" sz="1800" b="1" kern="100" dirty="0">
+                <a:effectLst/>
+                <a:latin typeface="Calibri" panose="020F0502020204030204" pitchFamily="34" charset="0"/>
+                <a:ea typeface="Aptos" panose="020B0004020202020204" pitchFamily="34" charset="0"/>
+                <a:cs typeface="Arial" panose="020B0604020202020204" pitchFamily="34" charset="0"/>
+              </a:rPr>
+              <a:t>Precio promedio por temporada y ciudad (Diapositiva 4)</a:t>
+            </a:r>
+            <a:endParaRPr lang="es-ES" sz="1800" kern="100" dirty="0">
+              <a:effectLst/>
+              <a:latin typeface="Aptos" panose="020B0004020202020204" pitchFamily="34" charset="0"/>
+              <a:ea typeface="Aptos" panose="020B0004020202020204" pitchFamily="34" charset="0"/>
+              <a:cs typeface="Arial" panose="020B0604020202020204" pitchFamily="34" charset="0"/>
+            </a:endParaRPr>
+          </a:p>
+          <a:p>
+            <a:pPr algn="just">
+              <a:lnSpc>
+                <a:spcPct val="107000"/>
+              </a:lnSpc>
+              <a:spcAft>
+                <a:spcPts val="800"/>
+              </a:spcAft>
+            </a:pPr>
+            <a:r>
+              <a:rPr lang="es-ES" sz="1800" kern="100" dirty="0">
+                <a:effectLst/>
+                <a:latin typeface="Calibri" panose="020F0502020204030204" pitchFamily="34" charset="0"/>
+                <a:ea typeface="Aptos" panose="020B0004020202020204" pitchFamily="34" charset="0"/>
+                <a:cs typeface="Arial" panose="020B0604020202020204" pitchFamily="34" charset="0"/>
+              </a:rPr>
+              <a:t>"En este análisis de precios por temporada, observamos que Barcelona lidera en precios en todas las épocas del año. Sin embargo, la variación entre alta y baja temporada es menor, lo que refleja una demanda constante.</a:t>
+            </a:r>
+            <a:br>
+              <a:rPr lang="es-ES" sz="1800" kern="100" dirty="0">
+                <a:effectLst/>
+                <a:latin typeface="Calibri" panose="020F0502020204030204" pitchFamily="34" charset="0"/>
+                <a:ea typeface="Aptos" panose="020B0004020202020204" pitchFamily="34" charset="0"/>
+                <a:cs typeface="Arial" panose="020B0604020202020204" pitchFamily="34" charset="0"/>
+              </a:rPr>
+            </a:br>
+            <a:r>
+              <a:rPr lang="es-ES" sz="1800" kern="100" dirty="0">
+                <a:effectLst/>
+                <a:latin typeface="Calibri" panose="020F0502020204030204" pitchFamily="34" charset="0"/>
+                <a:ea typeface="Aptos" panose="020B0004020202020204" pitchFamily="34" charset="0"/>
+                <a:cs typeface="Arial" panose="020B0604020202020204" pitchFamily="34" charset="0"/>
+              </a:rPr>
+              <a:t>Por el contrario, Sevilla muestra una diferencia mucho más pronunciada entre temporadas, con picos específicos en eventos clave como la Semana Santa o la Feria de Abril.</a:t>
+            </a:r>
+            <a:endParaRPr lang="es-ES" sz="1800" kern="100" dirty="0">
+              <a:effectLst/>
+              <a:latin typeface="Aptos" panose="020B0004020202020204" pitchFamily="34" charset="0"/>
+              <a:ea typeface="Aptos" panose="020B0004020202020204" pitchFamily="34" charset="0"/>
+              <a:cs typeface="Arial" panose="020B0604020202020204" pitchFamily="34" charset="0"/>
+            </a:endParaRPr>
+          </a:p>
+          <a:p>
+            <a:pPr algn="just">
+              <a:lnSpc>
+                <a:spcPct val="107000"/>
+              </a:lnSpc>
+              <a:spcAft>
+                <a:spcPts val="800"/>
+              </a:spcAft>
+            </a:pPr>
+            <a:r>
+              <a:rPr lang="es-ES" sz="1800" kern="100" dirty="0">
+                <a:effectLst/>
+                <a:latin typeface="Calibri" panose="020F0502020204030204" pitchFamily="34" charset="0"/>
+                <a:ea typeface="Aptos" panose="020B0004020202020204" pitchFamily="34" charset="0"/>
+                <a:cs typeface="Arial" panose="020B0604020202020204" pitchFamily="34" charset="0"/>
+              </a:rPr>
+              <a:t>Esto tiene implicaciones importantes: los anfitriones en Sevilla pueden aprovechar eventos para maximizar ingresos, mientras que en Barcelona deben enfocarse en mantener precios competitivos durante todo el año."</a:t>
+            </a:r>
+            <a:endParaRPr lang="es-ES" sz="1800" kern="100" dirty="0">
+              <a:effectLst/>
+              <a:latin typeface="Aptos" panose="020B0004020202020204" pitchFamily="34" charset="0"/>
+              <a:ea typeface="Aptos" panose="020B0004020202020204" pitchFamily="34" charset="0"/>
+              <a:cs typeface="Arial" panose="020B0604020202020204" pitchFamily="34" charset="0"/>
+            </a:endParaRPr>
+          </a:p>
+          <a:p>
+            <a:pPr algn="just">
+              <a:lnSpc>
+                <a:spcPct val="107000"/>
+              </a:lnSpc>
+              <a:spcAft>
+                <a:spcPts val="800"/>
+              </a:spcAft>
+            </a:pPr>
+            <a:r>
+              <a:rPr lang="es-ES" sz="1800" b="1" kern="100" dirty="0">
+                <a:effectLst/>
+                <a:latin typeface="Calibri" panose="020F0502020204030204" pitchFamily="34" charset="0"/>
+                <a:ea typeface="Aptos" panose="020B0004020202020204" pitchFamily="34" charset="0"/>
+                <a:cs typeface="Arial" panose="020B0604020202020204" pitchFamily="34" charset="0"/>
+              </a:rPr>
+              <a:t>Transición:</a:t>
+            </a:r>
+            <a:r>
+              <a:rPr lang="es-ES" sz="1800" kern="100" dirty="0">
+                <a:effectLst/>
+                <a:latin typeface="Calibri" panose="020F0502020204030204" pitchFamily="34" charset="0"/>
+                <a:ea typeface="Aptos" panose="020B0004020202020204" pitchFamily="34" charset="0"/>
+                <a:cs typeface="Arial" panose="020B0604020202020204" pitchFamily="34" charset="0"/>
+              </a:rPr>
+              <a:t> Además de estas tendencias generales, es importante observar cómo se comportan los precios en detalle, incluyendo valores extremos."</a:t>
+            </a:r>
+            <a:endParaRPr lang="es-ES" sz="1800" kern="100" dirty="0">
+              <a:effectLst/>
+              <a:latin typeface="Aptos" panose="020B0004020202020204" pitchFamily="34" charset="0"/>
+              <a:ea typeface="Aptos" panose="020B0004020202020204" pitchFamily="34" charset="0"/>
+              <a:cs typeface="Arial" panose="020B0604020202020204" pitchFamily="34" charset="0"/>
+            </a:endParaRPr>
+          </a:p>
+          <a:p>
+            <a:endParaRPr lang="es-ES" b="1" dirty="0"/>
           </a:p>
         </p:txBody>
       </p:sp>
@@ -5939,7 +8477,7 @@
             <a:pPr rtl="0"/>
             <a:fld id="{9CA004F4-F240-48F9-8AE1-486585C7F00D}" type="slidenum">
               <a:rPr lang="es-ES" smtClean="0"/>
-              <a:t>13</a:t>
+              <a:t>4</a:t>
             </a:fld>
             <a:endParaRPr lang="es-ES" dirty="0"/>
           </a:p>
@@ -5948,7 +8486,7 @@
     </p:spTree>
     <p:extLst>
       <p:ext uri="{BB962C8B-B14F-4D97-AF65-F5344CB8AC3E}">
-        <p14:creationId xmlns:p14="http://schemas.microsoft.com/office/powerpoint/2010/main" val="2872129326"/>
+        <p14:creationId xmlns:p14="http://schemas.microsoft.com/office/powerpoint/2010/main" val="3959790534"/>
       </p:ext>
     </p:extLst>
   </p:cSld>
@@ -6003,9 +8541,66 @@
           <a:lstStyle/>
           <a:p>
             <a:r>
+              <a:rPr lang="es-ES" dirty="0" err="1"/>
+              <a:t>Outlier</a:t>
+            </a:r>
+            <a:r>
               <a:rPr lang="es-ES" dirty="0"/>
-              <a:t>En Barcelona, los alojamientos completos tienden a experimentar mayores oscilaciones estacionales, mientras que las habitaciones privadas y compartidas muestran una menor variabilidad.</a:t>
-            </a:r>
+              <a:t> = valor atípico que se aleja de la mayoría.</a:t>
+            </a:r>
+          </a:p>
+          <a:p>
+            <a:pPr algn="just">
+              <a:lnSpc>
+                <a:spcPct val="107000"/>
+              </a:lnSpc>
+              <a:spcAft>
+                <a:spcPts val="800"/>
+              </a:spcAft>
+            </a:pPr>
+            <a:r>
+              <a:rPr lang="es-ES" sz="1800" b="1" kern="100" dirty="0">
+                <a:effectLst/>
+                <a:latin typeface="Calibri" panose="020F0502020204030204" pitchFamily="34" charset="0"/>
+                <a:ea typeface="Aptos" panose="020B0004020202020204" pitchFamily="34" charset="0"/>
+                <a:cs typeface="Arial" panose="020B0604020202020204" pitchFamily="34" charset="0"/>
+              </a:rPr>
+              <a:t>Distribución de precios y valores extremos (Diapositivas 5-6)</a:t>
+            </a:r>
+            <a:endParaRPr lang="es-ES" sz="1800" kern="100" dirty="0">
+              <a:effectLst/>
+              <a:latin typeface="Aptos" panose="020B0004020202020204" pitchFamily="34" charset="0"/>
+              <a:ea typeface="Aptos" panose="020B0004020202020204" pitchFamily="34" charset="0"/>
+              <a:cs typeface="Arial" panose="020B0604020202020204" pitchFamily="34" charset="0"/>
+            </a:endParaRPr>
+          </a:p>
+          <a:p>
+            <a:pPr algn="just">
+              <a:lnSpc>
+                <a:spcPct val="107000"/>
+              </a:lnSpc>
+              <a:spcAft>
+                <a:spcPts val="800"/>
+              </a:spcAft>
+            </a:pPr>
+            <a:r>
+              <a:rPr lang="es-ES" sz="1800" kern="100" dirty="0">
+                <a:effectLst/>
+                <a:latin typeface="Calibri" panose="020F0502020204030204" pitchFamily="34" charset="0"/>
+                <a:ea typeface="Aptos" panose="020B0004020202020204" pitchFamily="34" charset="0"/>
+                <a:cs typeface="Arial" panose="020B0604020202020204" pitchFamily="34" charset="0"/>
+              </a:rPr>
+              <a:t>La distribución de precios en las tres ciudades analizadas muestra patrones comunes y particularidades. La mayoría de los precios se concentra alrededor de la media, pero destacan valores extremos. Estos pueden deberse a propiedades exclusivas o eventos específicos que impulsan la demanda como los comentados previamente.</a:t>
+            </a:r>
+            <a:endParaRPr lang="es-ES" sz="1800" kern="100" dirty="0">
+              <a:effectLst/>
+              <a:latin typeface="Aptos" panose="020B0004020202020204" pitchFamily="34" charset="0"/>
+              <a:ea typeface="Aptos" panose="020B0004020202020204" pitchFamily="34" charset="0"/>
+              <a:cs typeface="Arial" panose="020B0604020202020204" pitchFamily="34" charset="0"/>
+            </a:endParaRPr>
+          </a:p>
+          <a:p>
+            <a:endParaRPr lang="es-ES" dirty="0"/>
           </a:p>
         </p:txBody>
       </p:sp>
@@ -6027,7 +8622,7 @@
             <a:pPr rtl="0"/>
             <a:fld id="{9CA004F4-F240-48F9-8AE1-486585C7F00D}" type="slidenum">
               <a:rPr lang="es-ES" smtClean="0"/>
-              <a:t>15</a:t>
+              <a:t>5</a:t>
             </a:fld>
             <a:endParaRPr lang="es-ES" dirty="0"/>
           </a:p>
@@ -6036,7 +8631,7 @@
     </p:spTree>
     <p:extLst>
       <p:ext uri="{BB962C8B-B14F-4D97-AF65-F5344CB8AC3E}">
-        <p14:creationId xmlns:p14="http://schemas.microsoft.com/office/powerpoint/2010/main" val="188862746"/>
+        <p14:creationId xmlns:p14="http://schemas.microsoft.com/office/powerpoint/2010/main" val="241650930"/>
       </p:ext>
     </p:extLst>
   </p:cSld>
@@ -6090,176 +8685,47 @@
           <a:bodyPr/>
           <a:lstStyle/>
           <a:p>
-            <a:r>
-              <a:rPr lang="es-ES" b="1" dirty="0"/>
-              <a:t>Patrón General Identificado:</a:t>
-            </a:r>
-          </a:p>
-          <a:p>
-            <a:pPr>
-              <a:buFont typeface="+mj-lt"/>
-              <a:buAutoNum type="arabicPeriod"/>
+            <a:pPr marL="0" marR="0" lvl="0" indent="0" algn="l" defTabSz="914400" rtl="0" eaLnBrk="1" fontAlgn="auto" latinLnBrk="0" hangingPunct="1">
+              <a:lnSpc>
+                <a:spcPct val="100000"/>
+              </a:lnSpc>
+              <a:spcBef>
+                <a:spcPts val="0"/>
+              </a:spcBef>
+              <a:spcAft>
+                <a:spcPts val="0"/>
+              </a:spcAft>
+              <a:buClrTx/>
+              <a:buSzTx/>
+              <a:buFontTx/>
+              <a:buNone/>
+              <a:tabLst/>
+              <a:defRPr/>
             </a:pPr>
             <a:r>
-              <a:rPr lang="es-ES" b="1" dirty="0"/>
-              <a:t>Precios altos</a:t>
-            </a:r>
-            <a:r>
-              <a:rPr lang="es-ES" dirty="0"/>
-              <a:t>:</a:t>
-            </a:r>
-          </a:p>
-          <a:p>
-            <a:pPr marL="742950" lvl="1" indent="-285750">
-              <a:buFont typeface="+mj-lt"/>
-              <a:buAutoNum type="arabicPeriod"/>
-            </a:pPr>
-            <a:r>
-              <a:rPr lang="es-ES" dirty="0"/>
-              <a:t>Tienden a corresponder a alojamientos </a:t>
-            </a:r>
-            <a:r>
-              <a:rPr lang="es-ES" b="1" dirty="0"/>
-              <a:t>exclusivos</a:t>
-            </a:r>
-            <a:r>
-              <a:rPr lang="es-ES" dirty="0"/>
-              <a:t> con baja disponibilidad y pocas reseñas.</a:t>
-            </a:r>
-          </a:p>
-          <a:p>
-            <a:pPr marL="742950" lvl="1" indent="-285750">
-              <a:buFont typeface="+mj-lt"/>
-              <a:buAutoNum type="arabicPeriod"/>
-            </a:pPr>
-            <a:r>
-              <a:rPr lang="es-ES" dirty="0"/>
-              <a:t>Mayor presencia en </a:t>
-            </a:r>
-            <a:r>
-              <a:rPr lang="es-ES" b="1" dirty="0"/>
-              <a:t>Barcelona</a:t>
-            </a:r>
-            <a:r>
-              <a:rPr lang="es-ES" dirty="0"/>
-              <a:t>.</a:t>
-            </a:r>
-          </a:p>
-          <a:p>
-            <a:pPr>
-              <a:buFont typeface="+mj-lt"/>
-              <a:buAutoNum type="arabicPeriod"/>
-            </a:pPr>
-            <a:r>
-              <a:rPr lang="es-ES" b="1" dirty="0"/>
-              <a:t>Precios bajos a moderados</a:t>
-            </a:r>
-            <a:r>
-              <a:rPr lang="es-ES" dirty="0"/>
-              <a:t>:</a:t>
-            </a:r>
-          </a:p>
-          <a:p>
-            <a:pPr marL="742950" lvl="1" indent="-285750">
-              <a:buFont typeface="+mj-lt"/>
-              <a:buAutoNum type="arabicPeriod"/>
-            </a:pPr>
-            <a:r>
-              <a:rPr lang="es-ES" dirty="0"/>
-              <a:t>Asociados a alojamientos con </a:t>
-            </a:r>
-            <a:r>
-              <a:rPr lang="es-ES" b="1" dirty="0"/>
-              <a:t>alta disponibilidad</a:t>
-            </a:r>
-            <a:r>
-              <a:rPr lang="es-ES" dirty="0"/>
-              <a:t> y un </a:t>
-            </a:r>
-            <a:r>
-              <a:rPr lang="es-ES" b="1" dirty="0"/>
-              <a:t>mayor número de reseñas</a:t>
-            </a:r>
-            <a:r>
-              <a:rPr lang="es-ES" dirty="0"/>
-              <a:t>.</a:t>
-            </a:r>
-          </a:p>
-          <a:p>
-            <a:pPr marL="742950" lvl="1" indent="-285750">
-              <a:buFont typeface="+mj-lt"/>
-              <a:buAutoNum type="arabicPeriod"/>
-            </a:pPr>
-            <a:r>
-              <a:rPr lang="es-ES" dirty="0"/>
-              <a:t>Estos alojamientos son predominantes en </a:t>
-            </a:r>
-            <a:r>
-              <a:rPr lang="es-ES" b="1" dirty="0"/>
-              <a:t>Sevilla</a:t>
-            </a:r>
-            <a:r>
-              <a:rPr lang="es-ES" dirty="0"/>
-              <a:t> y </a:t>
-            </a:r>
-            <a:r>
-              <a:rPr lang="es-ES" b="1" dirty="0"/>
-              <a:t>Madrid</a:t>
-            </a:r>
-            <a:r>
-              <a:rPr lang="es-ES" dirty="0"/>
-              <a:t>.</a:t>
-            </a:r>
-          </a:p>
-          <a:p>
-            <a:pPr>
-              <a:buFont typeface="+mj-lt"/>
-              <a:buAutoNum type="arabicPeriod"/>
-            </a:pPr>
-            <a:r>
-              <a:rPr lang="es-ES" b="1" dirty="0"/>
-              <a:t>Estacionalidad implícita</a:t>
-            </a:r>
-            <a:r>
-              <a:rPr lang="es-ES" dirty="0"/>
-              <a:t>:</a:t>
-            </a:r>
-          </a:p>
-          <a:p>
-            <a:pPr marL="742950" lvl="1" indent="-285750">
-              <a:buFont typeface="+mj-lt"/>
-              <a:buAutoNum type="arabicPeriod"/>
-            </a:pPr>
-            <a:r>
-              <a:rPr lang="es-ES" dirty="0"/>
-              <a:t>Los alojamientos de </a:t>
-            </a:r>
-            <a:r>
-              <a:rPr lang="es-ES" b="1" dirty="0"/>
-              <a:t>alta disponibilidad</a:t>
-            </a:r>
-            <a:r>
-              <a:rPr lang="es-ES" dirty="0"/>
-              <a:t> podrían corresponder a zonas con menos presión turística estacional.</a:t>
-            </a:r>
-          </a:p>
-          <a:p>
-            <a:pPr marL="742950" lvl="1" indent="-285750">
-              <a:buFont typeface="+mj-lt"/>
-              <a:buAutoNum type="arabicPeriod"/>
-            </a:pPr>
-            <a:r>
-              <a:rPr lang="es-ES" dirty="0"/>
-              <a:t>Aquellos con </a:t>
-            </a:r>
-            <a:r>
-              <a:rPr lang="es-ES" b="1" dirty="0"/>
-              <a:t>baja disponibilidad</a:t>
-            </a:r>
-            <a:r>
-              <a:rPr lang="es-ES" dirty="0"/>
-              <a:t> y precios altos suelen tener una ocupación puntual o están ligados a picos de demanda específicos.</a:t>
-            </a:r>
+              <a:rPr lang="es-ES" sz="1800" b="1" kern="100" dirty="0">
+                <a:effectLst/>
+                <a:latin typeface="Calibri" panose="020F0502020204030204" pitchFamily="34" charset="0"/>
+                <a:ea typeface="Aptos" panose="020B0004020202020204" pitchFamily="34" charset="0"/>
+                <a:cs typeface="Arial" panose="020B0604020202020204" pitchFamily="34" charset="0"/>
+              </a:rPr>
+              <a:t>Transición:</a:t>
+            </a:r>
+            <a:r>
+              <a:rPr lang="es-ES" sz="1800" kern="100" dirty="0">
+                <a:effectLst/>
+                <a:latin typeface="Calibri" panose="020F0502020204030204" pitchFamily="34" charset="0"/>
+                <a:ea typeface="Aptos" panose="020B0004020202020204" pitchFamily="34" charset="0"/>
+                <a:cs typeface="Arial" panose="020B0604020202020204" pitchFamily="34" charset="0"/>
+              </a:rPr>
+              <a:t> Estos valores extremos se intensifican en ciertas temporadas."</a:t>
+            </a:r>
+            <a:endParaRPr lang="es-ES" sz="1800" kern="100" dirty="0">
+              <a:effectLst/>
+              <a:latin typeface="Aptos" panose="020B0004020202020204" pitchFamily="34" charset="0"/>
+              <a:ea typeface="Aptos" panose="020B0004020202020204" pitchFamily="34" charset="0"/>
+              <a:cs typeface="Arial" panose="020B0604020202020204" pitchFamily="34" charset="0"/>
+            </a:endParaRPr>
           </a:p>
           <a:p>
             <a:endParaRPr lang="es-ES" dirty="0"/>
@@ -6284,7 +8750,7 @@
             <a:pPr rtl="0"/>
             <a:fld id="{9CA004F4-F240-48F9-8AE1-486585C7F00D}" type="slidenum">
               <a:rPr lang="es-ES" smtClean="0"/>
-              <a:t>18</a:t>
+              <a:t>6</a:t>
             </a:fld>
             <a:endParaRPr lang="es-ES" dirty="0"/>
           </a:p>
@@ -6293,7 +8759,7 @@
     </p:spTree>
     <p:extLst>
       <p:ext uri="{BB962C8B-B14F-4D97-AF65-F5344CB8AC3E}">
-        <p14:creationId xmlns:p14="http://schemas.microsoft.com/office/powerpoint/2010/main" val="422644501"/>
+        <p14:creationId xmlns:p14="http://schemas.microsoft.com/office/powerpoint/2010/main" val="3287429063"/>
       </p:ext>
     </p:extLst>
   </p:cSld>
@@ -6347,6 +8813,40 @@
           <a:bodyPr/>
           <a:lstStyle/>
           <a:p>
+            <a:pPr marL="0" marR="0" lvl="0" indent="0" algn="l" defTabSz="914400" rtl="0" eaLnBrk="1" fontAlgn="auto" latinLnBrk="0" hangingPunct="1">
+              <a:lnSpc>
+                <a:spcPct val="100000"/>
+              </a:lnSpc>
+              <a:spcBef>
+                <a:spcPts val="0"/>
+              </a:spcBef>
+              <a:spcAft>
+                <a:spcPts val="0"/>
+              </a:spcAft>
+              <a:buClrTx/>
+              <a:buSzTx/>
+              <a:buFontTx/>
+              <a:buNone/>
+              <a:tabLst/>
+              <a:defRPr/>
+            </a:pPr>
+            <a:r>
+              <a:rPr lang="es-ES" sz="1800" kern="100" dirty="0">
+                <a:effectLst/>
+                <a:latin typeface="Calibri" panose="020F0502020204030204" pitchFamily="34" charset="0"/>
+                <a:ea typeface="Aptos" panose="020B0004020202020204" pitchFamily="34" charset="0"/>
+                <a:cs typeface="Arial" panose="020B0604020202020204" pitchFamily="34" charset="0"/>
+              </a:rPr>
+              <a:t>Madrid y Sevilla tienen distribuciones más compactas en comparación con los valores atípicos de Barcelona, los valores extremos son más comunes en temporada alta, indicando una demanda intensa que eleva precios en zonas clave.</a:t>
+            </a:r>
+            <a:endParaRPr lang="es-ES" sz="1800" kern="100" dirty="0">
+              <a:effectLst/>
+              <a:latin typeface="Aptos" panose="020B0004020202020204" pitchFamily="34" charset="0"/>
+              <a:ea typeface="Aptos" panose="020B0004020202020204" pitchFamily="34" charset="0"/>
+              <a:cs typeface="Arial" panose="020B0604020202020204" pitchFamily="34" charset="0"/>
+            </a:endParaRPr>
+          </a:p>
+          <a:p>
             <a:endParaRPr lang="es-ES" dirty="0"/>
           </a:p>
         </p:txBody>
@@ -6369,7 +8869,7 @@
             <a:pPr rtl="0"/>
             <a:fld id="{9CA004F4-F240-48F9-8AE1-486585C7F00D}" type="slidenum">
               <a:rPr lang="es-ES" smtClean="0"/>
-              <a:t>20</a:t>
+              <a:t>7</a:t>
             </a:fld>
             <a:endParaRPr lang="es-ES" dirty="0"/>
           </a:p>
@@ -6378,7 +8878,304 @@
     </p:spTree>
     <p:extLst>
       <p:ext uri="{BB962C8B-B14F-4D97-AF65-F5344CB8AC3E}">
-        <p14:creationId xmlns:p14="http://schemas.microsoft.com/office/powerpoint/2010/main" val="203243515"/>
+        <p14:creationId xmlns:p14="http://schemas.microsoft.com/office/powerpoint/2010/main" val="3122032558"/>
+      </p:ext>
+    </p:extLst>
+  </p:cSld>
+  <p:clrMapOvr>
+    <a:masterClrMapping/>
+  </p:clrMapOvr>
+</p:notes>
+</file>
+
+<file path=ppt/notesSlides/notesSlide8.xml><?xml version="1.0" encoding="utf-8"?>
+<p:notes xmlns:a="http://schemas.openxmlformats.org/drawingml/2006/main" xmlns:r="http://schemas.openxmlformats.org/officeDocument/2006/relationships" xmlns:p="http://schemas.openxmlformats.org/presentationml/2006/main">
+  <p:cSld>
+    <p:spTree>
+      <p:nvGrpSpPr>
+        <p:cNvPr id="1" name=""/>
+        <p:cNvGrpSpPr/>
+        <p:nvPr/>
+      </p:nvGrpSpPr>
+      <p:grpSpPr>
+        <a:xfrm>
+          <a:off x="0" y="0"/>
+          <a:ext cx="0" cy="0"/>
+          <a:chOff x="0" y="0"/>
+          <a:chExt cx="0" cy="0"/>
+        </a:xfrm>
+      </p:grpSpPr>
+      <p:sp>
+        <p:nvSpPr>
+          <p:cNvPr id="2" name="Marcador de imagen de diapositiva 1"/>
+          <p:cNvSpPr>
+            <a:spLocks noGrp="1" noRot="1" noChangeAspect="1"/>
+          </p:cNvSpPr>
+          <p:nvPr>
+            <p:ph type="sldImg"/>
+          </p:nvPr>
+        </p:nvSpPr>
+        <p:spPr/>
+      </p:sp>
+      <p:sp>
+        <p:nvSpPr>
+          <p:cNvPr id="3" name="Marcador de notas 2"/>
+          <p:cNvSpPr>
+            <a:spLocks noGrp="1"/>
+          </p:cNvSpPr>
+          <p:nvPr>
+            <p:ph type="body" idx="1"/>
+          </p:nvPr>
+        </p:nvSpPr>
+        <p:spPr/>
+        <p:txBody>
+          <a:bodyPr/>
+          <a:lstStyle/>
+          <a:p>
+            <a:pPr marL="0" marR="0" lvl="0" indent="0" algn="l" defTabSz="914400" rtl="0" eaLnBrk="1" fontAlgn="auto" latinLnBrk="0" hangingPunct="1">
+              <a:lnSpc>
+                <a:spcPct val="100000"/>
+              </a:lnSpc>
+              <a:spcBef>
+                <a:spcPts val="0"/>
+              </a:spcBef>
+              <a:spcAft>
+                <a:spcPts val="0"/>
+              </a:spcAft>
+              <a:buClrTx/>
+              <a:buSzTx/>
+              <a:buFontTx/>
+              <a:buNone/>
+              <a:tabLst/>
+              <a:defRPr/>
+            </a:pPr>
+            <a:r>
+              <a:rPr lang="es-ES" sz="1800" b="1" kern="100" dirty="0">
+                <a:effectLst/>
+                <a:latin typeface="Calibri" panose="020F0502020204030204" pitchFamily="34" charset="0"/>
+                <a:ea typeface="Aptos" panose="020B0004020202020204" pitchFamily="34" charset="0"/>
+                <a:cs typeface="Arial" panose="020B0604020202020204" pitchFamily="34" charset="0"/>
+              </a:rPr>
+              <a:t>Transición: </a:t>
+            </a:r>
+            <a:r>
+              <a:rPr lang="es-ES" sz="1800" kern="100" dirty="0">
+                <a:effectLst/>
+                <a:latin typeface="Calibri" panose="020F0502020204030204" pitchFamily="34" charset="0"/>
+                <a:ea typeface="Aptos" panose="020B0004020202020204" pitchFamily="34" charset="0"/>
+                <a:cs typeface="Arial" panose="020B0604020202020204" pitchFamily="34" charset="0"/>
+              </a:rPr>
+              <a:t> Esto nos da pie a explorar como las características especificas de las ciudades y la temporalidad afectan en el comportamiento del mercado. Para entender mejor estas dinámicas, exploramos las correlaciones entre variables clave.</a:t>
+            </a:r>
+            <a:endParaRPr lang="es-ES" sz="1800" kern="100" dirty="0">
+              <a:effectLst/>
+              <a:latin typeface="Aptos" panose="020B0004020202020204" pitchFamily="34" charset="0"/>
+              <a:ea typeface="Aptos" panose="020B0004020202020204" pitchFamily="34" charset="0"/>
+              <a:cs typeface="Arial" panose="020B0604020202020204" pitchFamily="34" charset="0"/>
+            </a:endParaRPr>
+          </a:p>
+          <a:p>
+            <a:endParaRPr lang="es-ES" dirty="0"/>
+          </a:p>
+        </p:txBody>
+      </p:sp>
+      <p:sp>
+        <p:nvSpPr>
+          <p:cNvPr id="4" name="Marcador de número de diapositiva 3"/>
+          <p:cNvSpPr>
+            <a:spLocks noGrp="1"/>
+          </p:cNvSpPr>
+          <p:nvPr>
+            <p:ph type="sldNum" sz="quarter" idx="5"/>
+          </p:nvPr>
+        </p:nvSpPr>
+        <p:spPr/>
+        <p:txBody>
+          <a:bodyPr/>
+          <a:lstStyle/>
+          <a:p>
+            <a:pPr rtl="0"/>
+            <a:fld id="{9CA004F4-F240-48F9-8AE1-486585C7F00D}" type="slidenum">
+              <a:rPr lang="es-ES" smtClean="0"/>
+              <a:t>8</a:t>
+            </a:fld>
+            <a:endParaRPr lang="es-ES" dirty="0"/>
+          </a:p>
+        </p:txBody>
+      </p:sp>
+    </p:spTree>
+    <p:extLst>
+      <p:ext uri="{BB962C8B-B14F-4D97-AF65-F5344CB8AC3E}">
+        <p14:creationId xmlns:p14="http://schemas.microsoft.com/office/powerpoint/2010/main" val="2113476889"/>
+      </p:ext>
+    </p:extLst>
+  </p:cSld>
+  <p:clrMapOvr>
+    <a:masterClrMapping/>
+  </p:clrMapOvr>
+</p:notes>
+</file>
+
+<file path=ppt/notesSlides/notesSlide9.xml><?xml version="1.0" encoding="utf-8"?>
+<p:notes xmlns:a="http://schemas.openxmlformats.org/drawingml/2006/main" xmlns:r="http://schemas.openxmlformats.org/officeDocument/2006/relationships" xmlns:p="http://schemas.openxmlformats.org/presentationml/2006/main">
+  <p:cSld>
+    <p:spTree>
+      <p:nvGrpSpPr>
+        <p:cNvPr id="1" name=""/>
+        <p:cNvGrpSpPr/>
+        <p:nvPr/>
+      </p:nvGrpSpPr>
+      <p:grpSpPr>
+        <a:xfrm>
+          <a:off x="0" y="0"/>
+          <a:ext cx="0" cy="0"/>
+          <a:chOff x="0" y="0"/>
+          <a:chExt cx="0" cy="0"/>
+        </a:xfrm>
+      </p:grpSpPr>
+      <p:sp>
+        <p:nvSpPr>
+          <p:cNvPr id="2" name="Marcador de imagen de diapositiva 1"/>
+          <p:cNvSpPr>
+            <a:spLocks noGrp="1" noRot="1" noChangeAspect="1"/>
+          </p:cNvSpPr>
+          <p:nvPr>
+            <p:ph type="sldImg"/>
+          </p:nvPr>
+        </p:nvSpPr>
+        <p:spPr/>
+      </p:sp>
+      <p:sp>
+        <p:nvSpPr>
+          <p:cNvPr id="3" name="Marcador de notas 2"/>
+          <p:cNvSpPr>
+            <a:spLocks noGrp="1"/>
+          </p:cNvSpPr>
+          <p:nvPr>
+            <p:ph type="body" idx="1"/>
+          </p:nvPr>
+        </p:nvSpPr>
+        <p:spPr/>
+        <p:txBody>
+          <a:bodyPr/>
+          <a:lstStyle/>
+          <a:p>
+            <a:pPr algn="just">
+              <a:lnSpc>
+                <a:spcPct val="107000"/>
+              </a:lnSpc>
+              <a:spcAft>
+                <a:spcPts val="800"/>
+              </a:spcAft>
+            </a:pPr>
+            <a:r>
+              <a:rPr lang="es-ES" sz="1800" b="1" kern="100" dirty="0">
+                <a:effectLst/>
+                <a:latin typeface="Calibri" panose="020F0502020204030204" pitchFamily="34" charset="0"/>
+                <a:ea typeface="Aptos" panose="020B0004020202020204" pitchFamily="34" charset="0"/>
+                <a:cs typeface="Arial" panose="020B0604020202020204" pitchFamily="34" charset="0"/>
+              </a:rPr>
+              <a:t>Matrices de correlación (Diapositivas 9)</a:t>
+            </a:r>
+            <a:endParaRPr lang="es-ES" sz="1800" kern="100" dirty="0">
+              <a:effectLst/>
+              <a:latin typeface="Aptos" panose="020B0004020202020204" pitchFamily="34" charset="0"/>
+              <a:ea typeface="Aptos" panose="020B0004020202020204" pitchFamily="34" charset="0"/>
+              <a:cs typeface="Arial" panose="020B0604020202020204" pitchFamily="34" charset="0"/>
+            </a:endParaRPr>
+          </a:p>
+          <a:p>
+            <a:pPr algn="just">
+              <a:lnSpc>
+                <a:spcPct val="107000"/>
+              </a:lnSpc>
+              <a:spcAft>
+                <a:spcPts val="800"/>
+              </a:spcAft>
+            </a:pPr>
+            <a:r>
+              <a:rPr lang="es-ES" sz="1800" kern="100" dirty="0">
+                <a:effectLst/>
+                <a:latin typeface="Calibri" panose="020F0502020204030204" pitchFamily="34" charset="0"/>
+                <a:ea typeface="Aptos" panose="020B0004020202020204" pitchFamily="34" charset="0"/>
+                <a:cs typeface="Arial" panose="020B0604020202020204" pitchFamily="34" charset="0"/>
+              </a:rPr>
+              <a:t>El precio está positivamente correlacionado con el número de reseñas y la actividad del anfitrión, esto nos sugiere que la popularidad y la actividad de los anfitriones pueden tener un impacto positivo en los precios. Hoy en día, la gente le da mucha importancia a la opinión de otros usuarios mediante las reseñas. Además, anfitriones con múltiples propiedades suelen tener más actividad, lo que podría indicar estrategias empresariales. Sin embargo, la disponibilidad y el precio tienen una relación débil, ya que las propiedades más exclusivas tienden a estar menos disponibles.</a:t>
+            </a:r>
+            <a:endParaRPr lang="es-ES" sz="1800" kern="100" dirty="0">
+              <a:effectLst/>
+              <a:latin typeface="Aptos" panose="020B0004020202020204" pitchFamily="34" charset="0"/>
+              <a:ea typeface="Aptos" panose="020B0004020202020204" pitchFamily="34" charset="0"/>
+              <a:cs typeface="Arial" panose="020B0604020202020204" pitchFamily="34" charset="0"/>
+            </a:endParaRPr>
+          </a:p>
+          <a:p>
+            <a:pPr algn="just">
+              <a:lnSpc>
+                <a:spcPct val="107000"/>
+              </a:lnSpc>
+              <a:spcAft>
+                <a:spcPts val="800"/>
+              </a:spcAft>
+            </a:pPr>
+            <a:r>
+              <a:rPr lang="es-ES" sz="1800" b="1" kern="100" dirty="0">
+                <a:effectLst/>
+                <a:latin typeface="Calibri" panose="020F0502020204030204" pitchFamily="34" charset="0"/>
+                <a:ea typeface="Aptos" panose="020B0004020202020204" pitchFamily="34" charset="0"/>
+                <a:cs typeface="Arial" panose="020B0604020202020204" pitchFamily="34" charset="0"/>
+              </a:rPr>
+              <a:t>Transición:</a:t>
+            </a:r>
+            <a:r>
+              <a:rPr lang="es-ES" sz="1800" kern="100" dirty="0">
+                <a:effectLst/>
+                <a:latin typeface="Calibri" panose="020F0502020204030204" pitchFamily="34" charset="0"/>
+                <a:ea typeface="Aptos" panose="020B0004020202020204" pitchFamily="34" charset="0"/>
+                <a:cs typeface="Arial" panose="020B0604020202020204" pitchFamily="34" charset="0"/>
+              </a:rPr>
+              <a:t> Esto también se refleja en la distribución de precios por barrio, que exploraremos a continuación."</a:t>
+            </a:r>
+            <a:endParaRPr lang="es-ES" sz="1800" kern="100" dirty="0">
+              <a:effectLst/>
+              <a:latin typeface="Aptos" panose="020B0004020202020204" pitchFamily="34" charset="0"/>
+              <a:ea typeface="Aptos" panose="020B0004020202020204" pitchFamily="34" charset="0"/>
+              <a:cs typeface="Arial" panose="020B0604020202020204" pitchFamily="34" charset="0"/>
+            </a:endParaRPr>
+          </a:p>
+          <a:p>
+            <a:endParaRPr lang="es-ES" dirty="0"/>
+          </a:p>
+        </p:txBody>
+      </p:sp>
+      <p:sp>
+        <p:nvSpPr>
+          <p:cNvPr id="4" name="Marcador de número de diapositiva 3"/>
+          <p:cNvSpPr>
+            <a:spLocks noGrp="1"/>
+          </p:cNvSpPr>
+          <p:nvPr>
+            <p:ph type="sldNum" sz="quarter" idx="5"/>
+          </p:nvPr>
+        </p:nvSpPr>
+        <p:spPr/>
+        <p:txBody>
+          <a:bodyPr/>
+          <a:lstStyle/>
+          <a:p>
+            <a:pPr rtl="0"/>
+            <a:fld id="{9CA004F4-F240-48F9-8AE1-486585C7F00D}" type="slidenum">
+              <a:rPr lang="es-ES" smtClean="0"/>
+              <a:t>9</a:t>
+            </a:fld>
+            <a:endParaRPr lang="es-ES" dirty="0"/>
+          </a:p>
+        </p:txBody>
+      </p:sp>
+    </p:spTree>
+    <p:extLst>
+      <p:ext uri="{BB962C8B-B14F-4D97-AF65-F5344CB8AC3E}">
+        <p14:creationId xmlns:p14="http://schemas.microsoft.com/office/powerpoint/2010/main" val="2524771831"/>
       </p:ext>
     </p:extLst>
   </p:cSld>
@@ -6568,7 +9365,7 @@
             <a:pPr rtl="0"/>
             <a:fld id="{CF770DA5-3DC3-4237-90EB-C415EB41C75A}" type="datetime1">
               <a:rPr lang="es-ES" noProof="0" smtClean="0"/>
-              <a:t>17/12/2024</a:t>
+              <a:t>18/12/2024</a:t>
             </a:fld>
             <a:endParaRPr lang="es-ES" noProof="0" dirty="0"/>
           </a:p>
@@ -6772,7 +9569,7 @@
             <a:pPr rtl="0"/>
             <a:fld id="{95949101-CB98-4C8F-81DB-71E43D7BC626}" type="datetime1">
               <a:rPr lang="es-ES" noProof="0" smtClean="0"/>
-              <a:t>17/12/2024</a:t>
+              <a:t>18/12/2024</a:t>
             </a:fld>
             <a:endParaRPr lang="es-ES" noProof="0" dirty="0"/>
           </a:p>
@@ -7052,7 +9849,7 @@
             <a:pPr rtl="0"/>
             <a:fld id="{7D302F5C-0234-440C-8773-490E51DE01B9}" type="datetime1">
               <a:rPr lang="es-ES" noProof="0" smtClean="0"/>
-              <a:t>17/12/2024</a:t>
+              <a:t>18/12/2024</a:t>
             </a:fld>
             <a:endParaRPr lang="es-ES" noProof="0" dirty="0"/>
           </a:p>
@@ -7354,7 +10151,7 @@
             <a:pPr rtl="0"/>
             <a:fld id="{C4961380-8195-41EE-9574-2B3429217481}" type="datetime1">
               <a:rPr lang="es-ES" noProof="0" smtClean="0"/>
-              <a:t>17/12/2024</a:t>
+              <a:t>18/12/2024</a:t>
             </a:fld>
             <a:endParaRPr lang="es-ES" noProof="0" dirty="0"/>
           </a:p>
@@ -7743,7 +10540,7 @@
             <a:pPr rtl="0"/>
             <a:fld id="{762FC62E-52FA-4487-916D-9648D6F062C2}" type="datetime1">
               <a:rPr lang="es-ES" noProof="0" smtClean="0"/>
-              <a:t>17/12/2024</a:t>
+              <a:t>18/12/2024</a:t>
             </a:fld>
             <a:endParaRPr lang="es-ES" noProof="0" dirty="0"/>
           </a:p>
@@ -7889,7 +10686,7 @@
             <a:pPr rtl="0"/>
             <a:fld id="{83F9C069-0D28-49A2-89E8-C18F9A41EF29}" type="datetime1">
               <a:rPr lang="es-ES" noProof="0" smtClean="0"/>
-              <a:t>17/12/2024</a:t>
+              <a:t>18/12/2024</a:t>
             </a:fld>
             <a:endParaRPr lang="es-ES" noProof="0" dirty="0"/>
           </a:p>
@@ -8005,7 +10802,7 @@
             <a:pPr rtl="0"/>
             <a:fld id="{6CA4CD59-E103-4131-8DF1-52DAB13F24DA}" type="datetime1">
               <a:rPr lang="es-ES" noProof="0" smtClean="0"/>
-              <a:t>17/12/2024</a:t>
+              <a:t>18/12/2024</a:t>
             </a:fld>
             <a:endParaRPr lang="es-ES" noProof="0" dirty="0"/>
           </a:p>
@@ -8322,7 +11119,7 @@
             <a:pPr rtl="0"/>
             <a:fld id="{FA5B45D9-35B1-4184-8C71-E0506363883B}" type="datetime1">
               <a:rPr lang="es-ES" noProof="0" smtClean="0"/>
-              <a:t>17/12/2024</a:t>
+              <a:t>18/12/2024</a:t>
             </a:fld>
             <a:endParaRPr lang="es-ES" noProof="0" dirty="0"/>
           </a:p>
@@ -8620,7 +11417,7 @@
             <a:pPr rtl="0"/>
             <a:fld id="{F6BD2F12-55B2-4258-9B7A-329D8EBE60F6}" type="datetime1">
               <a:rPr lang="es-ES" noProof="0" smtClean="0"/>
-              <a:t>17/12/2024</a:t>
+              <a:t>18/12/2024</a:t>
             </a:fld>
             <a:endParaRPr lang="es-ES" noProof="0" dirty="0"/>
           </a:p>
@@ -8865,7 +11662,7 @@
             <a:pPr rtl="0"/>
             <a:fld id="{38414F15-D7D0-4AAB-BCEA-8D737141E1BB}" type="datetime1">
               <a:rPr lang="es-ES" noProof="0" smtClean="0"/>
-              <a:t>17/12/2024</a:t>
+              <a:t>18/12/2024</a:t>
             </a:fld>
             <a:endParaRPr lang="es-ES" noProof="0" dirty="0"/>
           </a:p>
@@ -9648,187 +12445,6 @@
           <a:chExt cx="0" cy="0"/>
         </a:xfrm>
       </p:grpSpPr>
-      <p:pic>
-        <p:nvPicPr>
-          <p:cNvPr id="6" name="Marcador de contenido 5" descr="Gráfico, Aplicación, Gráfico de rectángulos&#10;&#10;Descripción generada automáticamente">
-            <a:extLst>
-              <a:ext uri="{FF2B5EF4-FFF2-40B4-BE49-F238E27FC236}">
-                <a16:creationId xmlns:a16="http://schemas.microsoft.com/office/drawing/2014/main" id="{4FD78974-FAF6-C421-6AFB-227594A106EA}"/>
-              </a:ext>
-            </a:extLst>
-          </p:cNvPr>
-          <p:cNvPicPr>
-            <a:picLocks noGrp="1" noChangeAspect="1"/>
-          </p:cNvPicPr>
-          <p:nvPr>
-            <p:ph idx="1"/>
-          </p:nvPr>
-        </p:nvPicPr>
-        <p:blipFill>
-          <a:blip r:embed="rId2">
-            <a:extLst>
-              <a:ext uri="{28A0092B-C50C-407E-A947-70E740481C1C}">
-                <a14:useLocalDpi xmlns:a14="http://schemas.microsoft.com/office/drawing/2010/main" val="0"/>
-              </a:ext>
-            </a:extLst>
-          </a:blip>
-          <a:stretch>
-            <a:fillRect/>
-          </a:stretch>
-        </p:blipFill>
-        <p:spPr>
-          <a:xfrm>
-            <a:off x="4299284" y="1201690"/>
-            <a:ext cx="7154062" cy="5367399"/>
-          </a:xfrm>
-        </p:spPr>
-      </p:pic>
-      <p:sp>
-        <p:nvSpPr>
-          <p:cNvPr id="4" name="Marcador de número de diapositiva 3">
-            <a:extLst>
-              <a:ext uri="{FF2B5EF4-FFF2-40B4-BE49-F238E27FC236}">
-                <a16:creationId xmlns:a16="http://schemas.microsoft.com/office/drawing/2014/main" id="{23BAFBCD-E59B-6F37-869F-EDE4EB33066D}"/>
-              </a:ext>
-            </a:extLst>
-          </p:cNvPr>
-          <p:cNvSpPr>
-            <a:spLocks noGrp="1"/>
-          </p:cNvSpPr>
-          <p:nvPr>
-            <p:ph type="sldNum" sz="quarter" idx="12"/>
-          </p:nvPr>
-        </p:nvSpPr>
-        <p:spPr/>
-        <p:txBody>
-          <a:bodyPr/>
-          <a:lstStyle/>
-          <a:p>
-            <a:pPr rtl="0"/>
-            <a:fld id="{82EE24B5-652C-4DB5-B7C3-B5BBEC1280B1}" type="slidenum">
-              <a:rPr lang="es-ES" noProof="0" smtClean="0"/>
-              <a:t>10</a:t>
-            </a:fld>
-            <a:endParaRPr lang="es-ES" noProof="0" dirty="0"/>
-          </a:p>
-        </p:txBody>
-      </p:sp>
-      <p:sp>
-        <p:nvSpPr>
-          <p:cNvPr id="7" name="Flecha: curvada hacia la derecha 6">
-            <a:extLst>
-              <a:ext uri="{FF2B5EF4-FFF2-40B4-BE49-F238E27FC236}">
-                <a16:creationId xmlns:a16="http://schemas.microsoft.com/office/drawing/2014/main" id="{D917E35C-3DED-D48A-7BE8-B6720E480AA5}"/>
-              </a:ext>
-            </a:extLst>
-          </p:cNvPr>
-          <p:cNvSpPr/>
-          <p:nvPr/>
-        </p:nvSpPr>
-        <p:spPr>
-          <a:xfrm rot="19331161">
-            <a:off x="925228" y="2967981"/>
-            <a:ext cx="3483021" cy="3558744"/>
-          </a:xfrm>
-          <a:prstGeom prst="curvedRightArrow">
-            <a:avLst/>
-          </a:prstGeom>
-          <a:solidFill>
-            <a:schemeClr val="accent2">
-              <a:lumMod val="75000"/>
-            </a:schemeClr>
-          </a:solidFill>
-          <a:ln>
-            <a:noFill/>
-          </a:ln>
-        </p:spPr>
-        <p:style>
-          <a:lnRef idx="2">
-            <a:schemeClr val="accent1">
-              <a:shade val="50000"/>
-            </a:schemeClr>
-          </a:lnRef>
-          <a:fillRef idx="1">
-            <a:schemeClr val="accent1"/>
-          </a:fillRef>
-          <a:effectRef idx="0">
-            <a:schemeClr val="accent1"/>
-          </a:effectRef>
-          <a:fontRef idx="minor">
-            <a:schemeClr val="lt1"/>
-          </a:fontRef>
-        </p:style>
-        <p:txBody>
-          <a:bodyPr rtlCol="0" anchor="ctr"/>
-          <a:lstStyle/>
-          <a:p>
-            <a:pPr algn="ctr"/>
-            <a:endParaRPr lang="es-ES">
-              <a:solidFill>
-                <a:schemeClr val="tx1"/>
-              </a:solidFill>
-            </a:endParaRPr>
-          </a:p>
-        </p:txBody>
-      </p:sp>
-      <p:graphicFrame>
-        <p:nvGraphicFramePr>
-          <p:cNvPr id="3" name="Diagrama 2">
-            <a:extLst>
-              <a:ext uri="{FF2B5EF4-FFF2-40B4-BE49-F238E27FC236}">
-                <a16:creationId xmlns:a16="http://schemas.microsoft.com/office/drawing/2014/main" id="{7E891BD2-4868-B2BF-D6F4-E8228FB842ED}"/>
-              </a:ext>
-            </a:extLst>
-          </p:cNvPr>
-          <p:cNvGraphicFramePr/>
-          <p:nvPr>
-            <p:extLst>
-              <p:ext uri="{D42A27DB-BD31-4B8C-83A1-F6EECF244321}">
-                <p14:modId xmlns:p14="http://schemas.microsoft.com/office/powerpoint/2010/main" val="2258466823"/>
-              </p:ext>
-            </p:extLst>
-          </p:nvPr>
-        </p:nvGraphicFramePr>
-        <p:xfrm>
-          <a:off x="557715" y="397196"/>
-          <a:ext cx="3950117" cy="3292488"/>
-        </p:xfrm>
-        <a:graphic>
-          <a:graphicData uri="http://schemas.openxmlformats.org/drawingml/2006/diagram">
-            <dgm:relIds xmlns:dgm="http://schemas.openxmlformats.org/drawingml/2006/diagram" xmlns:r="http://schemas.openxmlformats.org/officeDocument/2006/relationships" r:dm="rId3" r:lo="rId4" r:qs="rId5" r:cs="rId6"/>
-          </a:graphicData>
-        </a:graphic>
-      </p:graphicFrame>
-    </p:spTree>
-    <p:extLst>
-      <p:ext uri="{BB962C8B-B14F-4D97-AF65-F5344CB8AC3E}">
-        <p14:creationId xmlns:p14="http://schemas.microsoft.com/office/powerpoint/2010/main" val="1086807284"/>
-      </p:ext>
-    </p:extLst>
-  </p:cSld>
-  <p:clrMapOvr>
-    <a:masterClrMapping/>
-  </p:clrMapOvr>
-</p:sld>
-</file>
-
-<file path=ppt/slides/slide11.xml><?xml version="1.0" encoding="utf-8"?>
-<p:sld xmlns:a="http://schemas.openxmlformats.org/drawingml/2006/main" xmlns:r="http://schemas.openxmlformats.org/officeDocument/2006/relationships" xmlns:p="http://schemas.openxmlformats.org/presentationml/2006/main">
-  <p:cSld>
-    <p:spTree>
-      <p:nvGrpSpPr>
-        <p:cNvPr id="1" name=""/>
-        <p:cNvGrpSpPr/>
-        <p:nvPr/>
-      </p:nvGrpSpPr>
-      <p:grpSpPr>
-        <a:xfrm>
-          <a:off x="0" y="0"/>
-          <a:ext cx="0" cy="0"/>
-          <a:chOff x="0" y="0"/>
-          <a:chExt cx="0" cy="0"/>
-        </a:xfrm>
-      </p:grpSpPr>
       <p:sp>
         <p:nvSpPr>
           <p:cNvPr id="2" name="Marcador de número de diapositiva 1">
@@ -9853,7 +12469,7 @@
             <a:pPr rtl="0"/>
             <a:fld id="{82EE24B5-652C-4DB5-B7C3-B5BBEC1280B1}" type="slidenum">
               <a:rPr lang="es-ES" noProof="0" smtClean="0"/>
-              <a:t>11</a:t>
+              <a:t>10</a:t>
             </a:fld>
             <a:endParaRPr lang="es-ES" noProof="0" dirty="0"/>
           </a:p>
@@ -9909,7 +12525,7 @@
           </p:nvPr>
         </p:nvPicPr>
         <p:blipFill>
-          <a:blip r:embed="rId2">
+          <a:blip r:embed="rId3">
             <a:extLst>
               <a:ext uri="{28A0092B-C50C-407E-A947-70E740481C1C}">
                 <a14:useLocalDpi xmlns:a14="http://schemas.microsoft.com/office/drawing/2010/main" val="0"/>
@@ -9944,7 +12560,7 @@
           </p:nvPr>
         </p:nvPicPr>
         <p:blipFill>
-          <a:blip r:embed="rId3">
+          <a:blip r:embed="rId4">
             <a:extLst>
               <a:ext uri="{28A0092B-C50C-407E-A947-70E740481C1C}">
                 <a14:useLocalDpi xmlns:a14="http://schemas.microsoft.com/office/drawing/2010/main" val="0"/>
@@ -10040,7 +12656,7 @@
 </p:sld>
 </file>
 
-<file path=ppt/slides/slide12.xml><?xml version="1.0" encoding="utf-8"?>
+<file path=ppt/slides/slide11.xml><?xml version="1.0" encoding="utf-8"?>
 <p:sld xmlns:a="http://schemas.openxmlformats.org/drawingml/2006/main" xmlns:r="http://schemas.openxmlformats.org/officeDocument/2006/relationships" xmlns:p="http://schemas.openxmlformats.org/presentationml/2006/main">
   <p:cSld>
     <p:spTree>
@@ -10081,7 +12697,7 @@
             <a:pPr rtl="0"/>
             <a:fld id="{82EE24B5-652C-4DB5-B7C3-B5BBEC1280B1}" type="slidenum">
               <a:rPr lang="es-ES" noProof="0" smtClean="0"/>
-              <a:t>12</a:t>
+              <a:t>11</a:t>
             </a:fld>
             <a:endParaRPr lang="es-ES" noProof="0" dirty="0"/>
           </a:p>
@@ -10117,7 +12733,7 @@
         </p:blipFill>
         <p:spPr>
           <a:xfrm>
-            <a:off x="738654" y="2962007"/>
+            <a:off x="561475" y="3384113"/>
             <a:ext cx="5181600" cy="2571189"/>
           </a:xfrm>
         </p:spPr>
@@ -10152,7 +12768,7 @@
         </p:blipFill>
         <p:spPr>
           <a:xfrm>
-            <a:off x="6271746" y="317973"/>
+            <a:off x="6271746" y="606731"/>
             <a:ext cx="5181600" cy="3250384"/>
           </a:xfrm>
         </p:spPr>
@@ -10171,7 +12787,7 @@
         </p:nvSpPr>
         <p:spPr>
           <a:xfrm>
-            <a:off x="6448926" y="3785937"/>
+            <a:off x="6448927" y="4409964"/>
             <a:ext cx="5004420" cy="923330"/>
           </a:xfrm>
           <a:prstGeom prst="rect">
@@ -10242,7 +12858,7 @@
         </p:nvSpPr>
         <p:spPr>
           <a:xfrm>
-            <a:off x="882315" y="700616"/>
+            <a:off x="633305" y="902698"/>
             <a:ext cx="5037939" cy="2031325"/>
           </a:xfrm>
           <a:prstGeom prst="rect">
@@ -10315,7 +12931,7 @@
 </p:sld>
 </file>
 
-<file path=ppt/slides/slide13.xml><?xml version="1.0" encoding="utf-8"?>
+<file path=ppt/slides/slide12.xml><?xml version="1.0" encoding="utf-8"?>
 <p:sld xmlns:a="http://schemas.openxmlformats.org/drawingml/2006/main" xmlns:r="http://schemas.openxmlformats.org/officeDocument/2006/relationships" xmlns:p="http://schemas.openxmlformats.org/presentationml/2006/main">
   <p:cSld>
     <p:spTree>
@@ -10356,7 +12972,7 @@
             <a:pPr rtl="0"/>
             <a:fld id="{82EE24B5-652C-4DB5-B7C3-B5BBEC1280B1}" type="slidenum">
               <a:rPr lang="es-ES" noProof="0" smtClean="0"/>
-              <a:t>13</a:t>
+              <a:t>12</a:t>
             </a:fld>
             <a:endParaRPr lang="es-ES" noProof="0" dirty="0"/>
           </a:p>
@@ -10392,7 +13008,7 @@
         </p:blipFill>
         <p:spPr>
           <a:xfrm>
-            <a:off x="824163" y="2869310"/>
+            <a:off x="824162" y="3142026"/>
             <a:ext cx="5181600" cy="2571189"/>
           </a:xfrm>
         </p:spPr>
@@ -10446,7 +13062,7 @@
         </p:nvSpPr>
         <p:spPr>
           <a:xfrm>
-            <a:off x="1056773" y="820259"/>
+            <a:off x="1056772" y="1144785"/>
             <a:ext cx="4716379" cy="1477328"/>
           </a:xfrm>
           <a:prstGeom prst="rect">
@@ -10538,7 +13154,7 @@
 </p:sld>
 </file>
 
-<file path=ppt/slides/slide14.xml><?xml version="1.0" encoding="utf-8"?>
+<file path=ppt/slides/slide13.xml><?xml version="1.0" encoding="utf-8"?>
 <p:sld xmlns:a="http://schemas.openxmlformats.org/drawingml/2006/main" xmlns:r="http://schemas.openxmlformats.org/officeDocument/2006/relationships" xmlns:p="http://schemas.openxmlformats.org/presentationml/2006/main">
   <p:cSld>
     <p:spTree>
@@ -10595,7 +13211,7 @@
                   <a:spcPts val="600"/>
                 </a:spcAft>
               </a:pPr>
-              <a:t>14</a:t>
+              <a:t>13</a:t>
             </a:fld>
             <a:endParaRPr lang="es-ES" noProof="0"/>
           </a:p>
@@ -10653,7 +13269,7 @@
           </p:nvPr>
         </p:nvPicPr>
         <p:blipFill>
-          <a:blip r:embed="rId2">
+          <a:blip r:embed="rId3">
             <a:extLst>
               <a:ext uri="{28A0092B-C50C-407E-A947-70E740481C1C}">
                 <a14:useLocalDpi xmlns:a14="http://schemas.microsoft.com/office/drawing/2010/main" val="0"/>
@@ -10984,7 +13600,7 @@
 </p:sld>
 </file>
 
-<file path=ppt/slides/slide15.xml><?xml version="1.0" encoding="utf-8"?>
+<file path=ppt/slides/slide14.xml><?xml version="1.0" encoding="utf-8"?>
 <p:sld xmlns:a="http://schemas.openxmlformats.org/drawingml/2006/main" xmlns:r="http://schemas.openxmlformats.org/officeDocument/2006/relationships" xmlns:p="http://schemas.openxmlformats.org/presentationml/2006/main">
   <p:cSld>
     <p:spTree>
@@ -11138,7 +13754,7 @@
             <a:pPr rtl="0"/>
             <a:fld id="{82EE24B5-652C-4DB5-B7C3-B5BBEC1280B1}" type="slidenum">
               <a:rPr lang="es-ES" noProof="0" smtClean="0"/>
-              <a:t>15</a:t>
+              <a:t>14</a:t>
             </a:fld>
             <a:endParaRPr lang="es-ES" noProof="0" dirty="0"/>
           </a:p>
@@ -11157,7 +13773,7 @@
 </p:sld>
 </file>
 
-<file path=ppt/slides/slide16.xml><?xml version="1.0" encoding="utf-8"?>
+<file path=ppt/slides/slide15.xml><?xml version="1.0" encoding="utf-8"?>
 <p:sld xmlns:a="http://schemas.openxmlformats.org/drawingml/2006/main" xmlns:r="http://schemas.openxmlformats.org/officeDocument/2006/relationships" xmlns:p="http://schemas.openxmlformats.org/presentationml/2006/main">
   <p:cSld>
     <p:spTree>
@@ -11322,7 +13938,7 @@
             <a:pPr rtl="0"/>
             <a:fld id="{82EE24B5-652C-4DB5-B7C3-B5BBEC1280B1}" type="slidenum">
               <a:rPr lang="es-ES" noProof="0" smtClean="0"/>
-              <a:t>16</a:t>
+              <a:t>15</a:t>
             </a:fld>
             <a:endParaRPr lang="es-ES" noProof="0" dirty="0"/>
           </a:p>
@@ -11341,7 +13957,7 @@
 </p:sld>
 </file>
 
-<file path=ppt/slides/slide17.xml><?xml version="1.0" encoding="utf-8"?>
+<file path=ppt/slides/slide16.xml><?xml version="1.0" encoding="utf-8"?>
 <p:sld xmlns:a="http://schemas.openxmlformats.org/drawingml/2006/main" xmlns:r="http://schemas.openxmlformats.org/officeDocument/2006/relationships" xmlns:p="http://schemas.openxmlformats.org/presentationml/2006/main">
   <p:cSld>
     <p:spTree>
@@ -11375,7 +13991,7 @@
           </p:nvPr>
         </p:nvPicPr>
         <p:blipFill>
-          <a:blip r:embed="rId2">
+          <a:blip r:embed="rId3">
             <a:extLst>
               <a:ext uri="{28A0092B-C50C-407E-A947-70E740481C1C}">
                 <a14:useLocalDpi xmlns:a14="http://schemas.microsoft.com/office/drawing/2010/main" val="0"/>
@@ -11388,7 +14004,7 @@
         </p:blipFill>
         <p:spPr>
           <a:xfrm>
-            <a:off x="4813062" y="2057400"/>
+            <a:off x="4813062" y="1561306"/>
             <a:ext cx="6640284" cy="3735388"/>
           </a:xfrm>
         </p:spPr>
@@ -11428,7 +14044,7 @@
                   <a:spcPts val="600"/>
                 </a:spcAft>
               </a:pPr>
-              <a:t>17</a:t>
+              <a:t>16</a:t>
             </a:fld>
             <a:endParaRPr lang="es-ES" noProof="0"/>
           </a:p>
@@ -11731,7 +14347,7 @@
 </p:sld>
 </file>
 
-<file path=ppt/slides/slide18.xml><?xml version="1.0" encoding="utf-8"?>
+<file path=ppt/slides/slide17.xml><?xml version="1.0" encoding="utf-8"?>
 <p:sld xmlns:a="http://schemas.openxmlformats.org/drawingml/2006/main" xmlns:r="http://schemas.openxmlformats.org/officeDocument/2006/relationships" xmlns:p="http://schemas.openxmlformats.org/presentationml/2006/main">
   <p:cSld>
     <p:spTree>
@@ -11995,7 +14611,7 @@
             <a:pPr rtl="0"/>
             <a:fld id="{82EE24B5-652C-4DB5-B7C3-B5BBEC1280B1}" type="slidenum">
               <a:rPr lang="es-ES" noProof="0" smtClean="0"/>
-              <a:t>18</a:t>
+              <a:t>17</a:t>
             </a:fld>
             <a:endParaRPr lang="es-ES" noProof="0" dirty="0"/>
           </a:p>
@@ -12014,7 +14630,7 @@
 </p:sld>
 </file>
 
-<file path=ppt/slides/slide19.xml><?xml version="1.0" encoding="utf-8"?>
+<file path=ppt/slides/slide18.xml><?xml version="1.0" encoding="utf-8"?>
 <p:sld xmlns:a="http://schemas.openxmlformats.org/drawingml/2006/main" xmlns:r="http://schemas.openxmlformats.org/officeDocument/2006/relationships" xmlns:p="http://schemas.openxmlformats.org/presentationml/2006/main">
   <p:cSld>
     <p:spTree>
@@ -12049,8 +14665,8 @@
         </p:nvSpPr>
         <p:spPr>
           <a:xfrm>
-            <a:off x="839788" y="-159489"/>
-            <a:ext cx="3932237" cy="1600200"/>
+            <a:off x="690932" y="-298923"/>
+            <a:ext cx="5143917" cy="1600200"/>
           </a:xfrm>
         </p:spPr>
         <p:txBody>
@@ -12081,7 +14697,7 @@
           </p:nvPr>
         </p:nvPicPr>
         <p:blipFill>
-          <a:blip r:embed="rId2">
+          <a:blip r:embed="rId3">
             <a:extLst>
               <a:ext uri="{28A0092B-C50C-407E-A947-70E740481C1C}">
                 <a14:useLocalDpi xmlns:a14="http://schemas.microsoft.com/office/drawing/2010/main" val="0"/>
@@ -12225,7 +14841,7 @@
             <a:pPr rtl="0"/>
             <a:fld id="{82EE24B5-652C-4DB5-B7C3-B5BBEC1280B1}" type="slidenum">
               <a:rPr lang="es-ES" noProof="0" smtClean="0"/>
-              <a:t>19</a:t>
+              <a:t>18</a:t>
             </a:fld>
             <a:endParaRPr lang="es-ES" noProof="0" dirty="0"/>
           </a:p>
@@ -12235,6 +14851,187 @@
     <p:extLst>
       <p:ext uri="{BB962C8B-B14F-4D97-AF65-F5344CB8AC3E}">
         <p14:creationId xmlns:p14="http://schemas.microsoft.com/office/powerpoint/2010/main" val="3983409925"/>
+      </p:ext>
+    </p:extLst>
+  </p:cSld>
+  <p:clrMapOvr>
+    <a:masterClrMapping/>
+  </p:clrMapOvr>
+</p:sld>
+</file>
+
+<file path=ppt/slides/slide19.xml><?xml version="1.0" encoding="utf-8"?>
+<p:sld xmlns:a="http://schemas.openxmlformats.org/drawingml/2006/main" xmlns:r="http://schemas.openxmlformats.org/officeDocument/2006/relationships" xmlns:p="http://schemas.openxmlformats.org/presentationml/2006/main">
+  <p:cSld>
+    <p:spTree>
+      <p:nvGrpSpPr>
+        <p:cNvPr id="1" name=""/>
+        <p:cNvGrpSpPr/>
+        <p:nvPr/>
+      </p:nvGrpSpPr>
+      <p:grpSpPr>
+        <a:xfrm>
+          <a:off x="0" y="0"/>
+          <a:ext cx="0" cy="0"/>
+          <a:chOff x="0" y="0"/>
+          <a:chExt cx="0" cy="0"/>
+        </a:xfrm>
+      </p:grpSpPr>
+      <p:sp>
+        <p:nvSpPr>
+          <p:cNvPr id="5" name="Marcador de número de diapositiva 4">
+            <a:extLst>
+              <a:ext uri="{FF2B5EF4-FFF2-40B4-BE49-F238E27FC236}">
+                <a16:creationId xmlns:a16="http://schemas.microsoft.com/office/drawing/2014/main" id="{86E32277-2088-DE73-3E03-7FC019FA5609}"/>
+              </a:ext>
+            </a:extLst>
+          </p:cNvPr>
+          <p:cNvSpPr>
+            <a:spLocks noGrp="1"/>
+          </p:cNvSpPr>
+          <p:nvPr>
+            <p:ph type="sldNum" sz="quarter" idx="12"/>
+          </p:nvPr>
+        </p:nvSpPr>
+        <p:spPr/>
+        <p:txBody>
+          <a:bodyPr anchor="ctr">
+            <a:normAutofit/>
+          </a:bodyPr>
+          <a:lstStyle/>
+          <a:p>
+            <a:pPr rtl="0">
+              <a:spcAft>
+                <a:spcPts val="600"/>
+              </a:spcAft>
+            </a:pPr>
+            <a:fld id="{82EE24B5-652C-4DB5-B7C3-B5BBEC1280B1}" type="slidenum">
+              <a:rPr lang="es-ES" noProof="0" smtClean="0"/>
+              <a:pPr rtl="0">
+                <a:spcAft>
+                  <a:spcPts val="600"/>
+                </a:spcAft>
+              </a:pPr>
+              <a:t>19</a:t>
+            </a:fld>
+            <a:endParaRPr lang="es-ES" noProof="0"/>
+          </a:p>
+        </p:txBody>
+      </p:sp>
+      <p:sp>
+        <p:nvSpPr>
+          <p:cNvPr id="12" name="Title 1">
+            <a:extLst>
+              <a:ext uri="{FF2B5EF4-FFF2-40B4-BE49-F238E27FC236}">
+                <a16:creationId xmlns:a16="http://schemas.microsoft.com/office/drawing/2014/main" id="{A217D894-1B92-EA44-243A-F90D0B35927F}"/>
+              </a:ext>
+            </a:extLst>
+          </p:cNvPr>
+          <p:cNvSpPr>
+            <a:spLocks noGrp="1"/>
+          </p:cNvSpPr>
+          <p:nvPr>
+            <p:ph type="title"/>
+          </p:nvPr>
+        </p:nvSpPr>
+        <p:spPr/>
+        <p:txBody>
+          <a:bodyPr/>
+          <a:lstStyle/>
+          <a:p>
+            <a:r>
+              <a:rPr lang="en-US" dirty="0"/>
+              <a:t>Cluster de barrios </a:t>
+            </a:r>
+            <a:r>
+              <a:rPr lang="en-US" dirty="0" err="1"/>
+              <a:t>según</a:t>
+            </a:r>
+            <a:r>
+              <a:rPr lang="en-US" dirty="0"/>
+              <a:t> </a:t>
+            </a:r>
+            <a:r>
+              <a:rPr lang="en-US" dirty="0" err="1"/>
+              <a:t>estacionalidad</a:t>
+            </a:r>
+            <a:endParaRPr lang="en-US" dirty="0"/>
+          </a:p>
+        </p:txBody>
+      </p:sp>
+      <p:pic>
+        <p:nvPicPr>
+          <p:cNvPr id="7" name="Marcador de contenido 6" descr="Gráfico, Gráfico de dispersión&#10;&#10;Descripción generada automáticamente">
+            <a:extLst>
+              <a:ext uri="{FF2B5EF4-FFF2-40B4-BE49-F238E27FC236}">
+                <a16:creationId xmlns:a16="http://schemas.microsoft.com/office/drawing/2014/main" id="{3B3E3C25-2E97-B4DC-B26C-B850C9641A6E}"/>
+              </a:ext>
+            </a:extLst>
+          </p:cNvPr>
+          <p:cNvPicPr>
+            <a:picLocks noGrp="1" noChangeAspect="1"/>
+          </p:cNvPicPr>
+          <p:nvPr>
+            <p:ph sz="half" idx="1"/>
+          </p:nvPr>
+        </p:nvPicPr>
+        <p:blipFill>
+          <a:blip r:embed="rId3">
+            <a:extLst>
+              <a:ext uri="{28A0092B-C50C-407E-A947-70E740481C1C}">
+                <a14:useLocalDpi xmlns:a14="http://schemas.microsoft.com/office/drawing/2010/main" val="0"/>
+              </a:ext>
+            </a:extLst>
+          </a:blip>
+          <a:stretch/>
+        </p:blipFill>
+        <p:spPr>
+          <a:xfrm>
+            <a:off x="896107" y="1921030"/>
+            <a:ext cx="5065786" cy="4160528"/>
+          </a:xfrm>
+          <a:noFill/>
+        </p:spPr>
+      </p:pic>
+      <p:pic>
+        <p:nvPicPr>
+          <p:cNvPr id="10" name="Marcador de contenido 9" descr="Gráfico, Gráfico de dispersión&#10;&#10;Descripción generada automáticamente">
+            <a:extLst>
+              <a:ext uri="{FF2B5EF4-FFF2-40B4-BE49-F238E27FC236}">
+                <a16:creationId xmlns:a16="http://schemas.microsoft.com/office/drawing/2014/main" id="{FFC1FA08-9EA4-0A7C-8F7C-DC4CA67F9AA3}"/>
+              </a:ext>
+            </a:extLst>
+          </p:cNvPr>
+          <p:cNvPicPr>
+            <a:picLocks noGrp="1" noChangeAspect="1"/>
+          </p:cNvPicPr>
+          <p:nvPr>
+            <p:ph sz="half" idx="2"/>
+          </p:nvPr>
+        </p:nvPicPr>
+        <p:blipFill>
+          <a:blip r:embed="rId4">
+            <a:extLst>
+              <a:ext uri="{28A0092B-C50C-407E-A947-70E740481C1C}">
+                <a14:useLocalDpi xmlns:a14="http://schemas.microsoft.com/office/drawing/2010/main" val="0"/>
+              </a:ext>
+            </a:extLst>
+          </a:blip>
+          <a:stretch>
+            <a:fillRect/>
+          </a:stretch>
+        </p:blipFill>
+        <p:spPr>
+          <a:xfrm>
+            <a:off x="6179815" y="1921030"/>
+            <a:ext cx="5166370" cy="4160528"/>
+          </a:xfrm>
+        </p:spPr>
+      </p:pic>
+    </p:spTree>
+    <p:extLst>
+      <p:ext uri="{BB962C8B-B14F-4D97-AF65-F5344CB8AC3E}">
+        <p14:creationId xmlns:p14="http://schemas.microsoft.com/office/powerpoint/2010/main" val="1913287815"/>
       </p:ext>
     </p:extLst>
   </p:cSld>
@@ -12312,7 +15109,7 @@
           </p:nvPr>
         </p:nvPicPr>
         <p:blipFill>
-          <a:blip r:embed="rId2">
+          <a:blip r:embed="rId3">
             <a:extLst>
               <a:ext uri="{28A0092B-C50C-407E-A947-70E740481C1C}">
                 <a14:useLocalDpi xmlns:a14="http://schemas.microsoft.com/office/drawing/2010/main" val="0"/>
@@ -12451,7 +15248,7 @@
         </p:xfrm>
         <a:graphic>
           <a:graphicData uri="http://schemas.openxmlformats.org/drawingml/2006/diagram">
-            <dgm:relIds xmlns:dgm="http://schemas.openxmlformats.org/drawingml/2006/diagram" xmlns:r="http://schemas.openxmlformats.org/officeDocument/2006/relationships" r:dm="rId3" r:lo="rId4" r:qs="rId5" r:cs="rId6"/>
+            <dgm:relIds xmlns:dgm="http://schemas.openxmlformats.org/drawingml/2006/diagram" xmlns:r="http://schemas.openxmlformats.org/officeDocument/2006/relationships" r:dm="rId4" r:lo="rId5" r:qs="rId6" r:cs="rId7"/>
           </a:graphicData>
         </a:graphic>
       </p:graphicFrame>
@@ -12471,6 +15268,14 @@
 <file path=ppt/slides/slide20.xml><?xml version="1.0" encoding="utf-8"?>
 <p:sld xmlns:a="http://schemas.openxmlformats.org/drawingml/2006/main" xmlns:r="http://schemas.openxmlformats.org/officeDocument/2006/relationships" xmlns:p="http://schemas.openxmlformats.org/presentationml/2006/main">
   <p:cSld>
+    <p:bg>
+      <p:bgPr>
+        <a:solidFill>
+          <a:schemeClr val="bg1"/>
+        </a:solidFill>
+        <a:effectLst/>
+      </p:bgPr>
+    </p:bg>
     <p:spTree>
       <p:nvGrpSpPr>
         <p:cNvPr id="1" name=""/>
@@ -12487,10 +15292,10 @@
       </p:grpSpPr>
       <p:sp>
         <p:nvSpPr>
-          <p:cNvPr id="5" name="Marcador de número de diapositiva 4">
+          <p:cNvPr id="13" name="Title 1">
             <a:extLst>
               <a:ext uri="{FF2B5EF4-FFF2-40B4-BE49-F238E27FC236}">
-                <a16:creationId xmlns:a16="http://schemas.microsoft.com/office/drawing/2014/main" id="{86E32277-2088-DE73-3E03-7FC019FA5609}"/>
+                <a16:creationId xmlns:a16="http://schemas.microsoft.com/office/drawing/2014/main" id="{DEA5C42F-730D-C281-A396-461355897873}"/>
               </a:ext>
             </a:extLst>
           </p:cNvPr>
@@ -12498,14 +15303,82 @@
             <a:spLocks noGrp="1"/>
           </p:cNvSpPr>
           <p:nvPr>
+            <p:ph type="title"/>
+          </p:nvPr>
+        </p:nvSpPr>
+        <p:spPr>
+          <a:xfrm>
+            <a:off x="838200" y="365125"/>
+            <a:ext cx="10515600" cy="1325563"/>
+          </a:xfrm>
+        </p:spPr>
+        <p:txBody>
+          <a:bodyPr/>
+          <a:lstStyle/>
+          <a:p>
+            <a:r>
+              <a:rPr lang="en-US" dirty="0" err="1"/>
+              <a:t>Conclusiones</a:t>
+            </a:r>
+            <a:endParaRPr lang="en-US" dirty="0"/>
+          </a:p>
+        </p:txBody>
+      </p:sp>
+      <p:graphicFrame>
+        <p:nvGraphicFramePr>
+          <p:cNvPr id="9" name="Marcador de contenido 8">
+            <a:extLst>
+              <a:ext uri="{FF2B5EF4-FFF2-40B4-BE49-F238E27FC236}">
+                <a16:creationId xmlns:a16="http://schemas.microsoft.com/office/drawing/2014/main" id="{FC6400F4-A3A4-EC5D-A870-BAD98108F593}"/>
+              </a:ext>
+            </a:extLst>
+          </p:cNvPr>
+          <p:cNvGraphicFramePr>
+            <a:graphicFrameLocks noGrp="1"/>
+          </p:cNvGraphicFramePr>
+          <p:nvPr>
+            <p:ph idx="1"/>
+            <p:extLst>
+              <p:ext uri="{D42A27DB-BD31-4B8C-83A1-F6EECF244321}">
+                <p14:modId xmlns:p14="http://schemas.microsoft.com/office/powerpoint/2010/main" val="3984879404"/>
+              </p:ext>
+            </p:extLst>
+          </p:nvPr>
+        </p:nvGraphicFramePr>
+        <p:xfrm>
+          <a:off x="838200" y="1825625"/>
+          <a:ext cx="10515600" cy="4351338"/>
+        </p:xfrm>
+        <a:graphic>
+          <a:graphicData uri="http://schemas.openxmlformats.org/drawingml/2006/diagram">
+            <dgm:relIds xmlns:dgm="http://schemas.openxmlformats.org/drawingml/2006/diagram" xmlns:r="http://schemas.openxmlformats.org/officeDocument/2006/relationships" r:dm="rId3" r:lo="rId4" r:qs="rId5" r:cs="rId6"/>
+          </a:graphicData>
+        </a:graphic>
+      </p:graphicFrame>
+      <p:sp>
+        <p:nvSpPr>
+          <p:cNvPr id="17" name="Slide Number Placeholder 3">
+            <a:extLst>
+              <a:ext uri="{FF2B5EF4-FFF2-40B4-BE49-F238E27FC236}">
+                <a16:creationId xmlns:a16="http://schemas.microsoft.com/office/drawing/2014/main" id="{FCF038B6-9AE8-0555-90BB-B9D73E28EEA8}"/>
+              </a:ext>
+            </a:extLst>
+          </p:cNvPr>
+          <p:cNvSpPr>
+            <a:spLocks noGrp="1"/>
+          </p:cNvSpPr>
+          <p:nvPr>
             <p:ph type="sldNum" sz="quarter" idx="12"/>
           </p:nvPr>
         </p:nvSpPr>
-        <p:spPr/>
+        <p:spPr>
+          <a:xfrm>
+            <a:off x="11453346" y="6174902"/>
+            <a:ext cx="357116" cy="365125"/>
+          </a:xfrm>
+        </p:spPr>
         <p:txBody>
-          <a:bodyPr anchor="ctr">
-            <a:normAutofit/>
-          </a:bodyPr>
+          <a:bodyPr/>
           <a:lstStyle/>
           <a:p>
             <a:pPr rtl="0">
@@ -12522,178 +15395,10 @@
               </a:pPr>
               <a:t>20</a:t>
             </a:fld>
-            <a:endParaRPr lang="es-ES" noProof="0"/>
+            <a:endParaRPr lang="es-ES" noProof="0" dirty="0"/>
           </a:p>
         </p:txBody>
       </p:sp>
-      <p:sp>
-        <p:nvSpPr>
-          <p:cNvPr id="12" name="Title 1">
-            <a:extLst>
-              <a:ext uri="{FF2B5EF4-FFF2-40B4-BE49-F238E27FC236}">
-                <a16:creationId xmlns:a16="http://schemas.microsoft.com/office/drawing/2014/main" id="{A217D894-1B92-EA44-243A-F90D0B35927F}"/>
-              </a:ext>
-            </a:extLst>
-          </p:cNvPr>
-          <p:cNvSpPr>
-            <a:spLocks noGrp="1"/>
-          </p:cNvSpPr>
-          <p:nvPr>
-            <p:ph type="title"/>
-          </p:nvPr>
-        </p:nvSpPr>
-        <p:spPr/>
-        <p:txBody>
-          <a:bodyPr/>
-          <a:lstStyle/>
-          <a:p>
-            <a:r>
-              <a:rPr lang="en-US" dirty="0"/>
-              <a:t>Cluster de barrios </a:t>
-            </a:r>
-            <a:r>
-              <a:rPr lang="en-US" dirty="0" err="1"/>
-              <a:t>según</a:t>
-            </a:r>
-            <a:r>
-              <a:rPr lang="en-US" dirty="0"/>
-              <a:t> </a:t>
-            </a:r>
-            <a:r>
-              <a:rPr lang="en-US" dirty="0" err="1"/>
-              <a:t>estacionalidad</a:t>
-            </a:r>
-            <a:endParaRPr lang="en-US" dirty="0"/>
-          </a:p>
-        </p:txBody>
-      </p:sp>
-      <p:pic>
-        <p:nvPicPr>
-          <p:cNvPr id="7" name="Marcador de contenido 6" descr="Gráfico, Gráfico de dispersión&#10;&#10;Descripción generada automáticamente">
-            <a:extLst>
-              <a:ext uri="{FF2B5EF4-FFF2-40B4-BE49-F238E27FC236}">
-                <a16:creationId xmlns:a16="http://schemas.microsoft.com/office/drawing/2014/main" id="{3B3E3C25-2E97-B4DC-B26C-B850C9641A6E}"/>
-              </a:ext>
-            </a:extLst>
-          </p:cNvPr>
-          <p:cNvPicPr>
-            <a:picLocks noGrp="1" noChangeAspect="1"/>
-          </p:cNvPicPr>
-          <p:nvPr>
-            <p:ph sz="half" idx="1"/>
-          </p:nvPr>
-        </p:nvPicPr>
-        <p:blipFill>
-          <a:blip r:embed="rId3">
-            <a:extLst>
-              <a:ext uri="{28A0092B-C50C-407E-A947-70E740481C1C}">
-                <a14:useLocalDpi xmlns:a14="http://schemas.microsoft.com/office/drawing/2010/main" val="0"/>
-              </a:ext>
-            </a:extLst>
-          </a:blip>
-          <a:stretch/>
-        </p:blipFill>
-        <p:spPr>
-          <a:xfrm>
-            <a:off x="896107" y="1921030"/>
-            <a:ext cx="5065786" cy="4160528"/>
-          </a:xfrm>
-          <a:noFill/>
-        </p:spPr>
-      </p:pic>
-      <p:pic>
-        <p:nvPicPr>
-          <p:cNvPr id="10" name="Marcador de contenido 9" descr="Gráfico, Gráfico de dispersión&#10;&#10;Descripción generada automáticamente">
-            <a:extLst>
-              <a:ext uri="{FF2B5EF4-FFF2-40B4-BE49-F238E27FC236}">
-                <a16:creationId xmlns:a16="http://schemas.microsoft.com/office/drawing/2014/main" id="{FFC1FA08-9EA4-0A7C-8F7C-DC4CA67F9AA3}"/>
-              </a:ext>
-            </a:extLst>
-          </p:cNvPr>
-          <p:cNvPicPr>
-            <a:picLocks noGrp="1" noChangeAspect="1"/>
-          </p:cNvPicPr>
-          <p:nvPr>
-            <p:ph sz="half" idx="2"/>
-          </p:nvPr>
-        </p:nvPicPr>
-        <p:blipFill>
-          <a:blip r:embed="rId4">
-            <a:extLst>
-              <a:ext uri="{28A0092B-C50C-407E-A947-70E740481C1C}">
-                <a14:useLocalDpi xmlns:a14="http://schemas.microsoft.com/office/drawing/2010/main" val="0"/>
-              </a:ext>
-            </a:extLst>
-          </a:blip>
-          <a:stretch>
-            <a:fillRect/>
-          </a:stretch>
-        </p:blipFill>
-        <p:spPr>
-          <a:xfrm>
-            <a:off x="6179815" y="1921030"/>
-            <a:ext cx="5166370" cy="4160528"/>
-          </a:xfrm>
-        </p:spPr>
-      </p:pic>
-    </p:spTree>
-    <p:extLst>
-      <p:ext uri="{BB962C8B-B14F-4D97-AF65-F5344CB8AC3E}">
-        <p14:creationId xmlns:p14="http://schemas.microsoft.com/office/powerpoint/2010/main" val="1913287815"/>
-      </p:ext>
-    </p:extLst>
-  </p:cSld>
-  <p:clrMapOvr>
-    <a:masterClrMapping/>
-  </p:clrMapOvr>
-</p:sld>
-</file>
-
-<file path=ppt/slides/slide21.xml><?xml version="1.0" encoding="utf-8"?>
-<p:sld xmlns:a="http://schemas.openxmlformats.org/drawingml/2006/main" xmlns:r="http://schemas.openxmlformats.org/officeDocument/2006/relationships" xmlns:p="http://schemas.openxmlformats.org/presentationml/2006/main">
-  <p:cSld>
-    <p:spTree>
-      <p:nvGrpSpPr>
-        <p:cNvPr id="1" name=""/>
-        <p:cNvGrpSpPr/>
-        <p:nvPr/>
-      </p:nvGrpSpPr>
-      <p:grpSpPr>
-        <a:xfrm>
-          <a:off x="0" y="0"/>
-          <a:ext cx="0" cy="0"/>
-          <a:chOff x="0" y="0"/>
-          <a:chExt cx="0" cy="0"/>
-        </a:xfrm>
-      </p:grpSpPr>
-      <p:pic>
-        <p:nvPicPr>
-          <p:cNvPr id="7" name="Marcador de contenido 6" descr="Tabla&#10;&#10;Descripción generada automáticamente">
-            <a:extLst>
-              <a:ext uri="{FF2B5EF4-FFF2-40B4-BE49-F238E27FC236}">
-                <a16:creationId xmlns:a16="http://schemas.microsoft.com/office/drawing/2014/main" id="{47FA3D05-D25D-8137-712C-248B2CB3A8FD}"/>
-              </a:ext>
-            </a:extLst>
-          </p:cNvPr>
-          <p:cNvPicPr>
-            <a:picLocks noGrp="1" noChangeAspect="1"/>
-          </p:cNvPicPr>
-          <p:nvPr>
-            <p:ph idx="1"/>
-          </p:nvPr>
-        </p:nvPicPr>
-        <p:blipFill>
-          <a:blip r:embed="rId2"/>
-          <a:stretch/>
-        </p:blipFill>
-        <p:spPr>
-          <a:xfrm>
-            <a:off x="1498839" y="196600"/>
-            <a:ext cx="9194321" cy="6091237"/>
-          </a:xfrm>
-          <a:noFill/>
-        </p:spPr>
-      </p:pic>
       <p:sp>
         <p:nvSpPr>
           <p:cNvPr id="2" name="Marcador de número de diapositiva 1" hidden="1">
@@ -12727,7 +15432,7 @@
                   <a:spcPts val="600"/>
                 </a:spcAft>
               </a:pPr>
-              <a:t>21</a:t>
+              <a:t>20</a:t>
             </a:fld>
             <a:endParaRPr lang="es-ES" noProof="0"/>
           </a:p>
@@ -12841,7 +15546,7 @@
           </p:nvPr>
         </p:nvPicPr>
         <p:blipFill>
-          <a:blip r:embed="rId2">
+          <a:blip r:embed="rId3">
             <a:extLst>
               <a:ext uri="{28A0092B-C50C-407E-A947-70E740481C1C}">
                 <a14:useLocalDpi xmlns:a14="http://schemas.microsoft.com/office/drawing/2010/main" val="0"/>
@@ -13483,6 +16188,31 @@
       </p:grpSpPr>
       <p:sp>
         <p:nvSpPr>
+          <p:cNvPr id="7" name="Marcador de texto 6">
+            <a:extLst>
+              <a:ext uri="{FF2B5EF4-FFF2-40B4-BE49-F238E27FC236}">
+                <a16:creationId xmlns:a16="http://schemas.microsoft.com/office/drawing/2014/main" id="{F5B28518-5E2A-BF98-F796-C19A535A127F}"/>
+              </a:ext>
+            </a:extLst>
+          </p:cNvPr>
+          <p:cNvSpPr>
+            <a:spLocks noGrp="1"/>
+          </p:cNvSpPr>
+          <p:nvPr>
+            <p:ph type="body" sz="half" idx="2"/>
+          </p:nvPr>
+        </p:nvSpPr>
+        <p:spPr/>
+        <p:txBody>
+          <a:bodyPr/>
+          <a:lstStyle/>
+          <a:p>
+            <a:endParaRPr lang="es-ES"/>
+          </a:p>
+        </p:txBody>
+      </p:sp>
+      <p:sp>
+        <p:nvSpPr>
           <p:cNvPr id="4" name="Marcador de número de diapositiva 3" hidden="1">
             <a:extLst>
               <a:ext uri="{FF2B5EF4-FFF2-40B4-BE49-F238E27FC236}">
@@ -13535,7 +16265,7 @@
           <p:nvPr/>
         </p:nvPicPr>
         <p:blipFill>
-          <a:blip r:embed="rId2"/>
+          <a:blip r:embed="rId3"/>
           <a:stretch>
             <a:fillRect/>
           </a:stretch>
@@ -13651,6 +16381,35 @@
           <a:chExt cx="0" cy="0"/>
         </a:xfrm>
       </p:grpSpPr>
+      <p:pic>
+        <p:nvPicPr>
+          <p:cNvPr id="11" name="Marcador de contenido 10">
+            <a:extLst>
+              <a:ext uri="{FF2B5EF4-FFF2-40B4-BE49-F238E27FC236}">
+                <a16:creationId xmlns:a16="http://schemas.microsoft.com/office/drawing/2014/main" id="{885AA644-E183-4BF5-5592-959A3EA7D5BB}"/>
+              </a:ext>
+            </a:extLst>
+          </p:cNvPr>
+          <p:cNvPicPr>
+            <a:picLocks noGrp="1" noChangeAspect="1"/>
+          </p:cNvPicPr>
+          <p:nvPr>
+            <p:ph idx="1"/>
+          </p:nvPr>
+        </p:nvPicPr>
+        <p:blipFill>
+          <a:blip r:embed="rId3"/>
+          <a:stretch>
+            <a:fillRect/>
+          </a:stretch>
+        </p:blipFill>
+        <p:spPr>
+          <a:xfrm>
+            <a:off x="4636826" y="1106905"/>
+            <a:ext cx="6718562" cy="4286113"/>
+          </a:xfrm>
+        </p:spPr>
+      </p:pic>
       <p:sp>
         <p:nvSpPr>
           <p:cNvPr id="4" name="Marcador de número de diapositiva 3">
@@ -13681,35 +16440,6 @@
           </a:p>
         </p:txBody>
       </p:sp>
-      <p:pic>
-        <p:nvPicPr>
-          <p:cNvPr id="11" name="Marcador de contenido 10">
-            <a:extLst>
-              <a:ext uri="{FF2B5EF4-FFF2-40B4-BE49-F238E27FC236}">
-                <a16:creationId xmlns:a16="http://schemas.microsoft.com/office/drawing/2014/main" id="{885AA644-E183-4BF5-5592-959A3EA7D5BB}"/>
-              </a:ext>
-            </a:extLst>
-          </p:cNvPr>
-          <p:cNvPicPr>
-            <a:picLocks noGrp="1" noChangeAspect="1"/>
-          </p:cNvPicPr>
-          <p:nvPr>
-            <p:ph idx="1"/>
-          </p:nvPr>
-        </p:nvPicPr>
-        <p:blipFill>
-          <a:blip r:embed="rId2"/>
-          <a:stretch>
-            <a:fillRect/>
-          </a:stretch>
-        </p:blipFill>
-        <p:spPr>
-          <a:xfrm>
-            <a:off x="3866147" y="1253330"/>
-            <a:ext cx="7587199" cy="4840263"/>
-          </a:xfrm>
-        </p:spPr>
-      </p:pic>
       <p:sp>
         <p:nvSpPr>
           <p:cNvPr id="13" name="CuadroTexto 12">
@@ -13724,7 +16454,7 @@
         </p:nvSpPr>
         <p:spPr>
           <a:xfrm>
-            <a:off x="457946" y="1073382"/>
+            <a:off x="457946" y="1265887"/>
             <a:ext cx="2662989" cy="2031325"/>
           </a:xfrm>
           <a:prstGeom prst="rect">
@@ -13769,7 +16499,7 @@
         </p:nvCxnSpPr>
         <p:spPr>
           <a:xfrm>
-            <a:off x="1990713" y="2979686"/>
+            <a:off x="3120935" y="3104707"/>
             <a:ext cx="1892595" cy="1387549"/>
           </a:xfrm>
           <a:prstGeom prst="curvedConnector3">
@@ -13830,6 +16560,35 @@
           <a:chExt cx="0" cy="0"/>
         </a:xfrm>
       </p:grpSpPr>
+      <p:pic>
+        <p:nvPicPr>
+          <p:cNvPr id="8" name="Marcador de contenido 7">
+            <a:extLst>
+              <a:ext uri="{FF2B5EF4-FFF2-40B4-BE49-F238E27FC236}">
+                <a16:creationId xmlns:a16="http://schemas.microsoft.com/office/drawing/2014/main" id="{871DCB07-6D21-3563-3B91-9E1ED3C58852}"/>
+              </a:ext>
+            </a:extLst>
+          </p:cNvPr>
+          <p:cNvPicPr>
+            <a:picLocks noGrp="1" noChangeAspect="1"/>
+          </p:cNvPicPr>
+          <p:nvPr>
+            <p:ph idx="1"/>
+          </p:nvPr>
+        </p:nvPicPr>
+        <p:blipFill>
+          <a:blip r:embed="rId3"/>
+          <a:stretch>
+            <a:fillRect/>
+          </a:stretch>
+        </p:blipFill>
+        <p:spPr>
+          <a:xfrm>
+            <a:off x="717496" y="1742958"/>
+            <a:ext cx="6820801" cy="4351338"/>
+          </a:xfrm>
+        </p:spPr>
+      </p:pic>
       <p:sp>
         <p:nvSpPr>
           <p:cNvPr id="4" name="Marcador de número de diapositiva 3">
@@ -13860,35 +16619,6 @@
           </a:p>
         </p:txBody>
       </p:sp>
-      <p:pic>
-        <p:nvPicPr>
-          <p:cNvPr id="8" name="Marcador de contenido 7">
-            <a:extLst>
-              <a:ext uri="{FF2B5EF4-FFF2-40B4-BE49-F238E27FC236}">
-                <a16:creationId xmlns:a16="http://schemas.microsoft.com/office/drawing/2014/main" id="{871DCB07-6D21-3563-3B91-9E1ED3C58852}"/>
-              </a:ext>
-            </a:extLst>
-          </p:cNvPr>
-          <p:cNvPicPr>
-            <a:picLocks noGrp="1" noChangeAspect="1"/>
-          </p:cNvPicPr>
-          <p:nvPr>
-            <p:ph idx="1"/>
-          </p:nvPr>
-        </p:nvPicPr>
-        <p:blipFill>
-          <a:blip r:embed="rId2"/>
-          <a:stretch>
-            <a:fillRect/>
-          </a:stretch>
-        </p:blipFill>
-        <p:spPr>
-          <a:xfrm>
-            <a:off x="600126" y="1253331"/>
-            <a:ext cx="6820801" cy="4351338"/>
-          </a:xfrm>
-        </p:spPr>
-      </p:pic>
       <p:sp>
         <p:nvSpPr>
           <p:cNvPr id="10" name="Rectángulo: esquinas redondeadas 9" descr="Los precios también presentan outliers muy marcados.&#10;&#10;">
@@ -14141,7 +16871,7 @@
           </p:nvPr>
         </p:nvPicPr>
         <p:blipFill>
-          <a:blip r:embed="rId2">
+          <a:blip r:embed="rId3">
             <a:extLst>
               <a:ext uri="{28A0092B-C50C-407E-A947-70E740481C1C}">
                 <a14:useLocalDpi xmlns:a14="http://schemas.microsoft.com/office/drawing/2010/main" val="0"/>
@@ -15071,6 +17801,14 @@
 </file>
 
 <file path=customXml/item1.xml><?xml version="1.0" encoding="utf-8"?>
+<p:properties xmlns:p="http://schemas.microsoft.com/office/2006/metadata/properties" xmlns:xsi="http://www.w3.org/2001/XMLSchema-instance" xmlns:pc="http://schemas.microsoft.com/office/infopath/2007/PartnerControls">
+  <documentManagement>
+    <MediaServiceKeyPoints xmlns="71af3243-3dd4-4a8d-8c0d-dd76da1f02a5" xsi:nil="true"/>
+  </documentManagement>
+</p:properties>
+</file>
+
+<file path=customXml/item2.xml><?xml version="1.0" encoding="utf-8"?>
 <?mso-contentType ?>
 <FormTemplates xmlns="http://schemas.microsoft.com/sharepoint/v3/contenttype/forms">
   <Display>DocumentLibraryForm</Display>
@@ -15079,7 +17817,7 @@
 </FormTemplates>
 </file>
 
-<file path=customXml/item2.xml><?xml version="1.0" encoding="utf-8"?>
+<file path=customXml/item3.xml><?xml version="1.0" encoding="utf-8"?>
 <ct:contentTypeSchema xmlns:ct="http://schemas.microsoft.com/office/2006/metadata/contentType" xmlns:ma="http://schemas.microsoft.com/office/2006/metadata/properties/metaAttributes" ct:_="" ma:_="" ma:contentTypeName="Document" ma:contentTypeID="0x01010079F111ED35F8CC479449609E8A0923A6" ma:contentTypeVersion="11" ma:contentTypeDescription="Create a new document." ma:contentTypeScope="" ma:versionID="9677210f24a1be23c92c90fd886aa0aa">
   <xsd:schema xmlns:xsd="http://www.w3.org/2001/XMLSchema" xmlns:xs="http://www.w3.org/2001/XMLSchema" xmlns:p="http://schemas.microsoft.com/office/2006/metadata/properties" xmlns:ns2="71af3243-3dd4-4a8d-8c0d-dd76da1f02a5" xmlns:ns3="16c05727-aa75-4e4a-9b5f-8a80a1165891" targetNamespace="http://schemas.microsoft.com/office/2006/metadata/properties" ma:root="true" ma:fieldsID="60e05723c5c1908df1a1a4ebf11d344e" ns2:_="" ns3:_="">
     <xsd:import namespace="71af3243-3dd4-4a8d-8c0d-dd76da1f02a5"/>
@@ -15290,15 +18028,17 @@
 </ct:contentTypeSchema>
 </file>
 
-<file path=customXml/item3.xml><?xml version="1.0" encoding="utf-8"?>
-<p:properties xmlns:p="http://schemas.microsoft.com/office/2006/metadata/properties" xmlns:xsi="http://www.w3.org/2001/XMLSchema-instance" xmlns:pc="http://schemas.microsoft.com/office/infopath/2007/PartnerControls">
-  <documentManagement>
-    <MediaServiceKeyPoints xmlns="71af3243-3dd4-4a8d-8c0d-dd76da1f02a5" xsi:nil="true"/>
-  </documentManagement>
-</p:properties>
+<file path=customXml/itemProps1.xml><?xml version="1.0" encoding="utf-8"?>
+<ds:datastoreItem xmlns:ds="http://schemas.openxmlformats.org/officeDocument/2006/customXml" ds:itemID="{3C118CE8-9293-4220-BA3B-5D353B13ABC9}">
+  <ds:schemaRefs>
+    <ds:schemaRef ds:uri="http://schemas.microsoft.com/office/2006/metadata/properties"/>
+    <ds:schemaRef ds:uri="http://schemas.microsoft.com/office/infopath/2007/PartnerControls"/>
+    <ds:schemaRef ds:uri="71af3243-3dd4-4a8d-8c0d-dd76da1f02a5"/>
+  </ds:schemaRefs>
+</ds:datastoreItem>
 </file>
 
-<file path=customXml/itemProps1.xml><?xml version="1.0" encoding="utf-8"?>
+<file path=customXml/itemProps2.xml><?xml version="1.0" encoding="utf-8"?>
 <ds:datastoreItem xmlns:ds="http://schemas.openxmlformats.org/officeDocument/2006/customXml" ds:itemID="{A2DDA16B-F3AC-4A5B-9F5F-6F5A8F47A9E6}">
   <ds:schemaRefs>
     <ds:schemaRef ds:uri="http://schemas.microsoft.com/sharepoint/v3/contenttype/forms"/>
@@ -15306,7 +18046,7 @@
 </ds:datastoreItem>
 </file>
 
-<file path=customXml/itemProps2.xml><?xml version="1.0" encoding="utf-8"?>
+<file path=customXml/itemProps3.xml><?xml version="1.0" encoding="utf-8"?>
 <ds:datastoreItem xmlns:ds="http://schemas.openxmlformats.org/officeDocument/2006/customXml" ds:itemID="{A426FE2C-7640-4BF0-9D68-FDFD4151FD5B}">
   <ds:schemaRefs>
     <ds:schemaRef ds:uri="http://schemas.microsoft.com/office/2006/metadata/contentType"/>
@@ -15323,14 +18063,4 @@
     <ds:schemaRef ds:uri="http://schemas.microsoft.com/internal/obd"/>
   </ds:schemaRefs>
 </ds:datastoreItem>
-</file>
-
-<file path=customXml/itemProps3.xml><?xml version="1.0" encoding="utf-8"?>
-<ds:datastoreItem xmlns:ds="http://schemas.openxmlformats.org/officeDocument/2006/customXml" ds:itemID="{3C118CE8-9293-4220-BA3B-5D353B13ABC9}">
-  <ds:schemaRefs>
-    <ds:schemaRef ds:uri="http://schemas.microsoft.com/office/2006/metadata/properties"/>
-    <ds:schemaRef ds:uri="http://schemas.microsoft.com/office/infopath/2007/PartnerControls"/>
-    <ds:schemaRef ds:uri="71af3243-3dd4-4a8d-8c0d-dd76da1f02a5"/>
-  </ds:schemaRefs>
-</ds:datastoreItem>
 </file>